--- a/folien.pptx
+++ b/folien.pptx
@@ -4,8 +4,12 @@
   <p:sldMasterIdLst>
     <p:sldMasterId id="2147483648" r:id="rId1"/>
   </p:sldMasterIdLst>
+  <p:notesMasterIdLst>
+    <p:notesMasterId r:id="rId4"/>
+  </p:notesMasterIdLst>
   <p:sldIdLst>
     <p:sldId id="256" r:id="rId2"/>
+    <p:sldId id="257" r:id="rId3"/>
   </p:sldIdLst>
   <p:sldSz cx="12192000" cy="6858000"/>
   <p:notesSz cx="6858000" cy="9144000"/>
@@ -105,6 +109,355 @@
     </a:lvl9pPr>
   </p:defaultTextStyle>
 </p:presentation>
+</file>
+
+<file path=ppt/notesMasters/notesMaster1.xml><?xml version="1.0" encoding="utf-8"?>
+<p:notesMaster xmlns:a="http://schemas.openxmlformats.org/drawingml/2006/main" xmlns:r="http://schemas.openxmlformats.org/officeDocument/2006/relationships" xmlns:p="http://schemas.openxmlformats.org/presentationml/2006/main">
+  <p:cSld>
+    <p:bg>
+      <p:bgRef idx="1001">
+        <a:schemeClr val="bg1"/>
+      </p:bgRef>
+    </p:bg>
+    <p:spTree>
+      <p:nvGrpSpPr>
+        <p:cNvPr id="1" name=""/>
+        <p:cNvGrpSpPr/>
+        <p:nvPr/>
+      </p:nvGrpSpPr>
+      <p:grpSpPr>
+        <a:xfrm>
+          <a:off x="0" y="0"/>
+          <a:ext cx="0" cy="0"/>
+          <a:chOff x="0" y="0"/>
+          <a:chExt cx="0" cy="0"/>
+        </a:xfrm>
+      </p:grpSpPr>
+      <p:sp>
+        <p:nvSpPr>
+          <p:cNvPr id="2" name="Kopfzeilenplatzhalter 1"/>
+          <p:cNvSpPr>
+            <a:spLocks noGrp="1"/>
+          </p:cNvSpPr>
+          <p:nvPr>
+            <p:ph type="hdr" sz="quarter"/>
+          </p:nvPr>
+        </p:nvSpPr>
+        <p:spPr>
+          <a:xfrm>
+            <a:off x="0" y="0"/>
+            <a:ext cx="2971800" cy="458788"/>
+          </a:xfrm>
+          <a:prstGeom prst="rect">
+            <a:avLst/>
+          </a:prstGeom>
+        </p:spPr>
+        <p:txBody>
+          <a:bodyPr vert="horz" lIns="91440" tIns="45720" rIns="91440" bIns="45720" rtlCol="0"/>
+          <a:lstStyle>
+            <a:lvl1pPr algn="l">
+              <a:defRPr sz="1200"/>
+            </a:lvl1pPr>
+          </a:lstStyle>
+          <a:p>
+            <a:endParaRPr lang="de-DE"/>
+          </a:p>
+        </p:txBody>
+      </p:sp>
+      <p:sp>
+        <p:nvSpPr>
+          <p:cNvPr id="3" name="Datumsplatzhalter 2"/>
+          <p:cNvSpPr>
+            <a:spLocks noGrp="1"/>
+          </p:cNvSpPr>
+          <p:nvPr>
+            <p:ph type="dt" idx="1"/>
+          </p:nvPr>
+        </p:nvSpPr>
+        <p:spPr>
+          <a:xfrm>
+            <a:off x="3884613" y="0"/>
+            <a:ext cx="2971800" cy="458788"/>
+          </a:xfrm>
+          <a:prstGeom prst="rect">
+            <a:avLst/>
+          </a:prstGeom>
+        </p:spPr>
+        <p:txBody>
+          <a:bodyPr vert="horz" lIns="91440" tIns="45720" rIns="91440" bIns="45720" rtlCol="0"/>
+          <a:lstStyle>
+            <a:lvl1pPr algn="r">
+              <a:defRPr sz="1200"/>
+            </a:lvl1pPr>
+          </a:lstStyle>
+          <a:p>
+            <a:fld id="{6F599B60-A95C-4389-972A-B128B68BEE7C}" type="datetimeFigureOut">
+              <a:rPr lang="de-DE" smtClean="0"/>
+              <a:t>26.06.2022</a:t>
+            </a:fld>
+            <a:endParaRPr lang="de-DE"/>
+          </a:p>
+        </p:txBody>
+      </p:sp>
+      <p:sp>
+        <p:nvSpPr>
+          <p:cNvPr id="4" name="Folienbildplatzhalter 3"/>
+          <p:cNvSpPr>
+            <a:spLocks noGrp="1" noRot="1" noChangeAspect="1"/>
+          </p:cNvSpPr>
+          <p:nvPr>
+            <p:ph type="sldImg" idx="2"/>
+          </p:nvPr>
+        </p:nvSpPr>
+        <p:spPr>
+          <a:xfrm>
+            <a:off x="685800" y="1143000"/>
+            <a:ext cx="5486400" cy="3086100"/>
+          </a:xfrm>
+          <a:prstGeom prst="rect">
+            <a:avLst/>
+          </a:prstGeom>
+          <a:noFill/>
+          <a:ln w="12700">
+            <a:solidFill>
+              <a:prstClr val="black"/>
+            </a:solidFill>
+          </a:ln>
+        </p:spPr>
+        <p:txBody>
+          <a:bodyPr vert="horz" lIns="91440" tIns="45720" rIns="91440" bIns="45720" rtlCol="0" anchor="ctr"/>
+          <a:lstStyle/>
+          <a:p>
+            <a:endParaRPr lang="de-DE"/>
+          </a:p>
+        </p:txBody>
+      </p:sp>
+      <p:sp>
+        <p:nvSpPr>
+          <p:cNvPr id="5" name="Notizenplatzhalter 4"/>
+          <p:cNvSpPr>
+            <a:spLocks noGrp="1"/>
+          </p:cNvSpPr>
+          <p:nvPr>
+            <p:ph type="body" sz="quarter" idx="3"/>
+          </p:nvPr>
+        </p:nvSpPr>
+        <p:spPr>
+          <a:xfrm>
+            <a:off x="685800" y="4400550"/>
+            <a:ext cx="5486400" cy="3600450"/>
+          </a:xfrm>
+          <a:prstGeom prst="rect">
+            <a:avLst/>
+          </a:prstGeom>
+        </p:spPr>
+        <p:txBody>
+          <a:bodyPr vert="horz" lIns="91440" tIns="45720" rIns="91440" bIns="45720" rtlCol="0"/>
+          <a:lstStyle/>
+          <a:p>
+            <a:pPr lvl="0"/>
+            <a:r>
+              <a:rPr lang="de-DE"/>
+              <a:t>Mastertextformat bearbeiten</a:t>
+            </a:r>
+          </a:p>
+          <a:p>
+            <a:pPr lvl="1"/>
+            <a:r>
+              <a:rPr lang="de-DE"/>
+              <a:t>Zweite Ebene</a:t>
+            </a:r>
+          </a:p>
+          <a:p>
+            <a:pPr lvl="2"/>
+            <a:r>
+              <a:rPr lang="de-DE"/>
+              <a:t>Dritte Ebene</a:t>
+            </a:r>
+          </a:p>
+          <a:p>
+            <a:pPr lvl="3"/>
+            <a:r>
+              <a:rPr lang="de-DE"/>
+              <a:t>Vierte Ebene</a:t>
+            </a:r>
+          </a:p>
+          <a:p>
+            <a:pPr lvl="4"/>
+            <a:r>
+              <a:rPr lang="de-DE"/>
+              <a:t>Fünfte Ebene</a:t>
+            </a:r>
+          </a:p>
+        </p:txBody>
+      </p:sp>
+      <p:sp>
+        <p:nvSpPr>
+          <p:cNvPr id="6" name="Fußzeilenplatzhalter 5"/>
+          <p:cNvSpPr>
+            <a:spLocks noGrp="1"/>
+          </p:cNvSpPr>
+          <p:nvPr>
+            <p:ph type="ftr" sz="quarter" idx="4"/>
+          </p:nvPr>
+        </p:nvSpPr>
+        <p:spPr>
+          <a:xfrm>
+            <a:off x="0" y="8685213"/>
+            <a:ext cx="2971800" cy="458787"/>
+          </a:xfrm>
+          <a:prstGeom prst="rect">
+            <a:avLst/>
+          </a:prstGeom>
+        </p:spPr>
+        <p:txBody>
+          <a:bodyPr vert="horz" lIns="91440" tIns="45720" rIns="91440" bIns="45720" rtlCol="0" anchor="b"/>
+          <a:lstStyle>
+            <a:lvl1pPr algn="l">
+              <a:defRPr sz="1200"/>
+            </a:lvl1pPr>
+          </a:lstStyle>
+          <a:p>
+            <a:endParaRPr lang="de-DE"/>
+          </a:p>
+        </p:txBody>
+      </p:sp>
+      <p:sp>
+        <p:nvSpPr>
+          <p:cNvPr id="7" name="Foliennummernplatzhalter 6"/>
+          <p:cNvSpPr>
+            <a:spLocks noGrp="1"/>
+          </p:cNvSpPr>
+          <p:nvPr>
+            <p:ph type="sldNum" sz="quarter" idx="5"/>
+          </p:nvPr>
+        </p:nvSpPr>
+        <p:spPr>
+          <a:xfrm>
+            <a:off x="3884613" y="8685213"/>
+            <a:ext cx="2971800" cy="458787"/>
+          </a:xfrm>
+          <a:prstGeom prst="rect">
+            <a:avLst/>
+          </a:prstGeom>
+        </p:spPr>
+        <p:txBody>
+          <a:bodyPr vert="horz" lIns="91440" tIns="45720" rIns="91440" bIns="45720" rtlCol="0" anchor="b"/>
+          <a:lstStyle>
+            <a:lvl1pPr algn="r">
+              <a:defRPr sz="1200"/>
+            </a:lvl1pPr>
+          </a:lstStyle>
+          <a:p>
+            <a:fld id="{DC797EAB-7BF3-47F7-9B4A-30FB2EC63389}" type="slidenum">
+              <a:rPr lang="de-DE" smtClean="0"/>
+              <a:t>‹Nr.›</a:t>
+            </a:fld>
+            <a:endParaRPr lang="de-DE"/>
+          </a:p>
+        </p:txBody>
+      </p:sp>
+    </p:spTree>
+    <p:extLst>
+      <p:ext uri="{BB962C8B-B14F-4D97-AF65-F5344CB8AC3E}">
+        <p14:creationId xmlns:p14="http://schemas.microsoft.com/office/powerpoint/2010/main" val="3718307612"/>
+      </p:ext>
+    </p:extLst>
+  </p:cSld>
+  <p:clrMap bg1="lt1" tx1="dk1" bg2="lt2" tx2="dk2" accent1="accent1" accent2="accent2" accent3="accent3" accent4="accent4" accent5="accent5" accent6="accent6" hlink="hlink" folHlink="folHlink"/>
+  <p:notesStyle>
+    <a:lvl1pPr marL="0" algn="l" defTabSz="914400" rtl="0" eaLnBrk="1" latinLnBrk="0" hangingPunct="1">
+      <a:defRPr sz="1200" kern="1200">
+        <a:solidFill>
+          <a:schemeClr val="tx1"/>
+        </a:solidFill>
+        <a:latin typeface="+mn-lt"/>
+        <a:ea typeface="+mn-ea"/>
+        <a:cs typeface="+mn-cs"/>
+      </a:defRPr>
+    </a:lvl1pPr>
+    <a:lvl2pPr marL="457200" algn="l" defTabSz="914400" rtl="0" eaLnBrk="1" latinLnBrk="0" hangingPunct="1">
+      <a:defRPr sz="1200" kern="1200">
+        <a:solidFill>
+          <a:schemeClr val="tx1"/>
+        </a:solidFill>
+        <a:latin typeface="+mn-lt"/>
+        <a:ea typeface="+mn-ea"/>
+        <a:cs typeface="+mn-cs"/>
+      </a:defRPr>
+    </a:lvl2pPr>
+    <a:lvl3pPr marL="914400" algn="l" defTabSz="914400" rtl="0" eaLnBrk="1" latinLnBrk="0" hangingPunct="1">
+      <a:defRPr sz="1200" kern="1200">
+        <a:solidFill>
+          <a:schemeClr val="tx1"/>
+        </a:solidFill>
+        <a:latin typeface="+mn-lt"/>
+        <a:ea typeface="+mn-ea"/>
+        <a:cs typeface="+mn-cs"/>
+      </a:defRPr>
+    </a:lvl3pPr>
+    <a:lvl4pPr marL="1371600" algn="l" defTabSz="914400" rtl="0" eaLnBrk="1" latinLnBrk="0" hangingPunct="1">
+      <a:defRPr sz="1200" kern="1200">
+        <a:solidFill>
+          <a:schemeClr val="tx1"/>
+        </a:solidFill>
+        <a:latin typeface="+mn-lt"/>
+        <a:ea typeface="+mn-ea"/>
+        <a:cs typeface="+mn-cs"/>
+      </a:defRPr>
+    </a:lvl4pPr>
+    <a:lvl5pPr marL="1828800" algn="l" defTabSz="914400" rtl="0" eaLnBrk="1" latinLnBrk="0" hangingPunct="1">
+      <a:defRPr sz="1200" kern="1200">
+        <a:solidFill>
+          <a:schemeClr val="tx1"/>
+        </a:solidFill>
+        <a:latin typeface="+mn-lt"/>
+        <a:ea typeface="+mn-ea"/>
+        <a:cs typeface="+mn-cs"/>
+      </a:defRPr>
+    </a:lvl5pPr>
+    <a:lvl6pPr marL="2286000" algn="l" defTabSz="914400" rtl="0" eaLnBrk="1" latinLnBrk="0" hangingPunct="1">
+      <a:defRPr sz="1200" kern="1200">
+        <a:solidFill>
+          <a:schemeClr val="tx1"/>
+        </a:solidFill>
+        <a:latin typeface="+mn-lt"/>
+        <a:ea typeface="+mn-ea"/>
+        <a:cs typeface="+mn-cs"/>
+      </a:defRPr>
+    </a:lvl6pPr>
+    <a:lvl7pPr marL="2743200" algn="l" defTabSz="914400" rtl="0" eaLnBrk="1" latinLnBrk="0" hangingPunct="1">
+      <a:defRPr sz="1200" kern="1200">
+        <a:solidFill>
+          <a:schemeClr val="tx1"/>
+        </a:solidFill>
+        <a:latin typeface="+mn-lt"/>
+        <a:ea typeface="+mn-ea"/>
+        <a:cs typeface="+mn-cs"/>
+      </a:defRPr>
+    </a:lvl7pPr>
+    <a:lvl8pPr marL="3200400" algn="l" defTabSz="914400" rtl="0" eaLnBrk="1" latinLnBrk="0" hangingPunct="1">
+      <a:defRPr sz="1200" kern="1200">
+        <a:solidFill>
+          <a:schemeClr val="tx1"/>
+        </a:solidFill>
+        <a:latin typeface="+mn-lt"/>
+        <a:ea typeface="+mn-ea"/>
+        <a:cs typeface="+mn-cs"/>
+      </a:defRPr>
+    </a:lvl8pPr>
+    <a:lvl9pPr marL="3657600" algn="l" defTabSz="914400" rtl="0" eaLnBrk="1" latinLnBrk="0" hangingPunct="1">
+      <a:defRPr sz="1200" kern="1200">
+        <a:solidFill>
+          <a:schemeClr val="tx1"/>
+        </a:solidFill>
+        <a:latin typeface="+mn-lt"/>
+        <a:ea typeface="+mn-ea"/>
+        <a:cs typeface="+mn-cs"/>
+      </a:defRPr>
+    </a:lvl9pPr>
+  </p:notesStyle>
+</p:notesMaster>
 </file>
 
 <file path=ppt/slideLayouts/slideLayout1.xml><?xml version="1.0" encoding="utf-8"?>
@@ -3307,6 +3660,14 @@
 <file path=ppt/slides/slide1.xml><?xml version="1.0" encoding="utf-8"?>
 <p:sld xmlns:a="http://schemas.openxmlformats.org/drawingml/2006/main" xmlns:r="http://schemas.openxmlformats.org/officeDocument/2006/relationships" xmlns:p="http://schemas.openxmlformats.org/presentationml/2006/main">
   <p:cSld>
+    <p:bg>
+      <p:bgPr>
+        <a:solidFill>
+          <a:schemeClr val="bg1"/>
+        </a:solidFill>
+        <a:effectLst/>
+      </p:bgPr>
+    </p:bg>
     <p:spTree>
       <p:nvGrpSpPr>
         <p:cNvPr id="1" name=""/>
@@ -3321,6 +3682,66 @@
           <a:chExt cx="0" cy="0"/>
         </a:xfrm>
       </p:grpSpPr>
+      <p:sp useBgFill="1">
+        <p:nvSpPr>
+          <p:cNvPr id="10" name="Rectangle 9">
+            <a:extLst>
+              <a:ext uri="{FF2B5EF4-FFF2-40B4-BE49-F238E27FC236}">
+                <a16:creationId xmlns:a16="http://schemas.microsoft.com/office/drawing/2014/main" id="{ECC07320-C2CA-4E29-8481-9D9E143C7788}"/>
+              </a:ext>
+              <a:ext uri="{C183D7F6-B498-43B3-948B-1728B52AA6E4}">
+                <adec:decorative xmlns:adec="http://schemas.microsoft.com/office/drawing/2017/decorative" val="1"/>
+              </a:ext>
+            </a:extLst>
+          </p:cNvPr>
+          <p:cNvSpPr>
+            <a:spLocks noGrp="1" noRot="1" noChangeAspect="1" noMove="1" noResize="1" noEditPoints="1" noAdjustHandles="1" noChangeArrowheads="1" noChangeShapeType="1" noTextEdit="1"/>
+          </p:cNvSpPr>
+          <p:nvPr>
+            <p:extLst>
+              <p:ext uri="{386F3935-93C4-4BCD-93E2-E3B085C9AB24}">
+                <p16:designElem xmlns:p16="http://schemas.microsoft.com/office/powerpoint/2015/main" val="1"/>
+              </p:ext>
+            </p:extLst>
+          </p:nvPr>
+        </p:nvSpPr>
+        <p:spPr>
+          <a:xfrm>
+            <a:off x="-1" y="0"/>
+            <a:ext cx="12188952" cy="6858000"/>
+          </a:xfrm>
+          <a:prstGeom prst="rect">
+            <a:avLst/>
+          </a:prstGeom>
+          <a:ln>
+            <a:noFill/>
+          </a:ln>
+        </p:spPr>
+        <p:style>
+          <a:lnRef idx="2">
+            <a:schemeClr val="accent1">
+              <a:shade val="50000"/>
+            </a:schemeClr>
+          </a:lnRef>
+          <a:fillRef idx="1">
+            <a:schemeClr val="accent1"/>
+          </a:fillRef>
+          <a:effectRef idx="0">
+            <a:schemeClr val="accent1"/>
+          </a:effectRef>
+          <a:fontRef idx="minor">
+            <a:schemeClr val="lt1"/>
+          </a:fontRef>
+        </p:style>
+        <p:txBody>
+          <a:bodyPr rtlCol="0" anchor="ctr"/>
+          <a:lstStyle/>
+          <a:p>
+            <a:pPr algn="ctr"/>
+            <a:endParaRPr lang="en-US"/>
+          </a:p>
+        </p:txBody>
+      </p:sp>
       <p:sp>
         <p:nvSpPr>
           <p:cNvPr id="2" name="Titel 1">
@@ -3337,12 +3758,40 @@
             <p:ph type="ctrTitle"/>
           </p:nvPr>
         </p:nvSpPr>
-        <p:spPr/>
-        <p:txBody>
-          <a:bodyPr/>
-          <a:lstStyle/>
-          <a:p>
-            <a:endParaRPr lang="de-DE"/>
+        <p:spPr>
+          <a:xfrm>
+            <a:off x="6918059" y="743447"/>
+            <a:ext cx="4655105" cy="3098879"/>
+          </a:xfrm>
+          <a:noFill/>
+        </p:spPr>
+        <p:txBody>
+          <a:bodyPr>
+            <a:normAutofit/>
+          </a:bodyPr>
+          <a:lstStyle/>
+          <a:p>
+            <a:r>
+              <a:rPr lang="de-DE" sz="3600" b="1" dirty="0"/>
+              <a:t>Moore und Torfkörper unter landwirtschaftlich genutzter Fläche in Tirol</a:t>
+            </a:r>
+            <a:br>
+              <a:rPr lang="de-DE" sz="3600" dirty="0"/>
+            </a:br>
+            <a:br>
+              <a:rPr lang="de-DE" sz="3600" dirty="0"/>
+            </a:br>
+            <a:r>
+              <a:rPr lang="de-DE" sz="3600" dirty="0"/>
+              <a:t> </a:t>
+            </a:r>
+            <a:br>
+              <a:rPr lang="de-DE" sz="3600" dirty="0"/>
+            </a:br>
+            <a:r>
+              <a:rPr lang="de-DE" sz="3600" dirty="0"/>
+              <a:t>Projektpräsentation</a:t>
+            </a:r>
           </a:p>
         </p:txBody>
       </p:sp>
@@ -3362,19 +3811,190 @@
             <p:ph type="subTitle" idx="1"/>
           </p:nvPr>
         </p:nvSpPr>
-        <p:spPr/>
-        <p:txBody>
-          <a:bodyPr/>
-          <a:lstStyle/>
-          <a:p>
-            <a:endParaRPr lang="de-DE"/>
-          </a:p>
-        </p:txBody>
-      </p:sp>
+        <p:spPr>
+          <a:xfrm>
+            <a:off x="6918060" y="4487639"/>
+            <a:ext cx="4655104" cy="1626914"/>
+          </a:xfrm>
+          <a:noFill/>
+        </p:spPr>
+        <p:txBody>
+          <a:bodyPr>
+            <a:normAutofit/>
+          </a:bodyPr>
+          <a:lstStyle/>
+          <a:p>
+            <a:r>
+              <a:rPr lang="de-DE" sz="2000" dirty="0"/>
+              <a:t>VU Geoinformatik: Web </a:t>
+            </a:r>
+            <a:r>
+              <a:rPr lang="de-DE" sz="2000" dirty="0" err="1"/>
+              <a:t>mapping</a:t>
+            </a:r>
+            <a:r>
+              <a:rPr lang="de-DE" sz="2000" dirty="0"/>
+              <a:t> (SS2022)</a:t>
+            </a:r>
+          </a:p>
+          <a:p>
+            <a:r>
+              <a:rPr lang="de-DE" sz="2000" dirty="0"/>
+              <a:t>Leitung: Klaus Förster &amp; Bernd </a:t>
+            </a:r>
+            <a:r>
+              <a:rPr lang="de-DE" sz="2000" dirty="0" err="1"/>
+              <a:t>Öggl</a:t>
+            </a:r>
+            <a:endParaRPr lang="de-DE" sz="2000" dirty="0"/>
+          </a:p>
+          <a:p>
+            <a:r>
+              <a:rPr lang="de-DE" sz="2000" dirty="0"/>
+              <a:t>30. Juni 2022</a:t>
+            </a:r>
+          </a:p>
+          <a:p>
+            <a:r>
+              <a:rPr lang="de-DE" sz="2000" dirty="0"/>
+              <a:t>Helena Back, Lea Oertlin, Felix Rauch</a:t>
+            </a:r>
+          </a:p>
+          <a:p>
+            <a:pPr algn="l"/>
+            <a:endParaRPr lang="de-DE" dirty="0"/>
+          </a:p>
+        </p:txBody>
+      </p:sp>
+      <p:pic>
+        <p:nvPicPr>
+          <p:cNvPr id="5" name="Grafik 4" descr="Ein Bild, das Text, Pflanze, Gras enthält.&#10;&#10;Automatisch generierte Beschreibung">
+            <a:extLst>
+              <a:ext uri="{FF2B5EF4-FFF2-40B4-BE49-F238E27FC236}">
+                <a16:creationId xmlns:a16="http://schemas.microsoft.com/office/drawing/2014/main" id="{29065ABE-2E5E-3E9E-2E98-003669E3A523}"/>
+              </a:ext>
+            </a:extLst>
+          </p:cNvPr>
+          <p:cNvPicPr>
+            <a:picLocks noChangeAspect="1"/>
+          </p:cNvPicPr>
+          <p:nvPr/>
+        </p:nvPicPr>
+        <p:blipFill rotWithShape="1">
+          <a:blip r:embed="rId2">
+            <a:extLst>
+              <a:ext uri="{28A0092B-C50C-407E-A947-70E740481C1C}">
+                <a14:useLocalDpi xmlns:a14="http://schemas.microsoft.com/office/drawing/2010/main" val="0"/>
+              </a:ext>
+            </a:extLst>
+          </a:blip>
+          <a:srcRect r="-1" b="1682"/>
+          <a:stretch/>
+        </p:blipFill>
+        <p:spPr>
+          <a:xfrm>
+            <a:off x="295585" y="326578"/>
+            <a:ext cx="6326888" cy="6204844"/>
+          </a:xfrm>
+          <a:prstGeom prst="rect">
+            <a:avLst/>
+          </a:prstGeom>
+          <a:ln>
+            <a:noFill/>
+          </a:ln>
+          <a:effectLst>
+            <a:outerShdw blurRad="292100" dist="139700" dir="2700000" algn="tl" rotWithShape="0">
+              <a:srgbClr val="333333">
+                <a:alpha val="65000"/>
+              </a:srgbClr>
+            </a:outerShdw>
+          </a:effectLst>
+        </p:spPr>
+      </p:pic>
     </p:spTree>
     <p:extLst>
       <p:ext uri="{BB962C8B-B14F-4D97-AF65-F5344CB8AC3E}">
         <p14:creationId xmlns:p14="http://schemas.microsoft.com/office/powerpoint/2010/main" val="2140883968"/>
+      </p:ext>
+    </p:extLst>
+  </p:cSld>
+  <p:clrMapOvr>
+    <a:masterClrMapping/>
+  </p:clrMapOvr>
+</p:sld>
+</file>
+
+<file path=ppt/slides/slide2.xml><?xml version="1.0" encoding="utf-8"?>
+<p:sld xmlns:a="http://schemas.openxmlformats.org/drawingml/2006/main" xmlns:r="http://schemas.openxmlformats.org/officeDocument/2006/relationships" xmlns:p="http://schemas.openxmlformats.org/presentationml/2006/main">
+  <p:cSld>
+    <p:spTree>
+      <p:nvGrpSpPr>
+        <p:cNvPr id="1" name=""/>
+        <p:cNvGrpSpPr/>
+        <p:nvPr/>
+      </p:nvGrpSpPr>
+      <p:grpSpPr>
+        <a:xfrm>
+          <a:off x="0" y="0"/>
+          <a:ext cx="0" cy="0"/>
+          <a:chOff x="0" y="0"/>
+          <a:chExt cx="0" cy="0"/>
+        </a:xfrm>
+      </p:grpSpPr>
+      <p:sp>
+        <p:nvSpPr>
+          <p:cNvPr id="2" name="Titel 1">
+            <a:extLst>
+              <a:ext uri="{FF2B5EF4-FFF2-40B4-BE49-F238E27FC236}">
+                <a16:creationId xmlns:a16="http://schemas.microsoft.com/office/drawing/2014/main" id="{C7E1847C-81C8-953E-F51E-199DB477A578}"/>
+              </a:ext>
+            </a:extLst>
+          </p:cNvPr>
+          <p:cNvSpPr>
+            <a:spLocks noGrp="1"/>
+          </p:cNvSpPr>
+          <p:nvPr>
+            <p:ph type="title"/>
+          </p:nvPr>
+        </p:nvSpPr>
+        <p:spPr/>
+        <p:txBody>
+          <a:bodyPr/>
+          <a:lstStyle/>
+          <a:p>
+            <a:endParaRPr lang="de-DE" dirty="0"/>
+          </a:p>
+        </p:txBody>
+      </p:sp>
+      <p:sp>
+        <p:nvSpPr>
+          <p:cNvPr id="3" name="Inhaltsplatzhalter 2">
+            <a:extLst>
+              <a:ext uri="{FF2B5EF4-FFF2-40B4-BE49-F238E27FC236}">
+                <a16:creationId xmlns:a16="http://schemas.microsoft.com/office/drawing/2014/main" id="{F1DEEC07-2251-DE5B-2D37-CB8AB028240F}"/>
+              </a:ext>
+            </a:extLst>
+          </p:cNvPr>
+          <p:cNvSpPr>
+            <a:spLocks noGrp="1"/>
+          </p:cNvSpPr>
+          <p:nvPr>
+            <p:ph idx="1"/>
+          </p:nvPr>
+        </p:nvSpPr>
+        <p:spPr/>
+        <p:txBody>
+          <a:bodyPr/>
+          <a:lstStyle/>
+          <a:p>
+            <a:endParaRPr lang="de-DE"/>
+          </a:p>
+        </p:txBody>
+      </p:sp>
+    </p:spTree>
+    <p:extLst>
+      <p:ext uri="{BB962C8B-B14F-4D97-AF65-F5344CB8AC3E}">
+        <p14:creationId xmlns:p14="http://schemas.microsoft.com/office/powerpoint/2010/main" val="2948376158"/>
       </p:ext>
     </p:extLst>
   </p:cSld>
@@ -3677,4 +4297,299 @@
     </a:ext>
   </a:extLst>
 </a:theme>
+</file>
+
+<file path=ppt/theme/theme2.xml><?xml version="1.0" encoding="utf-8"?>
+<a:theme xmlns:a="http://schemas.openxmlformats.org/drawingml/2006/main" name="Office">
+  <a:themeElements>
+    <a:clrScheme name="Office">
+      <a:dk1>
+        <a:sysClr val="windowText" lastClr="000000"/>
+      </a:dk1>
+      <a:lt1>
+        <a:sysClr val="window" lastClr="FFFFFF"/>
+      </a:lt1>
+      <a:dk2>
+        <a:srgbClr val="44546A"/>
+      </a:dk2>
+      <a:lt2>
+        <a:srgbClr val="E7E6E6"/>
+      </a:lt2>
+      <a:accent1>
+        <a:srgbClr val="4472C4"/>
+      </a:accent1>
+      <a:accent2>
+        <a:srgbClr val="ED7D31"/>
+      </a:accent2>
+      <a:accent3>
+        <a:srgbClr val="A5A5A5"/>
+      </a:accent3>
+      <a:accent4>
+        <a:srgbClr val="FFC000"/>
+      </a:accent4>
+      <a:accent5>
+        <a:srgbClr val="5B9BD5"/>
+      </a:accent5>
+      <a:accent6>
+        <a:srgbClr val="70AD47"/>
+      </a:accent6>
+      <a:hlink>
+        <a:srgbClr val="0563C1"/>
+      </a:hlink>
+      <a:folHlink>
+        <a:srgbClr val="954F72"/>
+      </a:folHlink>
+    </a:clrScheme>
+    <a:fontScheme name="Office">
+      <a:majorFont>
+        <a:latin typeface="Calibri Light" panose="020F0302020204030204"/>
+        <a:ea typeface=""/>
+        <a:cs typeface=""/>
+        <a:font script="Jpan" typeface="游ゴシック Light"/>
+        <a:font script="Hang" typeface="맑은 고딕"/>
+        <a:font script="Hans" typeface="等线 Light"/>
+        <a:font script="Hant" typeface="新細明體"/>
+        <a:font script="Arab" typeface="Times New Roman"/>
+        <a:font script="Hebr" typeface="Times New Roman"/>
+        <a:font script="Thai" typeface="Angsana New"/>
+        <a:font script="Ethi" typeface="Nyala"/>
+        <a:font script="Beng" typeface="Vrinda"/>
+        <a:font script="Gujr" typeface="Shruti"/>
+        <a:font script="Khmr" typeface="MoolBoran"/>
+        <a:font script="Knda" typeface="Tunga"/>
+        <a:font script="Guru" typeface="Raavi"/>
+        <a:font script="Cans" typeface="Euphemia"/>
+        <a:font script="Cher" typeface="Plantagenet Cherokee"/>
+        <a:font script="Yiii" typeface="Microsoft Yi Baiti"/>
+        <a:font script="Tibt" typeface="Microsoft Himalaya"/>
+        <a:font script="Thaa" typeface="MV Boli"/>
+        <a:font script="Deva" typeface="Mangal"/>
+        <a:font script="Telu" typeface="Gautami"/>
+        <a:font script="Taml" typeface="Latha"/>
+        <a:font script="Syrc" typeface="Estrangelo Edessa"/>
+        <a:font script="Orya" typeface="Kalinga"/>
+        <a:font script="Mlym" typeface="Kartika"/>
+        <a:font script="Laoo" typeface="DokChampa"/>
+        <a:font script="Sinh" typeface="Iskoola Pota"/>
+        <a:font script="Mong" typeface="Mongolian Baiti"/>
+        <a:font script="Viet" typeface="Times New Roman"/>
+        <a:font script="Uigh" typeface="Microsoft Uighur"/>
+        <a:font script="Geor" typeface="Sylfaen"/>
+        <a:font script="Armn" typeface="Arial"/>
+        <a:font script="Bugi" typeface="Leelawadee UI"/>
+        <a:font script="Bopo" typeface="Microsoft JhengHei"/>
+        <a:font script="Java" typeface="Javanese Text"/>
+        <a:font script="Lisu" typeface="Segoe UI"/>
+        <a:font script="Mymr" typeface="Myanmar Text"/>
+        <a:font script="Nkoo" typeface="Ebrima"/>
+        <a:font script="Olck" typeface="Nirmala UI"/>
+        <a:font script="Osma" typeface="Ebrima"/>
+        <a:font script="Phag" typeface="Phagspa"/>
+        <a:font script="Syrn" typeface="Estrangelo Edessa"/>
+        <a:font script="Syrj" typeface="Estrangelo Edessa"/>
+        <a:font script="Syre" typeface="Estrangelo Edessa"/>
+        <a:font script="Sora" typeface="Nirmala UI"/>
+        <a:font script="Tale" typeface="Microsoft Tai Le"/>
+        <a:font script="Talu" typeface="Microsoft New Tai Lue"/>
+        <a:font script="Tfng" typeface="Ebrima"/>
+      </a:majorFont>
+      <a:minorFont>
+        <a:latin typeface="Calibri" panose="020F0502020204030204"/>
+        <a:ea typeface=""/>
+        <a:cs typeface=""/>
+        <a:font script="Jpan" typeface="游ゴシック"/>
+        <a:font script="Hang" typeface="맑은 고딕"/>
+        <a:font script="Hans" typeface="等线"/>
+        <a:font script="Hant" typeface="新細明體"/>
+        <a:font script="Arab" typeface="Arial"/>
+        <a:font script="Hebr" typeface="Arial"/>
+        <a:font script="Thai" typeface="Cordia New"/>
+        <a:font script="Ethi" typeface="Nyala"/>
+        <a:font script="Beng" typeface="Vrinda"/>
+        <a:font script="Gujr" typeface="Shruti"/>
+        <a:font script="Khmr" typeface="DaunPenh"/>
+        <a:font script="Knda" typeface="Tunga"/>
+        <a:font script="Guru" typeface="Raavi"/>
+        <a:font script="Cans" typeface="Euphemia"/>
+        <a:font script="Cher" typeface="Plantagenet Cherokee"/>
+        <a:font script="Yiii" typeface="Microsoft Yi Baiti"/>
+        <a:font script="Tibt" typeface="Microsoft Himalaya"/>
+        <a:font script="Thaa" typeface="MV Boli"/>
+        <a:font script="Deva" typeface="Mangal"/>
+        <a:font script="Telu" typeface="Gautami"/>
+        <a:font script="Taml" typeface="Latha"/>
+        <a:font script="Syrc" typeface="Estrangelo Edessa"/>
+        <a:font script="Orya" typeface="Kalinga"/>
+        <a:font script="Mlym" typeface="Kartika"/>
+        <a:font script="Laoo" typeface="DokChampa"/>
+        <a:font script="Sinh" typeface="Iskoola Pota"/>
+        <a:font script="Mong" typeface="Mongolian Baiti"/>
+        <a:font script="Viet" typeface="Arial"/>
+        <a:font script="Uigh" typeface="Microsoft Uighur"/>
+        <a:font script="Geor" typeface="Sylfaen"/>
+        <a:font script="Armn" typeface="Arial"/>
+        <a:font script="Bugi" typeface="Leelawadee UI"/>
+        <a:font script="Bopo" typeface="Microsoft JhengHei"/>
+        <a:font script="Java" typeface="Javanese Text"/>
+        <a:font script="Lisu" typeface="Segoe UI"/>
+        <a:font script="Mymr" typeface="Myanmar Text"/>
+        <a:font script="Nkoo" typeface="Ebrima"/>
+        <a:font script="Olck" typeface="Nirmala UI"/>
+        <a:font script="Osma" typeface="Ebrima"/>
+        <a:font script="Phag" typeface="Phagspa"/>
+        <a:font script="Syrn" typeface="Estrangelo Edessa"/>
+        <a:font script="Syrj" typeface="Estrangelo Edessa"/>
+        <a:font script="Syre" typeface="Estrangelo Edessa"/>
+        <a:font script="Sora" typeface="Nirmala UI"/>
+        <a:font script="Tale" typeface="Microsoft Tai Le"/>
+        <a:font script="Talu" typeface="Microsoft New Tai Lue"/>
+        <a:font script="Tfng" typeface="Ebrima"/>
+      </a:minorFont>
+    </a:fontScheme>
+    <a:fmtScheme name="Office">
+      <a:fillStyleLst>
+        <a:solidFill>
+          <a:schemeClr val="phClr"/>
+        </a:solidFill>
+        <a:gradFill rotWithShape="1">
+          <a:gsLst>
+            <a:gs pos="0">
+              <a:schemeClr val="phClr">
+                <a:lumMod val="110000"/>
+                <a:satMod val="105000"/>
+                <a:tint val="67000"/>
+              </a:schemeClr>
+            </a:gs>
+            <a:gs pos="50000">
+              <a:schemeClr val="phClr">
+                <a:lumMod val="105000"/>
+                <a:satMod val="103000"/>
+                <a:tint val="73000"/>
+              </a:schemeClr>
+            </a:gs>
+            <a:gs pos="100000">
+              <a:schemeClr val="phClr">
+                <a:lumMod val="105000"/>
+                <a:satMod val="109000"/>
+                <a:tint val="81000"/>
+              </a:schemeClr>
+            </a:gs>
+          </a:gsLst>
+          <a:lin ang="5400000" scaled="0"/>
+        </a:gradFill>
+        <a:gradFill rotWithShape="1">
+          <a:gsLst>
+            <a:gs pos="0">
+              <a:schemeClr val="phClr">
+                <a:satMod val="103000"/>
+                <a:lumMod val="102000"/>
+                <a:tint val="94000"/>
+              </a:schemeClr>
+            </a:gs>
+            <a:gs pos="50000">
+              <a:schemeClr val="phClr">
+                <a:satMod val="110000"/>
+                <a:lumMod val="100000"/>
+                <a:shade val="100000"/>
+              </a:schemeClr>
+            </a:gs>
+            <a:gs pos="100000">
+              <a:schemeClr val="phClr">
+                <a:lumMod val="99000"/>
+                <a:satMod val="120000"/>
+                <a:shade val="78000"/>
+              </a:schemeClr>
+            </a:gs>
+          </a:gsLst>
+          <a:lin ang="5400000" scaled="0"/>
+        </a:gradFill>
+      </a:fillStyleLst>
+      <a:lnStyleLst>
+        <a:ln w="6350" cap="flat" cmpd="sng" algn="ctr">
+          <a:solidFill>
+            <a:schemeClr val="phClr"/>
+          </a:solidFill>
+          <a:prstDash val="solid"/>
+          <a:miter lim="800000"/>
+        </a:ln>
+        <a:ln w="12700" cap="flat" cmpd="sng" algn="ctr">
+          <a:solidFill>
+            <a:schemeClr val="phClr"/>
+          </a:solidFill>
+          <a:prstDash val="solid"/>
+          <a:miter lim="800000"/>
+        </a:ln>
+        <a:ln w="19050" cap="flat" cmpd="sng" algn="ctr">
+          <a:solidFill>
+            <a:schemeClr val="phClr"/>
+          </a:solidFill>
+          <a:prstDash val="solid"/>
+          <a:miter lim="800000"/>
+        </a:ln>
+      </a:lnStyleLst>
+      <a:effectStyleLst>
+        <a:effectStyle>
+          <a:effectLst/>
+        </a:effectStyle>
+        <a:effectStyle>
+          <a:effectLst/>
+        </a:effectStyle>
+        <a:effectStyle>
+          <a:effectLst>
+            <a:outerShdw blurRad="57150" dist="19050" dir="5400000" algn="ctr" rotWithShape="0">
+              <a:srgbClr val="000000">
+                <a:alpha val="63000"/>
+              </a:srgbClr>
+            </a:outerShdw>
+          </a:effectLst>
+        </a:effectStyle>
+      </a:effectStyleLst>
+      <a:bgFillStyleLst>
+        <a:solidFill>
+          <a:schemeClr val="phClr"/>
+        </a:solidFill>
+        <a:solidFill>
+          <a:schemeClr val="phClr">
+            <a:tint val="95000"/>
+            <a:satMod val="170000"/>
+          </a:schemeClr>
+        </a:solidFill>
+        <a:gradFill rotWithShape="1">
+          <a:gsLst>
+            <a:gs pos="0">
+              <a:schemeClr val="phClr">
+                <a:tint val="93000"/>
+                <a:satMod val="150000"/>
+                <a:shade val="98000"/>
+                <a:lumMod val="102000"/>
+              </a:schemeClr>
+            </a:gs>
+            <a:gs pos="50000">
+              <a:schemeClr val="phClr">
+                <a:tint val="98000"/>
+                <a:satMod val="130000"/>
+                <a:shade val="90000"/>
+                <a:lumMod val="103000"/>
+              </a:schemeClr>
+            </a:gs>
+            <a:gs pos="100000">
+              <a:schemeClr val="phClr">
+                <a:shade val="63000"/>
+                <a:satMod val="120000"/>
+              </a:schemeClr>
+            </a:gs>
+          </a:gsLst>
+          <a:lin ang="5400000" scaled="0"/>
+        </a:gradFill>
+      </a:bgFillStyleLst>
+    </a:fmtScheme>
+  </a:themeElements>
+  <a:objectDefaults/>
+  <a:extraClrSchemeLst/>
+  <a:extLst>
+    <a:ext uri="{05A4C25C-085E-4340-85A3-A5531E510DB2}">
+      <thm15:themeFamily xmlns:thm15="http://schemas.microsoft.com/office/thememl/2012/main" name="Office Theme" id="{62F939B6-93AF-4DB8-9C6B-D6C7DFDC589F}" vid="{4A3C46E8-61CC-4603-A589-7422A47A8E4A}"/>
+    </a:ext>
+  </a:extLst>
+</a:theme>
 </file>
--- a/folien.pptx
+++ b/folien.pptx
@@ -5,11 +5,18 @@
     <p:sldMasterId id="2147483648" r:id="rId1"/>
   </p:sldMasterIdLst>
   <p:notesMasterIdLst>
-    <p:notesMasterId r:id="rId4"/>
+    <p:notesMasterId r:id="rId11"/>
   </p:notesMasterIdLst>
   <p:sldIdLst>
     <p:sldId id="256" r:id="rId2"/>
     <p:sldId id="257" r:id="rId3"/>
+    <p:sldId id="258" r:id="rId4"/>
+    <p:sldId id="259" r:id="rId5"/>
+    <p:sldId id="260" r:id="rId6"/>
+    <p:sldId id="261" r:id="rId7"/>
+    <p:sldId id="262" r:id="rId8"/>
+    <p:sldId id="263" r:id="rId9"/>
+    <p:sldId id="264" r:id="rId10"/>
   </p:sldIdLst>
   <p:sldSz cx="12192000" cy="6858000"/>
   <p:notesSz cx="6858000" cy="9144000"/>
@@ -108,7 +115,3107 @@
       </a:defRPr>
     </a:lvl9pPr>
   </p:defaultTextStyle>
+  <p:extLst>
+    <p:ext uri="{EFAFB233-063F-42B5-8137-9DF3F51BA10A}">
+      <p15:sldGuideLst xmlns:p15="http://schemas.microsoft.com/office/powerpoint/2012/main"/>
+    </p:ext>
+  </p:extLst>
 </p:presentation>
+</file>
+
+<file path=ppt/diagrams/colors1.xml><?xml version="1.0" encoding="utf-8"?>
+<dgm:colorsDef xmlns:dgm="http://schemas.openxmlformats.org/drawingml/2006/diagram" xmlns:a="http://schemas.openxmlformats.org/drawingml/2006/main" uniqueId="urn:microsoft.com/office/officeart/2005/8/colors/accent6_1">
+  <dgm:title val=""/>
+  <dgm:desc val=""/>
+  <dgm:catLst>
+    <dgm:cat type="accent6" pri="11100"/>
+  </dgm:catLst>
+  <dgm:styleLbl name="node0">
+    <dgm:fillClrLst meth="repeat">
+      <a:schemeClr val="lt1"/>
+    </dgm:fillClrLst>
+    <dgm:linClrLst meth="repeat">
+      <a:schemeClr val="accent6">
+        <a:shade val="80000"/>
+      </a:schemeClr>
+    </dgm:linClrLst>
+    <dgm:effectClrLst/>
+    <dgm:txLinClrLst/>
+    <dgm:txFillClrLst meth="repeat">
+      <a:schemeClr val="dk1"/>
+    </dgm:txFillClrLst>
+    <dgm:txEffectClrLst/>
+  </dgm:styleLbl>
+  <dgm:styleLbl name="node1">
+    <dgm:fillClrLst meth="repeat">
+      <a:schemeClr val="lt1"/>
+    </dgm:fillClrLst>
+    <dgm:linClrLst meth="repeat">
+      <a:schemeClr val="accent6">
+        <a:shade val="80000"/>
+      </a:schemeClr>
+    </dgm:linClrLst>
+    <dgm:effectClrLst/>
+    <dgm:txLinClrLst/>
+    <dgm:txFillClrLst meth="repeat">
+      <a:schemeClr val="dk1"/>
+    </dgm:txFillClrLst>
+    <dgm:txEffectClrLst/>
+  </dgm:styleLbl>
+  <dgm:styleLbl name="alignNode1">
+    <dgm:fillClrLst meth="repeat">
+      <a:schemeClr val="lt1"/>
+    </dgm:fillClrLst>
+    <dgm:linClrLst meth="repeat">
+      <a:schemeClr val="accent6">
+        <a:shade val="80000"/>
+      </a:schemeClr>
+    </dgm:linClrLst>
+    <dgm:effectClrLst/>
+    <dgm:txLinClrLst/>
+    <dgm:txFillClrLst meth="repeat">
+      <a:schemeClr val="dk1"/>
+    </dgm:txFillClrLst>
+    <dgm:txEffectClrLst/>
+  </dgm:styleLbl>
+  <dgm:styleLbl name="lnNode1">
+    <dgm:fillClrLst meth="repeat">
+      <a:schemeClr val="lt1"/>
+    </dgm:fillClrLst>
+    <dgm:linClrLst meth="repeat">
+      <a:schemeClr val="accent6">
+        <a:shade val="80000"/>
+      </a:schemeClr>
+    </dgm:linClrLst>
+    <dgm:effectClrLst/>
+    <dgm:txLinClrLst/>
+    <dgm:txFillClrLst meth="repeat">
+      <a:schemeClr val="dk1"/>
+    </dgm:txFillClrLst>
+    <dgm:txEffectClrLst/>
+  </dgm:styleLbl>
+  <dgm:styleLbl name="vennNode1">
+    <dgm:fillClrLst meth="repeat">
+      <a:schemeClr val="lt1">
+        <a:alpha val="50000"/>
+      </a:schemeClr>
+    </dgm:fillClrLst>
+    <dgm:linClrLst meth="repeat">
+      <a:schemeClr val="accent6">
+        <a:shade val="80000"/>
+      </a:schemeClr>
+    </dgm:linClrLst>
+    <dgm:effectClrLst/>
+    <dgm:txLinClrLst/>
+    <dgm:txFillClrLst/>
+    <dgm:txEffectClrLst/>
+  </dgm:styleLbl>
+  <dgm:styleLbl name="node2">
+    <dgm:fillClrLst meth="repeat">
+      <a:schemeClr val="lt1"/>
+    </dgm:fillClrLst>
+    <dgm:linClrLst meth="repeat">
+      <a:schemeClr val="accent6">
+        <a:shade val="80000"/>
+      </a:schemeClr>
+    </dgm:linClrLst>
+    <dgm:effectClrLst/>
+    <dgm:txLinClrLst/>
+    <dgm:txFillClrLst meth="repeat">
+      <a:schemeClr val="dk1"/>
+    </dgm:txFillClrLst>
+    <dgm:txEffectClrLst/>
+  </dgm:styleLbl>
+  <dgm:styleLbl name="node3">
+    <dgm:fillClrLst meth="repeat">
+      <a:schemeClr val="lt1"/>
+    </dgm:fillClrLst>
+    <dgm:linClrLst meth="repeat">
+      <a:schemeClr val="accent6">
+        <a:shade val="80000"/>
+      </a:schemeClr>
+    </dgm:linClrLst>
+    <dgm:effectClrLst/>
+    <dgm:txLinClrLst/>
+    <dgm:txFillClrLst meth="repeat">
+      <a:schemeClr val="dk1"/>
+    </dgm:txFillClrLst>
+    <dgm:txEffectClrLst/>
+  </dgm:styleLbl>
+  <dgm:styleLbl name="node4">
+    <dgm:fillClrLst meth="repeat">
+      <a:schemeClr val="lt1"/>
+    </dgm:fillClrLst>
+    <dgm:linClrLst meth="repeat">
+      <a:schemeClr val="accent6">
+        <a:shade val="80000"/>
+      </a:schemeClr>
+    </dgm:linClrLst>
+    <dgm:effectClrLst/>
+    <dgm:txLinClrLst/>
+    <dgm:txFillClrLst meth="repeat">
+      <a:schemeClr val="dk1"/>
+    </dgm:txFillClrLst>
+    <dgm:txEffectClrLst/>
+  </dgm:styleLbl>
+  <dgm:styleLbl name="fgImgPlace1">
+    <dgm:fillClrLst meth="repeat">
+      <a:schemeClr val="accent6">
+        <a:tint val="40000"/>
+      </a:schemeClr>
+    </dgm:fillClrLst>
+    <dgm:linClrLst meth="repeat">
+      <a:schemeClr val="accent6">
+        <a:shade val="80000"/>
+      </a:schemeClr>
+    </dgm:linClrLst>
+    <dgm:effectClrLst/>
+    <dgm:txLinClrLst/>
+    <dgm:txFillClrLst meth="repeat">
+      <a:schemeClr val="lt1"/>
+    </dgm:txFillClrLst>
+    <dgm:txEffectClrLst/>
+  </dgm:styleLbl>
+  <dgm:styleLbl name="alignImgPlace1">
+    <dgm:fillClrLst meth="repeat">
+      <a:schemeClr val="accent6">
+        <a:tint val="40000"/>
+      </a:schemeClr>
+    </dgm:fillClrLst>
+    <dgm:linClrLst meth="repeat">
+      <a:schemeClr val="accent6">
+        <a:shade val="80000"/>
+      </a:schemeClr>
+    </dgm:linClrLst>
+    <dgm:effectClrLst/>
+    <dgm:txLinClrLst/>
+    <dgm:txFillClrLst meth="repeat">
+      <a:schemeClr val="lt1"/>
+    </dgm:txFillClrLst>
+    <dgm:txEffectClrLst/>
+  </dgm:styleLbl>
+  <dgm:styleLbl name="bgImgPlace1">
+    <dgm:fillClrLst meth="repeat">
+      <a:schemeClr val="accent6">
+        <a:tint val="40000"/>
+      </a:schemeClr>
+    </dgm:fillClrLst>
+    <dgm:linClrLst meth="repeat">
+      <a:schemeClr val="accent6">
+        <a:shade val="80000"/>
+      </a:schemeClr>
+    </dgm:linClrLst>
+    <dgm:effectClrLst/>
+    <dgm:txLinClrLst/>
+    <dgm:txFillClrLst meth="repeat">
+      <a:schemeClr val="lt1"/>
+    </dgm:txFillClrLst>
+    <dgm:txEffectClrLst/>
+  </dgm:styleLbl>
+  <dgm:styleLbl name="sibTrans2D1">
+    <dgm:fillClrLst meth="repeat">
+      <a:schemeClr val="accent6">
+        <a:tint val="60000"/>
+      </a:schemeClr>
+    </dgm:fillClrLst>
+    <dgm:linClrLst meth="repeat">
+      <a:schemeClr val="accent6">
+        <a:tint val="60000"/>
+      </a:schemeClr>
+    </dgm:linClrLst>
+    <dgm:effectClrLst/>
+    <dgm:txLinClrLst/>
+    <dgm:txFillClrLst meth="repeat">
+      <a:schemeClr val="dk1"/>
+    </dgm:txFillClrLst>
+    <dgm:txEffectClrLst/>
+  </dgm:styleLbl>
+  <dgm:styleLbl name="fgSibTrans2D1">
+    <dgm:fillClrLst meth="repeat">
+      <a:schemeClr val="accent6">
+        <a:tint val="60000"/>
+      </a:schemeClr>
+    </dgm:fillClrLst>
+    <dgm:linClrLst meth="repeat">
+      <a:schemeClr val="accent6">
+        <a:tint val="60000"/>
+      </a:schemeClr>
+    </dgm:linClrLst>
+    <dgm:effectClrLst/>
+    <dgm:txLinClrLst/>
+    <dgm:txFillClrLst meth="repeat">
+      <a:schemeClr val="dk1"/>
+    </dgm:txFillClrLst>
+    <dgm:txEffectClrLst/>
+  </dgm:styleLbl>
+  <dgm:styleLbl name="bgSibTrans2D1">
+    <dgm:fillClrLst meth="repeat">
+      <a:schemeClr val="accent6">
+        <a:tint val="60000"/>
+      </a:schemeClr>
+    </dgm:fillClrLst>
+    <dgm:linClrLst meth="repeat">
+      <a:schemeClr val="accent6">
+        <a:tint val="60000"/>
+      </a:schemeClr>
+    </dgm:linClrLst>
+    <dgm:effectClrLst/>
+    <dgm:txLinClrLst/>
+    <dgm:txFillClrLst meth="repeat">
+      <a:schemeClr val="dk1"/>
+    </dgm:txFillClrLst>
+    <dgm:txEffectClrLst/>
+  </dgm:styleLbl>
+  <dgm:styleLbl name="sibTrans1D1">
+    <dgm:fillClrLst meth="repeat">
+      <a:schemeClr val="accent6"/>
+    </dgm:fillClrLst>
+    <dgm:linClrLst meth="repeat">
+      <a:schemeClr val="accent6"/>
+    </dgm:linClrLst>
+    <dgm:effectClrLst/>
+    <dgm:txLinClrLst/>
+    <dgm:txFillClrLst meth="repeat">
+      <a:schemeClr val="tx1"/>
+    </dgm:txFillClrLst>
+    <dgm:txEffectClrLst/>
+  </dgm:styleLbl>
+  <dgm:styleLbl name="callout">
+    <dgm:fillClrLst meth="repeat">
+      <a:schemeClr val="accent6"/>
+    </dgm:fillClrLst>
+    <dgm:linClrLst meth="repeat">
+      <a:schemeClr val="accent6"/>
+    </dgm:linClrLst>
+    <dgm:effectClrLst/>
+    <dgm:txLinClrLst/>
+    <dgm:txFillClrLst meth="repeat">
+      <a:schemeClr val="tx1"/>
+    </dgm:txFillClrLst>
+    <dgm:txEffectClrLst/>
+  </dgm:styleLbl>
+  <dgm:styleLbl name="asst0">
+    <dgm:fillClrLst meth="repeat">
+      <a:schemeClr val="lt1"/>
+    </dgm:fillClrLst>
+    <dgm:linClrLst meth="repeat">
+      <a:schemeClr val="accent6">
+        <a:shade val="80000"/>
+      </a:schemeClr>
+    </dgm:linClrLst>
+    <dgm:effectClrLst/>
+    <dgm:txLinClrLst/>
+    <dgm:txFillClrLst meth="repeat">
+      <a:schemeClr val="dk1"/>
+    </dgm:txFillClrLst>
+    <dgm:txEffectClrLst/>
+  </dgm:styleLbl>
+  <dgm:styleLbl name="asst1">
+    <dgm:fillClrLst meth="repeat">
+      <a:schemeClr val="lt1"/>
+    </dgm:fillClrLst>
+    <dgm:linClrLst meth="repeat">
+      <a:schemeClr val="accent6">
+        <a:shade val="80000"/>
+      </a:schemeClr>
+    </dgm:linClrLst>
+    <dgm:effectClrLst/>
+    <dgm:txLinClrLst/>
+    <dgm:txFillClrLst meth="repeat">
+      <a:schemeClr val="dk1"/>
+    </dgm:txFillClrLst>
+    <dgm:txEffectClrLst/>
+  </dgm:styleLbl>
+  <dgm:styleLbl name="asst2">
+    <dgm:fillClrLst meth="repeat">
+      <a:schemeClr val="lt1"/>
+    </dgm:fillClrLst>
+    <dgm:linClrLst meth="repeat">
+      <a:schemeClr val="accent6">
+        <a:shade val="80000"/>
+      </a:schemeClr>
+    </dgm:linClrLst>
+    <dgm:effectClrLst/>
+    <dgm:txLinClrLst/>
+    <dgm:txFillClrLst meth="repeat">
+      <a:schemeClr val="dk1"/>
+    </dgm:txFillClrLst>
+    <dgm:txEffectClrLst/>
+  </dgm:styleLbl>
+  <dgm:styleLbl name="asst3">
+    <dgm:fillClrLst meth="repeat">
+      <a:schemeClr val="lt1"/>
+    </dgm:fillClrLst>
+    <dgm:linClrLst meth="repeat">
+      <a:schemeClr val="accent6">
+        <a:shade val="80000"/>
+      </a:schemeClr>
+    </dgm:linClrLst>
+    <dgm:effectClrLst/>
+    <dgm:txLinClrLst/>
+    <dgm:txFillClrLst meth="repeat">
+      <a:schemeClr val="dk1"/>
+    </dgm:txFillClrLst>
+    <dgm:txEffectClrLst/>
+  </dgm:styleLbl>
+  <dgm:styleLbl name="asst4">
+    <dgm:fillClrLst meth="repeat">
+      <a:schemeClr val="lt1"/>
+    </dgm:fillClrLst>
+    <dgm:linClrLst meth="repeat">
+      <a:schemeClr val="accent6">
+        <a:shade val="80000"/>
+      </a:schemeClr>
+    </dgm:linClrLst>
+    <dgm:effectClrLst/>
+    <dgm:txLinClrLst/>
+    <dgm:txFillClrLst meth="repeat">
+      <a:schemeClr val="dk1"/>
+    </dgm:txFillClrLst>
+    <dgm:txEffectClrLst/>
+  </dgm:styleLbl>
+  <dgm:styleLbl name="parChTrans2D1">
+    <dgm:fillClrLst meth="repeat">
+      <a:schemeClr val="accent6">
+        <a:tint val="60000"/>
+      </a:schemeClr>
+    </dgm:fillClrLst>
+    <dgm:linClrLst meth="repeat">
+      <a:schemeClr val="accent6">
+        <a:tint val="60000"/>
+      </a:schemeClr>
+    </dgm:linClrLst>
+    <dgm:effectClrLst/>
+    <dgm:txLinClrLst/>
+    <dgm:txFillClrLst/>
+    <dgm:txEffectClrLst/>
+  </dgm:styleLbl>
+  <dgm:styleLbl name="parChTrans2D2">
+    <dgm:fillClrLst meth="repeat">
+      <a:schemeClr val="accent6"/>
+    </dgm:fillClrLst>
+    <dgm:linClrLst meth="repeat">
+      <a:schemeClr val="accent6"/>
+    </dgm:linClrLst>
+    <dgm:effectClrLst/>
+    <dgm:txLinClrLst/>
+    <dgm:txFillClrLst/>
+    <dgm:txEffectClrLst/>
+  </dgm:styleLbl>
+  <dgm:styleLbl name="parChTrans2D3">
+    <dgm:fillClrLst meth="repeat">
+      <a:schemeClr val="accent6"/>
+    </dgm:fillClrLst>
+    <dgm:linClrLst meth="repeat">
+      <a:schemeClr val="accent6"/>
+    </dgm:linClrLst>
+    <dgm:effectClrLst/>
+    <dgm:txLinClrLst/>
+    <dgm:txFillClrLst/>
+    <dgm:txEffectClrLst/>
+  </dgm:styleLbl>
+  <dgm:styleLbl name="parChTrans2D4">
+    <dgm:fillClrLst meth="repeat">
+      <a:schemeClr val="accent6"/>
+    </dgm:fillClrLst>
+    <dgm:linClrLst meth="repeat">
+      <a:schemeClr val="accent6"/>
+    </dgm:linClrLst>
+    <dgm:effectClrLst/>
+    <dgm:txLinClrLst/>
+    <dgm:txFillClrLst meth="repeat">
+      <a:schemeClr val="lt1"/>
+    </dgm:txFillClrLst>
+    <dgm:txEffectClrLst/>
+  </dgm:styleLbl>
+  <dgm:styleLbl name="parChTrans1D1">
+    <dgm:fillClrLst meth="repeat">
+      <a:schemeClr val="accent6"/>
+    </dgm:fillClrLst>
+    <dgm:linClrLst meth="repeat">
+      <a:schemeClr val="accent6">
+        <a:shade val="60000"/>
+      </a:schemeClr>
+    </dgm:linClrLst>
+    <dgm:effectClrLst/>
+    <dgm:txLinClrLst/>
+    <dgm:txFillClrLst meth="repeat">
+      <a:schemeClr val="tx1"/>
+    </dgm:txFillClrLst>
+    <dgm:txEffectClrLst/>
+  </dgm:styleLbl>
+  <dgm:styleLbl name="parChTrans1D2">
+    <dgm:fillClrLst meth="repeat">
+      <a:schemeClr val="accent6"/>
+    </dgm:fillClrLst>
+    <dgm:linClrLst meth="repeat">
+      <a:schemeClr val="accent6">
+        <a:shade val="60000"/>
+      </a:schemeClr>
+    </dgm:linClrLst>
+    <dgm:effectClrLst/>
+    <dgm:txLinClrLst/>
+    <dgm:txFillClrLst meth="repeat">
+      <a:schemeClr val="tx1"/>
+    </dgm:txFillClrLst>
+    <dgm:txEffectClrLst/>
+  </dgm:styleLbl>
+  <dgm:styleLbl name="parChTrans1D3">
+    <dgm:fillClrLst meth="repeat">
+      <a:schemeClr val="accent6"/>
+    </dgm:fillClrLst>
+    <dgm:linClrLst meth="repeat">
+      <a:schemeClr val="accent6">
+        <a:shade val="80000"/>
+      </a:schemeClr>
+    </dgm:linClrLst>
+    <dgm:effectClrLst/>
+    <dgm:txLinClrLst/>
+    <dgm:txFillClrLst meth="repeat">
+      <a:schemeClr val="tx1"/>
+    </dgm:txFillClrLst>
+    <dgm:txEffectClrLst/>
+  </dgm:styleLbl>
+  <dgm:styleLbl name="parChTrans1D4">
+    <dgm:fillClrLst meth="repeat">
+      <a:schemeClr val="accent6"/>
+    </dgm:fillClrLst>
+    <dgm:linClrLst meth="repeat">
+      <a:schemeClr val="accent6">
+        <a:shade val="80000"/>
+      </a:schemeClr>
+    </dgm:linClrLst>
+    <dgm:effectClrLst/>
+    <dgm:txLinClrLst/>
+    <dgm:txFillClrLst meth="repeat">
+      <a:schemeClr val="tx1"/>
+    </dgm:txFillClrLst>
+    <dgm:txEffectClrLst/>
+  </dgm:styleLbl>
+  <dgm:styleLbl name="fgAcc1">
+    <dgm:fillClrLst meth="repeat">
+      <a:schemeClr val="accent6">
+        <a:alpha val="90000"/>
+        <a:tint val="40000"/>
+      </a:schemeClr>
+    </dgm:fillClrLst>
+    <dgm:linClrLst meth="repeat">
+      <a:schemeClr val="accent6"/>
+    </dgm:linClrLst>
+    <dgm:effectClrLst/>
+    <dgm:txLinClrLst/>
+    <dgm:txFillClrLst meth="repeat">
+      <a:schemeClr val="dk1"/>
+    </dgm:txFillClrLst>
+    <dgm:txEffectClrLst/>
+  </dgm:styleLbl>
+  <dgm:styleLbl name="conFgAcc1">
+    <dgm:fillClrLst meth="repeat">
+      <a:schemeClr val="accent6">
+        <a:alpha val="90000"/>
+        <a:tint val="40000"/>
+      </a:schemeClr>
+    </dgm:fillClrLst>
+    <dgm:linClrLst meth="repeat">
+      <a:schemeClr val="accent6"/>
+    </dgm:linClrLst>
+    <dgm:effectClrLst/>
+    <dgm:txLinClrLst/>
+    <dgm:txFillClrLst meth="repeat">
+      <a:schemeClr val="dk1"/>
+    </dgm:txFillClrLst>
+    <dgm:txEffectClrLst/>
+  </dgm:styleLbl>
+  <dgm:styleLbl name="alignAcc1">
+    <dgm:fillClrLst meth="repeat">
+      <a:schemeClr val="accent6">
+        <a:alpha val="90000"/>
+        <a:tint val="40000"/>
+      </a:schemeClr>
+    </dgm:fillClrLst>
+    <dgm:linClrLst meth="repeat">
+      <a:schemeClr val="accent6"/>
+    </dgm:linClrLst>
+    <dgm:effectClrLst/>
+    <dgm:txLinClrLst/>
+    <dgm:txFillClrLst meth="repeat">
+      <a:schemeClr val="dk1"/>
+    </dgm:txFillClrLst>
+    <dgm:txEffectClrLst/>
+  </dgm:styleLbl>
+  <dgm:styleLbl name="trAlignAcc1">
+    <dgm:fillClrLst meth="repeat">
+      <a:schemeClr val="accent6">
+        <a:alpha val="40000"/>
+        <a:tint val="40000"/>
+      </a:schemeClr>
+    </dgm:fillClrLst>
+    <dgm:linClrLst meth="repeat">
+      <a:schemeClr val="accent6"/>
+    </dgm:linClrLst>
+    <dgm:effectClrLst/>
+    <dgm:txLinClrLst/>
+    <dgm:txFillClrLst meth="repeat">
+      <a:schemeClr val="dk1"/>
+    </dgm:txFillClrLst>
+    <dgm:txEffectClrLst/>
+  </dgm:styleLbl>
+  <dgm:styleLbl name="bgAcc1">
+    <dgm:fillClrLst meth="repeat">
+      <a:schemeClr val="accent6">
+        <a:alpha val="90000"/>
+        <a:tint val="40000"/>
+      </a:schemeClr>
+    </dgm:fillClrLst>
+    <dgm:linClrLst meth="repeat">
+      <a:schemeClr val="accent6"/>
+    </dgm:linClrLst>
+    <dgm:effectClrLst/>
+    <dgm:txLinClrLst/>
+    <dgm:txFillClrLst meth="repeat">
+      <a:schemeClr val="dk1"/>
+    </dgm:txFillClrLst>
+    <dgm:txEffectClrLst/>
+  </dgm:styleLbl>
+  <dgm:styleLbl name="solidFgAcc1">
+    <dgm:fillClrLst meth="repeat">
+      <a:schemeClr val="lt1"/>
+    </dgm:fillClrLst>
+    <dgm:linClrLst meth="repeat">
+      <a:schemeClr val="accent6"/>
+    </dgm:linClrLst>
+    <dgm:effectClrLst/>
+    <dgm:txLinClrLst/>
+    <dgm:txFillClrLst meth="repeat">
+      <a:schemeClr val="dk1"/>
+    </dgm:txFillClrLst>
+    <dgm:txEffectClrLst/>
+  </dgm:styleLbl>
+  <dgm:styleLbl name="solidAlignAcc1">
+    <dgm:fillClrLst meth="repeat">
+      <a:schemeClr val="lt1"/>
+    </dgm:fillClrLst>
+    <dgm:linClrLst meth="repeat">
+      <a:schemeClr val="accent6"/>
+    </dgm:linClrLst>
+    <dgm:effectClrLst/>
+    <dgm:txLinClrLst/>
+    <dgm:txFillClrLst meth="repeat">
+      <a:schemeClr val="dk1"/>
+    </dgm:txFillClrLst>
+    <dgm:txEffectClrLst/>
+  </dgm:styleLbl>
+  <dgm:styleLbl name="solidBgAcc1">
+    <dgm:fillClrLst meth="repeat">
+      <a:schemeClr val="lt1"/>
+    </dgm:fillClrLst>
+    <dgm:linClrLst meth="repeat">
+      <a:schemeClr val="accent6"/>
+    </dgm:linClrLst>
+    <dgm:effectClrLst/>
+    <dgm:txLinClrLst/>
+    <dgm:txFillClrLst meth="repeat">
+      <a:schemeClr val="dk1"/>
+    </dgm:txFillClrLst>
+    <dgm:txEffectClrLst/>
+  </dgm:styleLbl>
+  <dgm:styleLbl name="fgAccFollowNode1">
+    <dgm:fillClrLst meth="repeat">
+      <a:schemeClr val="lt1">
+        <a:alpha val="90000"/>
+        <a:tint val="40000"/>
+      </a:schemeClr>
+    </dgm:fillClrLst>
+    <dgm:linClrLst meth="repeat">
+      <a:schemeClr val="accent6">
+        <a:alpha val="90000"/>
+      </a:schemeClr>
+    </dgm:linClrLst>
+    <dgm:effectClrLst/>
+    <dgm:txLinClrLst/>
+    <dgm:txFillClrLst meth="repeat">
+      <a:schemeClr val="dk1"/>
+    </dgm:txFillClrLst>
+    <dgm:txEffectClrLst/>
+  </dgm:styleLbl>
+  <dgm:styleLbl name="alignAccFollowNode1">
+    <dgm:fillClrLst meth="repeat">
+      <a:schemeClr val="lt1">
+        <a:alpha val="90000"/>
+        <a:tint val="40000"/>
+      </a:schemeClr>
+    </dgm:fillClrLst>
+    <dgm:linClrLst meth="repeat">
+      <a:schemeClr val="accent6">
+        <a:alpha val="90000"/>
+      </a:schemeClr>
+    </dgm:linClrLst>
+    <dgm:effectClrLst/>
+    <dgm:txLinClrLst/>
+    <dgm:txFillClrLst meth="repeat">
+      <a:schemeClr val="dk1"/>
+    </dgm:txFillClrLst>
+    <dgm:txEffectClrLst/>
+  </dgm:styleLbl>
+  <dgm:styleLbl name="bgAccFollowNode1">
+    <dgm:fillClrLst meth="repeat">
+      <a:schemeClr val="lt1">
+        <a:alpha val="90000"/>
+        <a:tint val="40000"/>
+      </a:schemeClr>
+    </dgm:fillClrLst>
+    <dgm:linClrLst meth="repeat">
+      <a:schemeClr val="accent6">
+        <a:alpha val="90000"/>
+      </a:schemeClr>
+    </dgm:linClrLst>
+    <dgm:effectClrLst/>
+    <dgm:txLinClrLst/>
+    <dgm:txFillClrLst meth="repeat">
+      <a:schemeClr val="dk1"/>
+    </dgm:txFillClrLst>
+    <dgm:txEffectClrLst/>
+  </dgm:styleLbl>
+  <dgm:styleLbl name="fgAcc0">
+    <dgm:fillClrLst meth="repeat">
+      <a:schemeClr val="accent6">
+        <a:alpha val="90000"/>
+        <a:tint val="40000"/>
+      </a:schemeClr>
+    </dgm:fillClrLst>
+    <dgm:linClrLst meth="repeat">
+      <a:schemeClr val="accent6"/>
+    </dgm:linClrLst>
+    <dgm:effectClrLst/>
+    <dgm:txLinClrLst/>
+    <dgm:txFillClrLst meth="repeat">
+      <a:schemeClr val="dk1"/>
+    </dgm:txFillClrLst>
+    <dgm:txEffectClrLst/>
+  </dgm:styleLbl>
+  <dgm:styleLbl name="fgAcc2">
+    <dgm:fillClrLst meth="repeat">
+      <a:schemeClr val="accent6">
+        <a:alpha val="90000"/>
+        <a:tint val="40000"/>
+      </a:schemeClr>
+    </dgm:fillClrLst>
+    <dgm:linClrLst meth="repeat">
+      <a:schemeClr val="accent6"/>
+    </dgm:linClrLst>
+    <dgm:effectClrLst/>
+    <dgm:txLinClrLst/>
+    <dgm:txFillClrLst meth="repeat">
+      <a:schemeClr val="dk1"/>
+    </dgm:txFillClrLst>
+    <dgm:txEffectClrLst/>
+  </dgm:styleLbl>
+  <dgm:styleLbl name="fgAcc3">
+    <dgm:fillClrLst meth="repeat">
+      <a:schemeClr val="accent6">
+        <a:alpha val="90000"/>
+        <a:tint val="40000"/>
+      </a:schemeClr>
+    </dgm:fillClrLst>
+    <dgm:linClrLst meth="repeat">
+      <a:schemeClr val="accent6"/>
+    </dgm:linClrLst>
+    <dgm:effectClrLst/>
+    <dgm:txLinClrLst/>
+    <dgm:txFillClrLst meth="repeat">
+      <a:schemeClr val="dk1"/>
+    </dgm:txFillClrLst>
+    <dgm:txEffectClrLst/>
+  </dgm:styleLbl>
+  <dgm:styleLbl name="fgAcc4">
+    <dgm:fillClrLst meth="repeat">
+      <a:schemeClr val="accent6">
+        <a:alpha val="90000"/>
+        <a:tint val="40000"/>
+      </a:schemeClr>
+    </dgm:fillClrLst>
+    <dgm:linClrLst meth="repeat">
+      <a:schemeClr val="accent6"/>
+    </dgm:linClrLst>
+    <dgm:effectClrLst/>
+    <dgm:txLinClrLst/>
+    <dgm:txFillClrLst meth="repeat">
+      <a:schemeClr val="dk1"/>
+    </dgm:txFillClrLst>
+    <dgm:txEffectClrLst/>
+  </dgm:styleLbl>
+  <dgm:styleLbl name="bgShp">
+    <dgm:fillClrLst meth="repeat">
+      <a:schemeClr val="accent6">
+        <a:tint val="40000"/>
+      </a:schemeClr>
+    </dgm:fillClrLst>
+    <dgm:linClrLst meth="repeat">
+      <a:schemeClr val="accent6"/>
+    </dgm:linClrLst>
+    <dgm:effectClrLst/>
+    <dgm:txLinClrLst/>
+    <dgm:txFillClrLst meth="repeat">
+      <a:schemeClr val="dk1"/>
+    </dgm:txFillClrLst>
+    <dgm:txEffectClrLst/>
+  </dgm:styleLbl>
+  <dgm:styleLbl name="dkBgShp">
+    <dgm:fillClrLst meth="repeat">
+      <a:schemeClr val="accent6">
+        <a:shade val="80000"/>
+      </a:schemeClr>
+    </dgm:fillClrLst>
+    <dgm:linClrLst meth="repeat">
+      <a:schemeClr val="accent6"/>
+    </dgm:linClrLst>
+    <dgm:effectClrLst/>
+    <dgm:txLinClrLst/>
+    <dgm:txFillClrLst meth="repeat">
+      <a:schemeClr val="lt1"/>
+    </dgm:txFillClrLst>
+    <dgm:txEffectClrLst/>
+  </dgm:styleLbl>
+  <dgm:styleLbl name="trBgShp">
+    <dgm:fillClrLst meth="repeat">
+      <a:schemeClr val="accent6">
+        <a:tint val="50000"/>
+        <a:alpha val="40000"/>
+      </a:schemeClr>
+    </dgm:fillClrLst>
+    <dgm:linClrLst meth="repeat">
+      <a:schemeClr val="accent6"/>
+    </dgm:linClrLst>
+    <dgm:effectClrLst/>
+    <dgm:txLinClrLst/>
+    <dgm:txFillClrLst meth="repeat">
+      <a:schemeClr val="lt1"/>
+    </dgm:txFillClrLst>
+    <dgm:txEffectClrLst/>
+  </dgm:styleLbl>
+  <dgm:styleLbl name="fgShp">
+    <dgm:fillClrLst meth="repeat">
+      <a:schemeClr val="accent6">
+        <a:tint val="60000"/>
+      </a:schemeClr>
+    </dgm:fillClrLst>
+    <dgm:linClrLst meth="repeat">
+      <a:schemeClr val="lt1"/>
+    </dgm:linClrLst>
+    <dgm:effectClrLst/>
+    <dgm:txLinClrLst/>
+    <dgm:txFillClrLst meth="repeat">
+      <a:schemeClr val="dk1"/>
+    </dgm:txFillClrLst>
+    <dgm:txEffectClrLst/>
+  </dgm:styleLbl>
+  <dgm:styleLbl name="revTx">
+    <dgm:fillClrLst meth="repeat">
+      <a:schemeClr val="lt1">
+        <a:alpha val="0"/>
+      </a:schemeClr>
+    </dgm:fillClrLst>
+    <dgm:linClrLst meth="repeat">
+      <a:schemeClr val="dk1">
+        <a:alpha val="0"/>
+      </a:schemeClr>
+    </dgm:linClrLst>
+    <dgm:effectClrLst/>
+    <dgm:txLinClrLst/>
+    <dgm:txFillClrLst meth="repeat">
+      <a:schemeClr val="tx1"/>
+    </dgm:txFillClrLst>
+    <dgm:txEffectClrLst/>
+  </dgm:styleLbl>
+</dgm:colorsDef>
+</file>
+
+<file path=ppt/diagrams/data1.xml><?xml version="1.0" encoding="utf-8"?>
+<dgm:dataModel xmlns:dgm="http://schemas.openxmlformats.org/drawingml/2006/diagram" xmlns:a="http://schemas.openxmlformats.org/drawingml/2006/main">
+  <dgm:ptLst>
+    <dgm:pt modelId="{996BC237-FDC7-46B2-A7B9-C7253E5C6A64}" type="doc">
+      <dgm:prSet loTypeId="urn:microsoft.com/office/officeart/2005/8/layout/vList5" loCatId="list" qsTypeId="urn:microsoft.com/office/officeart/2005/8/quickstyle/simple1" qsCatId="simple" csTypeId="urn:microsoft.com/office/officeart/2005/8/colors/accent6_1" csCatId="accent6" phldr="1"/>
+      <dgm:spPr/>
+      <dgm:t>
+        <a:bodyPr/>
+        <a:lstStyle/>
+        <a:p>
+          <a:endParaRPr lang="de-DE"/>
+        </a:p>
+      </dgm:t>
+    </dgm:pt>
+    <dgm:pt modelId="{BA293A24-2495-4DB4-A03B-73FB2330E927}">
+      <dgm:prSet phldrT="[Text]"/>
+      <dgm:spPr/>
+      <dgm:t>
+        <a:bodyPr/>
+        <a:lstStyle/>
+        <a:p>
+          <a:r>
+            <a:rPr lang="de-DE" dirty="0"/>
+            <a:t>Webseite 1</a:t>
+          </a:r>
+        </a:p>
+      </dgm:t>
+    </dgm:pt>
+    <dgm:pt modelId="{977A82E0-C116-449D-BF11-EBBFCA34111F}" type="parTrans" cxnId="{3F956A4B-FC52-47D1-9869-7FF22D176787}">
+      <dgm:prSet/>
+      <dgm:spPr/>
+      <dgm:t>
+        <a:bodyPr/>
+        <a:lstStyle/>
+        <a:p>
+          <a:endParaRPr lang="de-DE"/>
+        </a:p>
+      </dgm:t>
+    </dgm:pt>
+    <dgm:pt modelId="{DC5DC581-6512-473B-8CBF-3AA4DA98FC93}" type="sibTrans" cxnId="{3F956A4B-FC52-47D1-9869-7FF22D176787}">
+      <dgm:prSet/>
+      <dgm:spPr/>
+      <dgm:t>
+        <a:bodyPr/>
+        <a:lstStyle/>
+        <a:p>
+          <a:endParaRPr lang="de-DE"/>
+        </a:p>
+      </dgm:t>
+    </dgm:pt>
+    <dgm:pt modelId="{5340A444-580F-4A8C-9F37-B5DE9BBEFF47}">
+      <dgm:prSet phldrT="[Text]"/>
+      <dgm:spPr/>
+      <dgm:t>
+        <a:bodyPr/>
+        <a:lstStyle/>
+        <a:p>
+          <a:r>
+            <a:rPr lang="de-DE" dirty="0"/>
+            <a:t>Information in Textform</a:t>
+          </a:r>
+        </a:p>
+      </dgm:t>
+    </dgm:pt>
+    <dgm:pt modelId="{27DEEDAC-01E4-4FAA-95E7-8F56E658BF99}" type="parTrans" cxnId="{70F76A9C-F86D-453F-A7C5-C2E0D7BBAFA6}">
+      <dgm:prSet/>
+      <dgm:spPr/>
+      <dgm:t>
+        <a:bodyPr/>
+        <a:lstStyle/>
+        <a:p>
+          <a:endParaRPr lang="de-DE"/>
+        </a:p>
+      </dgm:t>
+    </dgm:pt>
+    <dgm:pt modelId="{798B16FE-6346-48C4-BFF8-9467C1D03318}" type="sibTrans" cxnId="{70F76A9C-F86D-453F-A7C5-C2E0D7BBAFA6}">
+      <dgm:prSet/>
+      <dgm:spPr/>
+      <dgm:t>
+        <a:bodyPr/>
+        <a:lstStyle/>
+        <a:p>
+          <a:endParaRPr lang="de-DE"/>
+        </a:p>
+      </dgm:t>
+    </dgm:pt>
+    <dgm:pt modelId="{8BA73221-7E77-472F-BA60-B660406840A2}">
+      <dgm:prSet phldrT="[Text]"/>
+      <dgm:spPr/>
+      <dgm:t>
+        <a:bodyPr/>
+        <a:lstStyle/>
+        <a:p>
+          <a:r>
+            <a:rPr lang="de-DE" dirty="0"/>
+            <a:t>Graphiken</a:t>
+          </a:r>
+        </a:p>
+      </dgm:t>
+    </dgm:pt>
+    <dgm:pt modelId="{AB9AC81E-8786-4E42-903C-2F2E58C1899C}" type="parTrans" cxnId="{E24806F4-E191-4F9E-BAEE-6D7BCA9C4FD8}">
+      <dgm:prSet/>
+      <dgm:spPr/>
+      <dgm:t>
+        <a:bodyPr/>
+        <a:lstStyle/>
+        <a:p>
+          <a:endParaRPr lang="de-DE"/>
+        </a:p>
+      </dgm:t>
+    </dgm:pt>
+    <dgm:pt modelId="{4985F5C1-113E-4497-AE7D-4A187080135C}" type="sibTrans" cxnId="{E24806F4-E191-4F9E-BAEE-6D7BCA9C4FD8}">
+      <dgm:prSet/>
+      <dgm:spPr/>
+      <dgm:t>
+        <a:bodyPr/>
+        <a:lstStyle/>
+        <a:p>
+          <a:endParaRPr lang="de-DE"/>
+        </a:p>
+      </dgm:t>
+    </dgm:pt>
+    <dgm:pt modelId="{EBAA9720-AE6E-424F-B205-EDFBFAD53AA0}">
+      <dgm:prSet phldrT="[Text]"/>
+      <dgm:spPr/>
+      <dgm:t>
+        <a:bodyPr/>
+        <a:lstStyle/>
+        <a:p>
+          <a:r>
+            <a:rPr lang="de-DE" dirty="0"/>
+            <a:t>Webseite 2</a:t>
+          </a:r>
+        </a:p>
+      </dgm:t>
+    </dgm:pt>
+    <dgm:pt modelId="{66F140D4-7C89-476F-B6B1-57C6DA12FE21}" type="parTrans" cxnId="{1AAFECC5-003F-4E3B-83AD-0CD4FB53784B}">
+      <dgm:prSet/>
+      <dgm:spPr/>
+      <dgm:t>
+        <a:bodyPr/>
+        <a:lstStyle/>
+        <a:p>
+          <a:endParaRPr lang="de-DE"/>
+        </a:p>
+      </dgm:t>
+    </dgm:pt>
+    <dgm:pt modelId="{DF5D613D-1C91-4088-A7B9-82749A6ACFA1}" type="sibTrans" cxnId="{1AAFECC5-003F-4E3B-83AD-0CD4FB53784B}">
+      <dgm:prSet/>
+      <dgm:spPr/>
+      <dgm:t>
+        <a:bodyPr/>
+        <a:lstStyle/>
+        <a:p>
+          <a:endParaRPr lang="de-DE"/>
+        </a:p>
+      </dgm:t>
+    </dgm:pt>
+    <dgm:pt modelId="{1BE4402A-8FA9-4793-9C82-86E18927D00D}">
+      <dgm:prSet phldrT="[Text]"/>
+      <dgm:spPr/>
+      <dgm:t>
+        <a:bodyPr/>
+        <a:lstStyle/>
+        <a:p>
+          <a:r>
+            <a:rPr lang="de-DE" dirty="0"/>
+            <a:t>Visualisierung des Moordatensatzes </a:t>
+          </a:r>
+        </a:p>
+      </dgm:t>
+    </dgm:pt>
+    <dgm:pt modelId="{2D07A207-6ECB-45F9-AFB2-260A7FF19399}" type="parTrans" cxnId="{CA1EE0A9-9709-44C2-A3E3-5B7C2A18D524}">
+      <dgm:prSet/>
+      <dgm:spPr/>
+      <dgm:t>
+        <a:bodyPr/>
+        <a:lstStyle/>
+        <a:p>
+          <a:endParaRPr lang="de-DE"/>
+        </a:p>
+      </dgm:t>
+    </dgm:pt>
+    <dgm:pt modelId="{994A0504-21E3-4E68-83ED-EDA8851C7DFD}" type="sibTrans" cxnId="{CA1EE0A9-9709-44C2-A3E3-5B7C2A18D524}">
+      <dgm:prSet/>
+      <dgm:spPr/>
+      <dgm:t>
+        <a:bodyPr/>
+        <a:lstStyle/>
+        <a:p>
+          <a:endParaRPr lang="de-DE"/>
+        </a:p>
+      </dgm:t>
+    </dgm:pt>
+    <dgm:pt modelId="{7CD0F1D2-E35B-469A-A3E4-EEF600694FE2}">
+      <dgm:prSet phldrT="[Text]"/>
+      <dgm:spPr/>
+      <dgm:t>
+        <a:bodyPr/>
+        <a:lstStyle/>
+        <a:p>
+          <a:r>
+            <a:rPr lang="de-DE" dirty="0"/>
+            <a:t>Webseite 3</a:t>
+          </a:r>
+        </a:p>
+      </dgm:t>
+    </dgm:pt>
+    <dgm:pt modelId="{540D4A30-D337-4FBA-88EE-63C05C3E0048}" type="parTrans" cxnId="{59DD8FBE-72F9-46B8-9C2E-CAD5A5DF152F}">
+      <dgm:prSet/>
+      <dgm:spPr/>
+      <dgm:t>
+        <a:bodyPr/>
+        <a:lstStyle/>
+        <a:p>
+          <a:endParaRPr lang="de-DE"/>
+        </a:p>
+      </dgm:t>
+    </dgm:pt>
+    <dgm:pt modelId="{F227D289-8BEA-485A-A93D-7D01328BBA4D}" type="sibTrans" cxnId="{59DD8FBE-72F9-46B8-9C2E-CAD5A5DF152F}">
+      <dgm:prSet/>
+      <dgm:spPr/>
+      <dgm:t>
+        <a:bodyPr/>
+        <a:lstStyle/>
+        <a:p>
+          <a:endParaRPr lang="de-DE"/>
+        </a:p>
+      </dgm:t>
+    </dgm:pt>
+    <dgm:pt modelId="{75E1F869-9E68-4ECA-8F41-5C8B189A5D84}">
+      <dgm:prSet phldrT="[Text]"/>
+      <dgm:spPr/>
+      <dgm:t>
+        <a:bodyPr/>
+        <a:lstStyle/>
+        <a:p>
+          <a:r>
+            <a:rPr lang="de-DE" dirty="0"/>
+            <a:t>Thematische Wanderung entlang des </a:t>
+          </a:r>
+          <a:r>
+            <a:rPr lang="de-DE" dirty="0" err="1"/>
+            <a:t>Viller</a:t>
+          </a:r>
+          <a:r>
+            <a:rPr lang="de-DE" dirty="0"/>
+            <a:t> Moors</a:t>
+          </a:r>
+        </a:p>
+      </dgm:t>
+    </dgm:pt>
+    <dgm:pt modelId="{7290E8A0-64C8-45B1-A5FF-09D864A7221F}" type="parTrans" cxnId="{9A84332A-5D7C-4A8D-86AE-09BF138F0008}">
+      <dgm:prSet/>
+      <dgm:spPr/>
+      <dgm:t>
+        <a:bodyPr/>
+        <a:lstStyle/>
+        <a:p>
+          <a:endParaRPr lang="de-DE"/>
+        </a:p>
+      </dgm:t>
+    </dgm:pt>
+    <dgm:pt modelId="{1EA89DCF-0F22-4EA8-86BA-B74C7F6E526A}" type="sibTrans" cxnId="{9A84332A-5D7C-4A8D-86AE-09BF138F0008}">
+      <dgm:prSet/>
+      <dgm:spPr/>
+      <dgm:t>
+        <a:bodyPr/>
+        <a:lstStyle/>
+        <a:p>
+          <a:endParaRPr lang="de-DE"/>
+        </a:p>
+      </dgm:t>
+    </dgm:pt>
+    <dgm:pt modelId="{7BF8423A-A3CD-4600-9D6A-D63C73D6B01F}">
+      <dgm:prSet phldrT="[Text]"/>
+      <dgm:spPr/>
+      <dgm:t>
+        <a:bodyPr/>
+        <a:lstStyle/>
+        <a:p>
+          <a:r>
+            <a:rPr lang="de-DE" dirty="0"/>
+            <a:t>Weiterführende Links</a:t>
+          </a:r>
+        </a:p>
+      </dgm:t>
+    </dgm:pt>
+    <dgm:pt modelId="{4721103D-3F30-495D-90CB-3F06B6C69359}" type="parTrans" cxnId="{5901840A-E82C-4E24-834C-E5ACC2F205BC}">
+      <dgm:prSet/>
+      <dgm:spPr/>
+      <dgm:t>
+        <a:bodyPr/>
+        <a:lstStyle/>
+        <a:p>
+          <a:endParaRPr lang="de-DE"/>
+        </a:p>
+      </dgm:t>
+    </dgm:pt>
+    <dgm:pt modelId="{8AC1B0D1-8CA1-4A6B-A530-79F7A10D8314}" type="sibTrans" cxnId="{5901840A-E82C-4E24-834C-E5ACC2F205BC}">
+      <dgm:prSet/>
+      <dgm:spPr/>
+      <dgm:t>
+        <a:bodyPr/>
+        <a:lstStyle/>
+        <a:p>
+          <a:endParaRPr lang="de-DE"/>
+        </a:p>
+      </dgm:t>
+    </dgm:pt>
+    <dgm:pt modelId="{71505A42-CF8C-41F9-921B-17CD51449AA6}">
+      <dgm:prSet phldrT="[Text]"/>
+      <dgm:spPr/>
+      <dgm:t>
+        <a:bodyPr/>
+        <a:lstStyle/>
+        <a:p>
+          <a:r>
+            <a:rPr lang="de-DE" dirty="0"/>
+            <a:t>Visualisierung des GPX-Tracks und POIs</a:t>
+          </a:r>
+        </a:p>
+      </dgm:t>
+    </dgm:pt>
+    <dgm:pt modelId="{BB9FF543-4662-45ED-9F2B-9234B9C74F7F}" type="parTrans" cxnId="{7269D859-FE10-413F-8C6D-F971E03FFE00}">
+      <dgm:prSet/>
+      <dgm:spPr/>
+      <dgm:t>
+        <a:bodyPr/>
+        <a:lstStyle/>
+        <a:p>
+          <a:endParaRPr lang="de-DE"/>
+        </a:p>
+      </dgm:t>
+    </dgm:pt>
+    <dgm:pt modelId="{31C0D3D3-445E-42CC-8E70-36732CF1AD87}" type="sibTrans" cxnId="{7269D859-FE10-413F-8C6D-F971E03FFE00}">
+      <dgm:prSet/>
+      <dgm:spPr/>
+      <dgm:t>
+        <a:bodyPr/>
+        <a:lstStyle/>
+        <a:p>
+          <a:endParaRPr lang="de-DE"/>
+        </a:p>
+      </dgm:t>
+    </dgm:pt>
+    <dgm:pt modelId="{63425969-CA8E-4911-931B-8B6F80ABF378}" type="pres">
+      <dgm:prSet presAssocID="{996BC237-FDC7-46B2-A7B9-C7253E5C6A64}" presName="Name0" presStyleCnt="0">
+        <dgm:presLayoutVars>
+          <dgm:dir/>
+          <dgm:animLvl val="lvl"/>
+          <dgm:resizeHandles val="exact"/>
+        </dgm:presLayoutVars>
+      </dgm:prSet>
+      <dgm:spPr/>
+    </dgm:pt>
+    <dgm:pt modelId="{CEDBCB38-B7BF-4A6E-8406-F729E13270D8}" type="pres">
+      <dgm:prSet presAssocID="{BA293A24-2495-4DB4-A03B-73FB2330E927}" presName="linNode" presStyleCnt="0"/>
+      <dgm:spPr/>
+    </dgm:pt>
+    <dgm:pt modelId="{279A243B-16E3-4490-92E6-8EC5D7497B6B}" type="pres">
+      <dgm:prSet presAssocID="{BA293A24-2495-4DB4-A03B-73FB2330E927}" presName="parentText" presStyleLbl="node1" presStyleIdx="0" presStyleCnt="3" custScaleX="103069">
+        <dgm:presLayoutVars>
+          <dgm:chMax val="1"/>
+          <dgm:bulletEnabled val="1"/>
+        </dgm:presLayoutVars>
+      </dgm:prSet>
+      <dgm:spPr/>
+    </dgm:pt>
+    <dgm:pt modelId="{EBCAA460-17C5-4146-8CC5-369C3E8E4858}" type="pres">
+      <dgm:prSet presAssocID="{BA293A24-2495-4DB4-A03B-73FB2330E927}" presName="descendantText" presStyleLbl="alignAccFollowNode1" presStyleIdx="0" presStyleCnt="3" custScaleX="146507" custLinFactNeighborX="0">
+        <dgm:presLayoutVars>
+          <dgm:bulletEnabled val="1"/>
+        </dgm:presLayoutVars>
+      </dgm:prSet>
+      <dgm:spPr/>
+    </dgm:pt>
+    <dgm:pt modelId="{BDA70040-87CA-4A12-92C2-396BC60C5D50}" type="pres">
+      <dgm:prSet presAssocID="{DC5DC581-6512-473B-8CBF-3AA4DA98FC93}" presName="sp" presStyleCnt="0"/>
+      <dgm:spPr/>
+    </dgm:pt>
+    <dgm:pt modelId="{AFB7B801-B0AD-4E2F-98A1-3AFBE7EFF513}" type="pres">
+      <dgm:prSet presAssocID="{EBAA9720-AE6E-424F-B205-EDFBFAD53AA0}" presName="linNode" presStyleCnt="0"/>
+      <dgm:spPr/>
+    </dgm:pt>
+    <dgm:pt modelId="{B7D94FBA-EE1C-488B-9673-9AD8ECA3AE48}" type="pres">
+      <dgm:prSet presAssocID="{EBAA9720-AE6E-424F-B205-EDFBFAD53AA0}" presName="parentText" presStyleLbl="node1" presStyleIdx="1" presStyleCnt="3">
+        <dgm:presLayoutVars>
+          <dgm:chMax val="1"/>
+          <dgm:bulletEnabled val="1"/>
+        </dgm:presLayoutVars>
+      </dgm:prSet>
+      <dgm:spPr/>
+    </dgm:pt>
+    <dgm:pt modelId="{7ADC1E00-64EE-4B33-9F87-2173A4C12C37}" type="pres">
+      <dgm:prSet presAssocID="{EBAA9720-AE6E-424F-B205-EDFBFAD53AA0}" presName="descendantText" presStyleLbl="alignAccFollowNode1" presStyleIdx="1" presStyleCnt="3" custScaleX="142240">
+        <dgm:presLayoutVars>
+          <dgm:bulletEnabled val="1"/>
+        </dgm:presLayoutVars>
+      </dgm:prSet>
+      <dgm:spPr/>
+    </dgm:pt>
+    <dgm:pt modelId="{818F702C-3F08-4D5C-89F4-6354E986DE84}" type="pres">
+      <dgm:prSet presAssocID="{DF5D613D-1C91-4088-A7B9-82749A6ACFA1}" presName="sp" presStyleCnt="0"/>
+      <dgm:spPr/>
+    </dgm:pt>
+    <dgm:pt modelId="{17F9D6A1-080F-4906-B869-F46CB4B01C8A}" type="pres">
+      <dgm:prSet presAssocID="{7CD0F1D2-E35B-469A-A3E4-EEF600694FE2}" presName="linNode" presStyleCnt="0"/>
+      <dgm:spPr/>
+    </dgm:pt>
+    <dgm:pt modelId="{F3F36B4E-4E1F-453E-9643-88D07437FDDC}" type="pres">
+      <dgm:prSet presAssocID="{7CD0F1D2-E35B-469A-A3E4-EEF600694FE2}" presName="parentText" presStyleLbl="node1" presStyleIdx="2" presStyleCnt="3">
+        <dgm:presLayoutVars>
+          <dgm:chMax val="1"/>
+          <dgm:bulletEnabled val="1"/>
+        </dgm:presLayoutVars>
+      </dgm:prSet>
+      <dgm:spPr/>
+    </dgm:pt>
+    <dgm:pt modelId="{89270603-7431-478E-888A-BFFE5042B3F0}" type="pres">
+      <dgm:prSet presAssocID="{7CD0F1D2-E35B-469A-A3E4-EEF600694FE2}" presName="descendantText" presStyleLbl="alignAccFollowNode1" presStyleIdx="2" presStyleCnt="3" custScaleX="140294">
+        <dgm:presLayoutVars>
+          <dgm:bulletEnabled val="1"/>
+        </dgm:presLayoutVars>
+      </dgm:prSet>
+      <dgm:spPr/>
+    </dgm:pt>
+  </dgm:ptLst>
+  <dgm:cxnLst>
+    <dgm:cxn modelId="{5901840A-E82C-4E24-834C-E5ACC2F205BC}" srcId="{BA293A24-2495-4DB4-A03B-73FB2330E927}" destId="{7BF8423A-A3CD-4600-9D6A-D63C73D6B01F}" srcOrd="2" destOrd="0" parTransId="{4721103D-3F30-495D-90CB-3F06B6C69359}" sibTransId="{8AC1B0D1-8CA1-4A6B-A530-79F7A10D8314}"/>
+    <dgm:cxn modelId="{5989A11C-3312-4472-910A-EF84DADEB635}" type="presOf" srcId="{7BF8423A-A3CD-4600-9D6A-D63C73D6B01F}" destId="{EBCAA460-17C5-4146-8CC5-369C3E8E4858}" srcOrd="0" destOrd="2" presId="urn:microsoft.com/office/officeart/2005/8/layout/vList5"/>
+    <dgm:cxn modelId="{9A84332A-5D7C-4A8D-86AE-09BF138F0008}" srcId="{7CD0F1D2-E35B-469A-A3E4-EEF600694FE2}" destId="{75E1F869-9E68-4ECA-8F41-5C8B189A5D84}" srcOrd="0" destOrd="0" parTransId="{7290E8A0-64C8-45B1-A5FF-09D864A7221F}" sibTransId="{1EA89DCF-0F22-4EA8-86BA-B74C7F6E526A}"/>
+    <dgm:cxn modelId="{5336C12D-3F90-44A7-AA55-2B189DEB4A5E}" type="presOf" srcId="{71505A42-CF8C-41F9-921B-17CD51449AA6}" destId="{89270603-7431-478E-888A-BFFE5042B3F0}" srcOrd="0" destOrd="1" presId="urn:microsoft.com/office/officeart/2005/8/layout/vList5"/>
+    <dgm:cxn modelId="{3F956A4B-FC52-47D1-9869-7FF22D176787}" srcId="{996BC237-FDC7-46B2-A7B9-C7253E5C6A64}" destId="{BA293A24-2495-4DB4-A03B-73FB2330E927}" srcOrd="0" destOrd="0" parTransId="{977A82E0-C116-449D-BF11-EBBFCA34111F}" sibTransId="{DC5DC581-6512-473B-8CBF-3AA4DA98FC93}"/>
+    <dgm:cxn modelId="{66A5EC54-9073-4487-90E5-D4EA9D043E32}" type="presOf" srcId="{996BC237-FDC7-46B2-A7B9-C7253E5C6A64}" destId="{63425969-CA8E-4911-931B-8B6F80ABF378}" srcOrd="0" destOrd="0" presId="urn:microsoft.com/office/officeart/2005/8/layout/vList5"/>
+    <dgm:cxn modelId="{7269D859-FE10-413F-8C6D-F971E03FFE00}" srcId="{7CD0F1D2-E35B-469A-A3E4-EEF600694FE2}" destId="{71505A42-CF8C-41F9-921B-17CD51449AA6}" srcOrd="1" destOrd="0" parTransId="{BB9FF543-4662-45ED-9F2B-9234B9C74F7F}" sibTransId="{31C0D3D3-445E-42CC-8E70-36732CF1AD87}"/>
+    <dgm:cxn modelId="{967F4D7E-FD45-4AB5-9503-7D2400AB0B3C}" type="presOf" srcId="{7CD0F1D2-E35B-469A-A3E4-EEF600694FE2}" destId="{F3F36B4E-4E1F-453E-9643-88D07437FDDC}" srcOrd="0" destOrd="0" presId="urn:microsoft.com/office/officeart/2005/8/layout/vList5"/>
+    <dgm:cxn modelId="{DDCF0982-5ED7-4C8D-B315-8F936E7166CC}" type="presOf" srcId="{BA293A24-2495-4DB4-A03B-73FB2330E927}" destId="{279A243B-16E3-4490-92E6-8EC5D7497B6B}" srcOrd="0" destOrd="0" presId="urn:microsoft.com/office/officeart/2005/8/layout/vList5"/>
+    <dgm:cxn modelId="{EB9BD989-8B56-4DB2-A59A-E22664BB3E16}" type="presOf" srcId="{1BE4402A-8FA9-4793-9C82-86E18927D00D}" destId="{7ADC1E00-64EE-4B33-9F87-2173A4C12C37}" srcOrd="0" destOrd="0" presId="urn:microsoft.com/office/officeart/2005/8/layout/vList5"/>
+    <dgm:cxn modelId="{70F76A9C-F86D-453F-A7C5-C2E0D7BBAFA6}" srcId="{BA293A24-2495-4DB4-A03B-73FB2330E927}" destId="{5340A444-580F-4A8C-9F37-B5DE9BBEFF47}" srcOrd="0" destOrd="0" parTransId="{27DEEDAC-01E4-4FAA-95E7-8F56E658BF99}" sibTransId="{798B16FE-6346-48C4-BFF8-9467C1D03318}"/>
+    <dgm:cxn modelId="{38CCAF9C-28CF-456F-AE45-F037DE660F0B}" type="presOf" srcId="{75E1F869-9E68-4ECA-8F41-5C8B189A5D84}" destId="{89270603-7431-478E-888A-BFFE5042B3F0}" srcOrd="0" destOrd="0" presId="urn:microsoft.com/office/officeart/2005/8/layout/vList5"/>
+    <dgm:cxn modelId="{CA1EE0A9-9709-44C2-A3E3-5B7C2A18D524}" srcId="{EBAA9720-AE6E-424F-B205-EDFBFAD53AA0}" destId="{1BE4402A-8FA9-4793-9C82-86E18927D00D}" srcOrd="0" destOrd="0" parTransId="{2D07A207-6ECB-45F9-AFB2-260A7FF19399}" sibTransId="{994A0504-21E3-4E68-83ED-EDA8851C7DFD}"/>
+    <dgm:cxn modelId="{59DD8FBE-72F9-46B8-9C2E-CAD5A5DF152F}" srcId="{996BC237-FDC7-46B2-A7B9-C7253E5C6A64}" destId="{7CD0F1D2-E35B-469A-A3E4-EEF600694FE2}" srcOrd="2" destOrd="0" parTransId="{540D4A30-D337-4FBA-88EE-63C05C3E0048}" sibTransId="{F227D289-8BEA-485A-A93D-7D01328BBA4D}"/>
+    <dgm:cxn modelId="{1AAFECC5-003F-4E3B-83AD-0CD4FB53784B}" srcId="{996BC237-FDC7-46B2-A7B9-C7253E5C6A64}" destId="{EBAA9720-AE6E-424F-B205-EDFBFAD53AA0}" srcOrd="1" destOrd="0" parTransId="{66F140D4-7C89-476F-B6B1-57C6DA12FE21}" sibTransId="{DF5D613D-1C91-4088-A7B9-82749A6ACFA1}"/>
+    <dgm:cxn modelId="{6BB039D9-6E5C-4075-AAE5-297E3B4C12F7}" type="presOf" srcId="{8BA73221-7E77-472F-BA60-B660406840A2}" destId="{EBCAA460-17C5-4146-8CC5-369C3E8E4858}" srcOrd="0" destOrd="1" presId="urn:microsoft.com/office/officeart/2005/8/layout/vList5"/>
+    <dgm:cxn modelId="{23C23CE9-BA8E-450C-8C5F-CD42F4442190}" type="presOf" srcId="{EBAA9720-AE6E-424F-B205-EDFBFAD53AA0}" destId="{B7D94FBA-EE1C-488B-9673-9AD8ECA3AE48}" srcOrd="0" destOrd="0" presId="urn:microsoft.com/office/officeart/2005/8/layout/vList5"/>
+    <dgm:cxn modelId="{E24806F4-E191-4F9E-BAEE-6D7BCA9C4FD8}" srcId="{BA293A24-2495-4DB4-A03B-73FB2330E927}" destId="{8BA73221-7E77-472F-BA60-B660406840A2}" srcOrd="1" destOrd="0" parTransId="{AB9AC81E-8786-4E42-903C-2F2E58C1899C}" sibTransId="{4985F5C1-113E-4497-AE7D-4A187080135C}"/>
+    <dgm:cxn modelId="{F8BAC0FD-1FE2-402F-8BFC-126634930A59}" type="presOf" srcId="{5340A444-580F-4A8C-9F37-B5DE9BBEFF47}" destId="{EBCAA460-17C5-4146-8CC5-369C3E8E4858}" srcOrd="0" destOrd="0" presId="urn:microsoft.com/office/officeart/2005/8/layout/vList5"/>
+    <dgm:cxn modelId="{9415341B-8630-45A5-9ABD-9AFB7C2201EB}" type="presParOf" srcId="{63425969-CA8E-4911-931B-8B6F80ABF378}" destId="{CEDBCB38-B7BF-4A6E-8406-F729E13270D8}" srcOrd="0" destOrd="0" presId="urn:microsoft.com/office/officeart/2005/8/layout/vList5"/>
+    <dgm:cxn modelId="{F4ADCA67-23CD-4723-939E-5EBC74AE507F}" type="presParOf" srcId="{CEDBCB38-B7BF-4A6E-8406-F729E13270D8}" destId="{279A243B-16E3-4490-92E6-8EC5D7497B6B}" srcOrd="0" destOrd="0" presId="urn:microsoft.com/office/officeart/2005/8/layout/vList5"/>
+    <dgm:cxn modelId="{0FC41B0D-BF17-43C0-9714-DC05C8DE68C0}" type="presParOf" srcId="{CEDBCB38-B7BF-4A6E-8406-F729E13270D8}" destId="{EBCAA460-17C5-4146-8CC5-369C3E8E4858}" srcOrd="1" destOrd="0" presId="urn:microsoft.com/office/officeart/2005/8/layout/vList5"/>
+    <dgm:cxn modelId="{DA1F495F-5653-4EC6-92DB-715903FF8540}" type="presParOf" srcId="{63425969-CA8E-4911-931B-8B6F80ABF378}" destId="{BDA70040-87CA-4A12-92C2-396BC60C5D50}" srcOrd="1" destOrd="0" presId="urn:microsoft.com/office/officeart/2005/8/layout/vList5"/>
+    <dgm:cxn modelId="{BBD9B893-2E98-41E1-ABE4-7A1D8420482C}" type="presParOf" srcId="{63425969-CA8E-4911-931B-8B6F80ABF378}" destId="{AFB7B801-B0AD-4E2F-98A1-3AFBE7EFF513}" srcOrd="2" destOrd="0" presId="urn:microsoft.com/office/officeart/2005/8/layout/vList5"/>
+    <dgm:cxn modelId="{837A8C93-B309-4216-9A00-15F650B1D7FC}" type="presParOf" srcId="{AFB7B801-B0AD-4E2F-98A1-3AFBE7EFF513}" destId="{B7D94FBA-EE1C-488B-9673-9AD8ECA3AE48}" srcOrd="0" destOrd="0" presId="urn:microsoft.com/office/officeart/2005/8/layout/vList5"/>
+    <dgm:cxn modelId="{C4FF4CCF-C770-4B8F-B2B6-E7318C5E2CA4}" type="presParOf" srcId="{AFB7B801-B0AD-4E2F-98A1-3AFBE7EFF513}" destId="{7ADC1E00-64EE-4B33-9F87-2173A4C12C37}" srcOrd="1" destOrd="0" presId="urn:microsoft.com/office/officeart/2005/8/layout/vList5"/>
+    <dgm:cxn modelId="{B6E2A6F8-2C8A-449A-B9B2-BE7D4B9BA8F1}" type="presParOf" srcId="{63425969-CA8E-4911-931B-8B6F80ABF378}" destId="{818F702C-3F08-4D5C-89F4-6354E986DE84}" srcOrd="3" destOrd="0" presId="urn:microsoft.com/office/officeart/2005/8/layout/vList5"/>
+    <dgm:cxn modelId="{CD22341C-6615-4B7C-82C7-CAA23FFDBE07}" type="presParOf" srcId="{63425969-CA8E-4911-931B-8B6F80ABF378}" destId="{17F9D6A1-080F-4906-B869-F46CB4B01C8A}" srcOrd="4" destOrd="0" presId="urn:microsoft.com/office/officeart/2005/8/layout/vList5"/>
+    <dgm:cxn modelId="{C4686020-DCF2-43AB-8250-4AE9E06E89E0}" type="presParOf" srcId="{17F9D6A1-080F-4906-B869-F46CB4B01C8A}" destId="{F3F36B4E-4E1F-453E-9643-88D07437FDDC}" srcOrd="0" destOrd="0" presId="urn:microsoft.com/office/officeart/2005/8/layout/vList5"/>
+    <dgm:cxn modelId="{29AA49B0-E88F-4DE6-845E-76BE5F684AF2}" type="presParOf" srcId="{17F9D6A1-080F-4906-B869-F46CB4B01C8A}" destId="{89270603-7431-478E-888A-BFFE5042B3F0}" srcOrd="1" destOrd="0" presId="urn:microsoft.com/office/officeart/2005/8/layout/vList5"/>
+  </dgm:cxnLst>
+  <dgm:bg/>
+  <dgm:whole/>
+  <dgm:extLst>
+    <a:ext uri="http://schemas.microsoft.com/office/drawing/2008/diagram">
+      <dsp:dataModelExt xmlns:dsp="http://schemas.microsoft.com/office/drawing/2008/diagram" relId="rId6" minVer="http://schemas.openxmlformats.org/drawingml/2006/diagram"/>
+    </a:ext>
+    <a:ext uri="{C62137D5-CB1D-491B-B009-E17868A290BF}">
+      <dgm14:recolorImg xmlns:dgm14="http://schemas.microsoft.com/office/drawing/2010/diagram" val="1"/>
+    </a:ext>
+  </dgm:extLst>
+</dgm:dataModel>
+</file>
+
+<file path=ppt/diagrams/drawing1.xml><?xml version="1.0" encoding="utf-8"?>
+<dsp:drawing xmlns:dgm="http://schemas.openxmlformats.org/drawingml/2006/diagram" xmlns:dsp="http://schemas.microsoft.com/office/drawing/2008/diagram" xmlns:a="http://schemas.openxmlformats.org/drawingml/2006/main">
+  <dsp:spTree>
+    <dsp:nvGrpSpPr>
+      <dsp:cNvPr id="0" name=""/>
+      <dsp:cNvGrpSpPr/>
+    </dsp:nvGrpSpPr>
+    <dsp:grpSpPr/>
+    <dsp:sp modelId="{EBCAA460-17C5-4146-8CC5-369C3E8E4858}">
+      <dsp:nvSpPr>
+        <dsp:cNvPr id="0" name=""/>
+        <dsp:cNvSpPr/>
+      </dsp:nvSpPr>
+      <dsp:spPr>
+        <a:xfrm rot="5400000">
+          <a:off x="6184074" y="-3061595"/>
+          <a:ext cx="1121829" cy="7529726"/>
+        </a:xfrm>
+        <a:prstGeom prst="round2SameRect">
+          <a:avLst/>
+        </a:prstGeom>
+        <a:solidFill>
+          <a:schemeClr val="lt1">
+            <a:alpha val="90000"/>
+            <a:tint val="40000"/>
+            <a:hueOff val="0"/>
+            <a:satOff val="0"/>
+            <a:lumOff val="0"/>
+            <a:alphaOff val="0"/>
+          </a:schemeClr>
+        </a:solidFill>
+        <a:ln w="12700" cap="flat" cmpd="sng" algn="ctr">
+          <a:solidFill>
+            <a:schemeClr val="accent6">
+              <a:alpha val="90000"/>
+              <a:hueOff val="0"/>
+              <a:satOff val="0"/>
+              <a:lumOff val="0"/>
+              <a:alphaOff val="0"/>
+            </a:schemeClr>
+          </a:solidFill>
+          <a:prstDash val="solid"/>
+          <a:miter lim="800000"/>
+        </a:ln>
+        <a:effectLst/>
+      </dsp:spPr>
+      <dsp:style>
+        <a:lnRef idx="2">
+          <a:scrgbClr r="0" g="0" b="0"/>
+        </a:lnRef>
+        <a:fillRef idx="1">
+          <a:scrgbClr r="0" g="0" b="0"/>
+        </a:fillRef>
+        <a:effectRef idx="0">
+          <a:scrgbClr r="0" g="0" b="0"/>
+        </a:effectRef>
+        <a:fontRef idx="minor"/>
+      </dsp:style>
+      <dsp:txBody>
+        <a:bodyPr spcFirstLastPara="0" vert="horz" wrap="square" lIns="76200" tIns="38100" rIns="76200" bIns="38100" numCol="1" spcCol="1270" anchor="ctr" anchorCtr="0">
+          <a:noAutofit/>
+        </a:bodyPr>
+        <a:lstStyle/>
+        <a:p>
+          <a:pPr marL="228600" lvl="1" indent="-228600" algn="l" defTabSz="889000">
+            <a:lnSpc>
+              <a:spcPct val="90000"/>
+            </a:lnSpc>
+            <a:spcBef>
+              <a:spcPct val="0"/>
+            </a:spcBef>
+            <a:spcAft>
+              <a:spcPct val="15000"/>
+            </a:spcAft>
+            <a:buChar char="•"/>
+          </a:pPr>
+          <a:r>
+            <a:rPr lang="de-DE" sz="2000" kern="1200" dirty="0"/>
+            <a:t>Information in Textform</a:t>
+          </a:r>
+        </a:p>
+        <a:p>
+          <a:pPr marL="228600" lvl="1" indent="-228600" algn="l" defTabSz="889000">
+            <a:lnSpc>
+              <a:spcPct val="90000"/>
+            </a:lnSpc>
+            <a:spcBef>
+              <a:spcPct val="0"/>
+            </a:spcBef>
+            <a:spcAft>
+              <a:spcPct val="15000"/>
+            </a:spcAft>
+            <a:buChar char="•"/>
+          </a:pPr>
+          <a:r>
+            <a:rPr lang="de-DE" sz="2000" kern="1200" dirty="0"/>
+            <a:t>Graphiken</a:t>
+          </a:r>
+        </a:p>
+        <a:p>
+          <a:pPr marL="228600" lvl="1" indent="-228600" algn="l" defTabSz="889000">
+            <a:lnSpc>
+              <a:spcPct val="90000"/>
+            </a:lnSpc>
+            <a:spcBef>
+              <a:spcPct val="0"/>
+            </a:spcBef>
+            <a:spcAft>
+              <a:spcPct val="15000"/>
+            </a:spcAft>
+            <a:buChar char="•"/>
+          </a:pPr>
+          <a:r>
+            <a:rPr lang="de-DE" sz="2000" kern="1200" dirty="0"/>
+            <a:t>Weiterführende Links</a:t>
+          </a:r>
+        </a:p>
+      </dsp:txBody>
+      <dsp:txXfrm rot="-5400000">
+        <a:off x="2980126" y="197116"/>
+        <a:ext cx="7474963" cy="1012303"/>
+      </dsp:txXfrm>
+    </dsp:sp>
+    <dsp:sp modelId="{279A243B-16E3-4490-92E6-8EC5D7497B6B}">
+      <dsp:nvSpPr>
+        <dsp:cNvPr id="0" name=""/>
+        <dsp:cNvSpPr/>
+      </dsp:nvSpPr>
+      <dsp:spPr>
+        <a:xfrm>
+          <a:off x="433" y="2124"/>
+          <a:ext cx="2979692" cy="1402286"/>
+        </a:xfrm>
+        <a:prstGeom prst="roundRect">
+          <a:avLst/>
+        </a:prstGeom>
+        <a:solidFill>
+          <a:schemeClr val="lt1">
+            <a:hueOff val="0"/>
+            <a:satOff val="0"/>
+            <a:lumOff val="0"/>
+            <a:alphaOff val="0"/>
+          </a:schemeClr>
+        </a:solidFill>
+        <a:ln w="12700" cap="flat" cmpd="sng" algn="ctr">
+          <a:solidFill>
+            <a:schemeClr val="accent6">
+              <a:shade val="80000"/>
+              <a:hueOff val="0"/>
+              <a:satOff val="0"/>
+              <a:lumOff val="0"/>
+              <a:alphaOff val="0"/>
+            </a:schemeClr>
+          </a:solidFill>
+          <a:prstDash val="solid"/>
+          <a:miter lim="800000"/>
+        </a:ln>
+        <a:effectLst/>
+      </dsp:spPr>
+      <dsp:style>
+        <a:lnRef idx="2">
+          <a:scrgbClr r="0" g="0" b="0"/>
+        </a:lnRef>
+        <a:fillRef idx="1">
+          <a:scrgbClr r="0" g="0" b="0"/>
+        </a:fillRef>
+        <a:effectRef idx="0">
+          <a:scrgbClr r="0" g="0" b="0"/>
+        </a:effectRef>
+        <a:fontRef idx="minor">
+          <a:schemeClr val="lt1"/>
+        </a:fontRef>
+      </dsp:style>
+      <dsp:txBody>
+        <a:bodyPr spcFirstLastPara="0" vert="horz" wrap="square" lIns="163830" tIns="81915" rIns="163830" bIns="81915" numCol="1" spcCol="1270" anchor="ctr" anchorCtr="0">
+          <a:noAutofit/>
+        </a:bodyPr>
+        <a:lstStyle/>
+        <a:p>
+          <a:pPr marL="0" lvl="0" indent="0" algn="ctr" defTabSz="1911350">
+            <a:lnSpc>
+              <a:spcPct val="90000"/>
+            </a:lnSpc>
+            <a:spcBef>
+              <a:spcPct val="0"/>
+            </a:spcBef>
+            <a:spcAft>
+              <a:spcPct val="35000"/>
+            </a:spcAft>
+            <a:buNone/>
+          </a:pPr>
+          <a:r>
+            <a:rPr lang="de-DE" sz="4300" kern="1200" dirty="0"/>
+            <a:t>Webseite 1</a:t>
+          </a:r>
+        </a:p>
+      </dsp:txBody>
+      <dsp:txXfrm>
+        <a:off x="68887" y="70578"/>
+        <a:ext cx="2842784" cy="1265378"/>
+      </dsp:txXfrm>
+    </dsp:sp>
+    <dsp:sp modelId="{7ADC1E00-64EE-4B33-9F87-2173A4C12C37}">
+      <dsp:nvSpPr>
+        <dsp:cNvPr id="0" name=""/>
+        <dsp:cNvSpPr/>
+      </dsp:nvSpPr>
+      <dsp:spPr>
+        <a:xfrm rot="5400000">
+          <a:off x="6186604" y="-1591723"/>
+          <a:ext cx="1121829" cy="7534784"/>
+        </a:xfrm>
+        <a:prstGeom prst="round2SameRect">
+          <a:avLst/>
+        </a:prstGeom>
+        <a:solidFill>
+          <a:schemeClr val="lt1">
+            <a:alpha val="90000"/>
+            <a:tint val="40000"/>
+            <a:hueOff val="0"/>
+            <a:satOff val="0"/>
+            <a:lumOff val="0"/>
+            <a:alphaOff val="0"/>
+          </a:schemeClr>
+        </a:solidFill>
+        <a:ln w="12700" cap="flat" cmpd="sng" algn="ctr">
+          <a:solidFill>
+            <a:schemeClr val="accent6">
+              <a:alpha val="90000"/>
+              <a:hueOff val="0"/>
+              <a:satOff val="0"/>
+              <a:lumOff val="0"/>
+              <a:alphaOff val="0"/>
+            </a:schemeClr>
+          </a:solidFill>
+          <a:prstDash val="solid"/>
+          <a:miter lim="800000"/>
+        </a:ln>
+        <a:effectLst/>
+      </dsp:spPr>
+      <dsp:style>
+        <a:lnRef idx="2">
+          <a:scrgbClr r="0" g="0" b="0"/>
+        </a:lnRef>
+        <a:fillRef idx="1">
+          <a:scrgbClr r="0" g="0" b="0"/>
+        </a:fillRef>
+        <a:effectRef idx="0">
+          <a:scrgbClr r="0" g="0" b="0"/>
+        </a:effectRef>
+        <a:fontRef idx="minor"/>
+      </dsp:style>
+      <dsp:txBody>
+        <a:bodyPr spcFirstLastPara="0" vert="horz" wrap="square" lIns="76200" tIns="38100" rIns="76200" bIns="38100" numCol="1" spcCol="1270" anchor="ctr" anchorCtr="0">
+          <a:noAutofit/>
+        </a:bodyPr>
+        <a:lstStyle/>
+        <a:p>
+          <a:pPr marL="228600" lvl="1" indent="-228600" algn="l" defTabSz="889000">
+            <a:lnSpc>
+              <a:spcPct val="90000"/>
+            </a:lnSpc>
+            <a:spcBef>
+              <a:spcPct val="0"/>
+            </a:spcBef>
+            <a:spcAft>
+              <a:spcPct val="15000"/>
+            </a:spcAft>
+            <a:buChar char="•"/>
+          </a:pPr>
+          <a:r>
+            <a:rPr lang="de-DE" sz="2000" kern="1200" dirty="0"/>
+            <a:t>Visualisierung des Moordatensatzes </a:t>
+          </a:r>
+        </a:p>
+      </dsp:txBody>
+      <dsp:txXfrm rot="-5400000">
+        <a:off x="2980127" y="1669517"/>
+        <a:ext cx="7480021" cy="1012303"/>
+      </dsp:txXfrm>
+    </dsp:sp>
+    <dsp:sp modelId="{B7D94FBA-EE1C-488B-9673-9AD8ECA3AE48}">
+      <dsp:nvSpPr>
+        <dsp:cNvPr id="0" name=""/>
+        <dsp:cNvSpPr/>
+      </dsp:nvSpPr>
+      <dsp:spPr>
+        <a:xfrm>
+          <a:off x="433" y="1474525"/>
+          <a:ext cx="2979693" cy="1402286"/>
+        </a:xfrm>
+        <a:prstGeom prst="roundRect">
+          <a:avLst/>
+        </a:prstGeom>
+        <a:solidFill>
+          <a:schemeClr val="lt1">
+            <a:hueOff val="0"/>
+            <a:satOff val="0"/>
+            <a:lumOff val="0"/>
+            <a:alphaOff val="0"/>
+          </a:schemeClr>
+        </a:solidFill>
+        <a:ln w="12700" cap="flat" cmpd="sng" algn="ctr">
+          <a:solidFill>
+            <a:schemeClr val="accent6">
+              <a:shade val="80000"/>
+              <a:hueOff val="0"/>
+              <a:satOff val="0"/>
+              <a:lumOff val="0"/>
+              <a:alphaOff val="0"/>
+            </a:schemeClr>
+          </a:solidFill>
+          <a:prstDash val="solid"/>
+          <a:miter lim="800000"/>
+        </a:ln>
+        <a:effectLst/>
+      </dsp:spPr>
+      <dsp:style>
+        <a:lnRef idx="2">
+          <a:scrgbClr r="0" g="0" b="0"/>
+        </a:lnRef>
+        <a:fillRef idx="1">
+          <a:scrgbClr r="0" g="0" b="0"/>
+        </a:fillRef>
+        <a:effectRef idx="0">
+          <a:scrgbClr r="0" g="0" b="0"/>
+        </a:effectRef>
+        <a:fontRef idx="minor">
+          <a:schemeClr val="lt1"/>
+        </a:fontRef>
+      </dsp:style>
+      <dsp:txBody>
+        <a:bodyPr spcFirstLastPara="0" vert="horz" wrap="square" lIns="163830" tIns="81915" rIns="163830" bIns="81915" numCol="1" spcCol="1270" anchor="ctr" anchorCtr="0">
+          <a:noAutofit/>
+        </a:bodyPr>
+        <a:lstStyle/>
+        <a:p>
+          <a:pPr marL="0" lvl="0" indent="0" algn="ctr" defTabSz="1911350">
+            <a:lnSpc>
+              <a:spcPct val="90000"/>
+            </a:lnSpc>
+            <a:spcBef>
+              <a:spcPct val="0"/>
+            </a:spcBef>
+            <a:spcAft>
+              <a:spcPct val="35000"/>
+            </a:spcAft>
+            <a:buNone/>
+          </a:pPr>
+          <a:r>
+            <a:rPr lang="de-DE" sz="4300" kern="1200" dirty="0"/>
+            <a:t>Webseite 2</a:t>
+          </a:r>
+        </a:p>
+      </dsp:txBody>
+      <dsp:txXfrm>
+        <a:off x="68887" y="1542979"/>
+        <a:ext cx="2842785" cy="1265378"/>
+      </dsp:txXfrm>
+    </dsp:sp>
+    <dsp:sp modelId="{89270603-7431-478E-888A-BFFE5042B3F0}">
+      <dsp:nvSpPr>
+        <dsp:cNvPr id="0" name=""/>
+        <dsp:cNvSpPr/>
+      </dsp:nvSpPr>
+      <dsp:spPr>
+        <a:xfrm rot="5400000">
+          <a:off x="6201519" y="-104662"/>
+          <a:ext cx="1121829" cy="7505464"/>
+        </a:xfrm>
+        <a:prstGeom prst="round2SameRect">
+          <a:avLst/>
+        </a:prstGeom>
+        <a:solidFill>
+          <a:schemeClr val="lt1">
+            <a:alpha val="90000"/>
+            <a:tint val="40000"/>
+            <a:hueOff val="0"/>
+            <a:satOff val="0"/>
+            <a:lumOff val="0"/>
+            <a:alphaOff val="0"/>
+          </a:schemeClr>
+        </a:solidFill>
+        <a:ln w="12700" cap="flat" cmpd="sng" algn="ctr">
+          <a:solidFill>
+            <a:schemeClr val="accent6">
+              <a:alpha val="90000"/>
+              <a:hueOff val="0"/>
+              <a:satOff val="0"/>
+              <a:lumOff val="0"/>
+              <a:alphaOff val="0"/>
+            </a:schemeClr>
+          </a:solidFill>
+          <a:prstDash val="solid"/>
+          <a:miter lim="800000"/>
+        </a:ln>
+        <a:effectLst/>
+      </dsp:spPr>
+      <dsp:style>
+        <a:lnRef idx="2">
+          <a:scrgbClr r="0" g="0" b="0"/>
+        </a:lnRef>
+        <a:fillRef idx="1">
+          <a:scrgbClr r="0" g="0" b="0"/>
+        </a:fillRef>
+        <a:effectRef idx="0">
+          <a:scrgbClr r="0" g="0" b="0"/>
+        </a:effectRef>
+        <a:fontRef idx="minor"/>
+      </dsp:style>
+      <dsp:txBody>
+        <a:bodyPr spcFirstLastPara="0" vert="horz" wrap="square" lIns="76200" tIns="38100" rIns="76200" bIns="38100" numCol="1" spcCol="1270" anchor="ctr" anchorCtr="0">
+          <a:noAutofit/>
+        </a:bodyPr>
+        <a:lstStyle/>
+        <a:p>
+          <a:pPr marL="228600" lvl="1" indent="-228600" algn="l" defTabSz="889000">
+            <a:lnSpc>
+              <a:spcPct val="90000"/>
+            </a:lnSpc>
+            <a:spcBef>
+              <a:spcPct val="0"/>
+            </a:spcBef>
+            <a:spcAft>
+              <a:spcPct val="15000"/>
+            </a:spcAft>
+            <a:buChar char="•"/>
+          </a:pPr>
+          <a:r>
+            <a:rPr lang="de-DE" sz="2000" kern="1200" dirty="0"/>
+            <a:t>Thematische Wanderung entlang des </a:t>
+          </a:r>
+          <a:r>
+            <a:rPr lang="de-DE" sz="2000" kern="1200" dirty="0" err="1"/>
+            <a:t>Viller</a:t>
+          </a:r>
+          <a:r>
+            <a:rPr lang="de-DE" sz="2000" kern="1200" dirty="0"/>
+            <a:t> Moors</a:t>
+          </a:r>
+        </a:p>
+        <a:p>
+          <a:pPr marL="228600" lvl="1" indent="-228600" algn="l" defTabSz="889000">
+            <a:lnSpc>
+              <a:spcPct val="90000"/>
+            </a:lnSpc>
+            <a:spcBef>
+              <a:spcPct val="0"/>
+            </a:spcBef>
+            <a:spcAft>
+              <a:spcPct val="15000"/>
+            </a:spcAft>
+            <a:buChar char="•"/>
+          </a:pPr>
+          <a:r>
+            <a:rPr lang="de-DE" sz="2000" kern="1200" dirty="0"/>
+            <a:t>Visualisierung des GPX-Tracks und POIs</a:t>
+          </a:r>
+        </a:p>
+      </dsp:txBody>
+      <dsp:txXfrm rot="-5400000">
+        <a:off x="3009702" y="3141918"/>
+        <a:ext cx="7450701" cy="1012303"/>
+      </dsp:txXfrm>
+    </dsp:sp>
+    <dsp:sp modelId="{F3F36B4E-4E1F-453E-9643-88D07437FDDC}">
+      <dsp:nvSpPr>
+        <dsp:cNvPr id="0" name=""/>
+        <dsp:cNvSpPr/>
+      </dsp:nvSpPr>
+      <dsp:spPr>
+        <a:xfrm>
+          <a:off x="433" y="2946926"/>
+          <a:ext cx="3009268" cy="1402286"/>
+        </a:xfrm>
+        <a:prstGeom prst="roundRect">
+          <a:avLst/>
+        </a:prstGeom>
+        <a:solidFill>
+          <a:schemeClr val="lt1">
+            <a:hueOff val="0"/>
+            <a:satOff val="0"/>
+            <a:lumOff val="0"/>
+            <a:alphaOff val="0"/>
+          </a:schemeClr>
+        </a:solidFill>
+        <a:ln w="12700" cap="flat" cmpd="sng" algn="ctr">
+          <a:solidFill>
+            <a:schemeClr val="accent6">
+              <a:shade val="80000"/>
+              <a:hueOff val="0"/>
+              <a:satOff val="0"/>
+              <a:lumOff val="0"/>
+              <a:alphaOff val="0"/>
+            </a:schemeClr>
+          </a:solidFill>
+          <a:prstDash val="solid"/>
+          <a:miter lim="800000"/>
+        </a:ln>
+        <a:effectLst/>
+      </dsp:spPr>
+      <dsp:style>
+        <a:lnRef idx="2">
+          <a:scrgbClr r="0" g="0" b="0"/>
+        </a:lnRef>
+        <a:fillRef idx="1">
+          <a:scrgbClr r="0" g="0" b="0"/>
+        </a:fillRef>
+        <a:effectRef idx="0">
+          <a:scrgbClr r="0" g="0" b="0"/>
+        </a:effectRef>
+        <a:fontRef idx="minor">
+          <a:schemeClr val="lt1"/>
+        </a:fontRef>
+      </dsp:style>
+      <dsp:txBody>
+        <a:bodyPr spcFirstLastPara="0" vert="horz" wrap="square" lIns="163830" tIns="81915" rIns="163830" bIns="81915" numCol="1" spcCol="1270" anchor="ctr" anchorCtr="0">
+          <a:noAutofit/>
+        </a:bodyPr>
+        <a:lstStyle/>
+        <a:p>
+          <a:pPr marL="0" lvl="0" indent="0" algn="ctr" defTabSz="1911350">
+            <a:lnSpc>
+              <a:spcPct val="90000"/>
+            </a:lnSpc>
+            <a:spcBef>
+              <a:spcPct val="0"/>
+            </a:spcBef>
+            <a:spcAft>
+              <a:spcPct val="35000"/>
+            </a:spcAft>
+            <a:buNone/>
+          </a:pPr>
+          <a:r>
+            <a:rPr lang="de-DE" sz="4300" kern="1200" dirty="0"/>
+            <a:t>Webseite 3</a:t>
+          </a:r>
+        </a:p>
+      </dsp:txBody>
+      <dsp:txXfrm>
+        <a:off x="68887" y="3015380"/>
+        <a:ext cx="2872360" cy="1265378"/>
+      </dsp:txXfrm>
+    </dsp:sp>
+  </dsp:spTree>
+</dsp:drawing>
+</file>
+
+<file path=ppt/diagrams/layout1.xml><?xml version="1.0" encoding="utf-8"?>
+<dgm:layoutDef xmlns:dgm="http://schemas.openxmlformats.org/drawingml/2006/diagram" xmlns:a="http://schemas.openxmlformats.org/drawingml/2006/main" uniqueId="urn:microsoft.com/office/officeart/2005/8/layout/vList5">
+  <dgm:title val=""/>
+  <dgm:desc val=""/>
+  <dgm:catLst>
+    <dgm:cat type="list" pri="15000"/>
+    <dgm:cat type="convert" pri="2000"/>
+  </dgm:catLst>
+  <dgm:sampData>
+    <dgm:dataModel>
+      <dgm:ptLst>
+        <dgm:pt modelId="0" type="doc"/>
+        <dgm:pt modelId="1">
+          <dgm:prSet phldr="1"/>
+        </dgm:pt>
+        <dgm:pt modelId="11">
+          <dgm:prSet phldr="1"/>
+        </dgm:pt>
+        <dgm:pt modelId="12">
+          <dgm:prSet phldr="1"/>
+        </dgm:pt>
+        <dgm:pt modelId="2">
+          <dgm:prSet phldr="1"/>
+        </dgm:pt>
+        <dgm:pt modelId="21">
+          <dgm:prSet phldr="1"/>
+        </dgm:pt>
+        <dgm:pt modelId="22">
+          <dgm:prSet phldr="1"/>
+        </dgm:pt>
+        <dgm:pt modelId="3">
+          <dgm:prSet phldr="1"/>
+        </dgm:pt>
+        <dgm:pt modelId="31">
+          <dgm:prSet phldr="1"/>
+        </dgm:pt>
+        <dgm:pt modelId="32">
+          <dgm:prSet phldr="1"/>
+        </dgm:pt>
+      </dgm:ptLst>
+      <dgm:cxnLst>
+        <dgm:cxn modelId="4" srcId="0" destId="1" srcOrd="0" destOrd="0"/>
+        <dgm:cxn modelId="5" srcId="0" destId="2" srcOrd="1" destOrd="0"/>
+        <dgm:cxn modelId="6" srcId="0" destId="3" srcOrd="2" destOrd="0"/>
+        <dgm:cxn modelId="13" srcId="1" destId="11" srcOrd="0" destOrd="0"/>
+        <dgm:cxn modelId="14" srcId="1" destId="12" srcOrd="1" destOrd="0"/>
+        <dgm:cxn modelId="23" srcId="2" destId="21" srcOrd="0" destOrd="0"/>
+        <dgm:cxn modelId="24" srcId="2" destId="22" srcOrd="1" destOrd="0"/>
+        <dgm:cxn modelId="33" srcId="3" destId="31" srcOrd="0" destOrd="0"/>
+        <dgm:cxn modelId="34" srcId="3" destId="32" srcOrd="1" destOrd="0"/>
+      </dgm:cxnLst>
+      <dgm:bg/>
+      <dgm:whole/>
+    </dgm:dataModel>
+  </dgm:sampData>
+  <dgm:styleData>
+    <dgm:dataModel>
+      <dgm:ptLst>
+        <dgm:pt modelId="0" type="doc"/>
+        <dgm:pt modelId="1"/>
+        <dgm:pt modelId="11"/>
+        <dgm:pt modelId="2"/>
+        <dgm:pt modelId="21"/>
+      </dgm:ptLst>
+      <dgm:cxnLst>
+        <dgm:cxn modelId="4" srcId="0" destId="1" srcOrd="0" destOrd="0"/>
+        <dgm:cxn modelId="5" srcId="0" destId="2" srcOrd="1" destOrd="0"/>
+        <dgm:cxn modelId="13" srcId="1" destId="11" srcOrd="0" destOrd="0"/>
+        <dgm:cxn modelId="23" srcId="2" destId="21" srcOrd="0" destOrd="0"/>
+      </dgm:cxnLst>
+      <dgm:bg/>
+      <dgm:whole/>
+    </dgm:dataModel>
+  </dgm:styleData>
+  <dgm:clrData>
+    <dgm:dataModel>
+      <dgm:ptLst>
+        <dgm:pt modelId="0" type="doc"/>
+        <dgm:pt modelId="1"/>
+        <dgm:pt modelId="11"/>
+        <dgm:pt modelId="2"/>
+        <dgm:pt modelId="21"/>
+        <dgm:pt modelId="3"/>
+        <dgm:pt modelId="31"/>
+        <dgm:pt modelId="4"/>
+        <dgm:pt modelId="41"/>
+      </dgm:ptLst>
+      <dgm:cxnLst>
+        <dgm:cxn modelId="5" srcId="0" destId="1" srcOrd="0" destOrd="0"/>
+        <dgm:cxn modelId="6" srcId="0" destId="2" srcOrd="1" destOrd="0"/>
+        <dgm:cxn modelId="7" srcId="0" destId="3" srcOrd="2" destOrd="0"/>
+        <dgm:cxn modelId="8" srcId="0" destId="4" srcOrd="3" destOrd="0"/>
+        <dgm:cxn modelId="13" srcId="1" destId="11" srcOrd="0" destOrd="0"/>
+        <dgm:cxn modelId="23" srcId="2" destId="21" srcOrd="0" destOrd="0"/>
+        <dgm:cxn modelId="33" srcId="3" destId="31" srcOrd="0" destOrd="0"/>
+        <dgm:cxn modelId="43" srcId="4" destId="41" srcOrd="0" destOrd="0"/>
+      </dgm:cxnLst>
+      <dgm:bg/>
+      <dgm:whole/>
+    </dgm:dataModel>
+  </dgm:clrData>
+  <dgm:layoutNode name="Name0">
+    <dgm:varLst>
+      <dgm:dir/>
+      <dgm:animLvl val="lvl"/>
+      <dgm:resizeHandles val="exact"/>
+    </dgm:varLst>
+    <dgm:choose name="Name1">
+      <dgm:if name="Name2" func="var" arg="dir" op="equ" val="norm">
+        <dgm:alg type="lin">
+          <dgm:param type="linDir" val="fromT"/>
+          <dgm:param type="nodeHorzAlign" val="l"/>
+        </dgm:alg>
+      </dgm:if>
+      <dgm:else name="Name3">
+        <dgm:alg type="lin">
+          <dgm:param type="linDir" val="fromT"/>
+          <dgm:param type="nodeHorzAlign" val="r"/>
+        </dgm:alg>
+      </dgm:else>
+    </dgm:choose>
+    <dgm:shape xmlns:r="http://schemas.openxmlformats.org/officeDocument/2006/relationships" r:blip="">
+      <dgm:adjLst/>
+    </dgm:shape>
+    <dgm:presOf/>
+    <dgm:constrLst>
+      <dgm:constr type="h" for="ch" forName="linNode" refType="h"/>
+      <dgm:constr type="w" for="ch" forName="linNode" refType="w"/>
+      <dgm:constr type="h" for="ch" forName="sp" refType="h" fact="0.05"/>
+      <dgm:constr type="primFontSz" for="des" forName="parentText" op="equ" val="65"/>
+      <dgm:constr type="secFontSz" for="des" forName="descendantText" op="equ"/>
+    </dgm:constrLst>
+    <dgm:ruleLst/>
+    <dgm:forEach name="Name4" axis="ch" ptType="node">
+      <dgm:layoutNode name="linNode">
+        <dgm:choose name="Name5">
+          <dgm:if name="Name6" func="var" arg="dir" op="equ" val="norm">
+            <dgm:alg type="lin">
+              <dgm:param type="linDir" val="fromL"/>
+            </dgm:alg>
+          </dgm:if>
+          <dgm:else name="Name7">
+            <dgm:alg type="lin">
+              <dgm:param type="linDir" val="fromR"/>
+            </dgm:alg>
+          </dgm:else>
+        </dgm:choose>
+        <dgm:shape xmlns:r="http://schemas.openxmlformats.org/officeDocument/2006/relationships" r:blip="">
+          <dgm:adjLst/>
+        </dgm:shape>
+        <dgm:presOf/>
+        <dgm:constrLst>
+          <dgm:constr type="w" for="ch" forName="parentText" refType="w" fact="0.36"/>
+          <dgm:constr type="w" for="ch" forName="descendantText" refType="w" fact="0.64"/>
+          <dgm:constr type="h" for="ch" forName="parentText" refType="h"/>
+          <dgm:constr type="h" for="ch" forName="descendantText" refType="h" refFor="ch" refForName="parentText" fact="0.8"/>
+        </dgm:constrLst>
+        <dgm:ruleLst/>
+        <dgm:layoutNode name="parentText">
+          <dgm:varLst>
+            <dgm:chMax val="1"/>
+            <dgm:bulletEnabled val="1"/>
+          </dgm:varLst>
+          <dgm:alg type="tx"/>
+          <dgm:shape xmlns:r="http://schemas.openxmlformats.org/officeDocument/2006/relationships" type="roundRect" r:blip="" zOrderOff="3">
+            <dgm:adjLst/>
+          </dgm:shape>
+          <dgm:presOf axis="self" ptType="node"/>
+          <dgm:constrLst>
+            <dgm:constr type="tMarg" refType="primFontSz" fact="0.15"/>
+            <dgm:constr type="bMarg" refType="primFontSz" fact="0.15"/>
+            <dgm:constr type="lMarg" refType="primFontSz" fact="0.3"/>
+            <dgm:constr type="rMarg" refType="primFontSz" fact="0.3"/>
+          </dgm:constrLst>
+          <dgm:ruleLst>
+            <dgm:rule type="primFontSz" val="5" fact="NaN" max="NaN"/>
+          </dgm:ruleLst>
+        </dgm:layoutNode>
+        <dgm:choose name="Name8">
+          <dgm:if name="Name9" axis="ch" ptType="node" func="cnt" op="gte" val="1">
+            <dgm:layoutNode name="descendantText" styleLbl="alignAccFollowNode1">
+              <dgm:varLst>
+                <dgm:bulletEnabled val="1"/>
+              </dgm:varLst>
+              <dgm:alg type="tx">
+                <dgm:param type="stBulletLvl" val="1"/>
+                <dgm:param type="txAnchorVertCh" val="mid"/>
+              </dgm:alg>
+              <dgm:choose name="Name10">
+                <dgm:if name="Name11" func="var" arg="dir" op="equ" val="norm">
+                  <dgm:shape xmlns:r="http://schemas.openxmlformats.org/officeDocument/2006/relationships" rot="90" type="round2SameRect" r:blip="">
+                    <dgm:adjLst/>
+                  </dgm:shape>
+                </dgm:if>
+                <dgm:else name="Name12">
+                  <dgm:shape xmlns:r="http://schemas.openxmlformats.org/officeDocument/2006/relationships" rot="-90" type="round2SameRect" r:blip="">
+                    <dgm:adjLst/>
+                  </dgm:shape>
+                </dgm:else>
+              </dgm:choose>
+              <dgm:presOf axis="des" ptType="node"/>
+              <dgm:constrLst>
+                <dgm:constr type="secFontSz" val="65"/>
+                <dgm:constr type="primFontSz" refType="secFontSz"/>
+                <dgm:constr type="lMarg" refType="secFontSz" fact="0.3"/>
+                <dgm:constr type="rMarg" refType="secFontSz" fact="0.3"/>
+                <dgm:constr type="tMarg" refType="secFontSz" fact="0.15"/>
+                <dgm:constr type="bMarg" refType="secFontSz" fact="0.15"/>
+              </dgm:constrLst>
+              <dgm:ruleLst>
+                <dgm:rule type="secFontSz" val="5" fact="NaN" max="NaN"/>
+              </dgm:ruleLst>
+            </dgm:layoutNode>
+          </dgm:if>
+          <dgm:else name="Name13"/>
+        </dgm:choose>
+      </dgm:layoutNode>
+      <dgm:forEach name="Name14" axis="followSib" ptType="sibTrans" cnt="1">
+        <dgm:layoutNode name="sp">
+          <dgm:alg type="sp"/>
+          <dgm:shape xmlns:r="http://schemas.openxmlformats.org/officeDocument/2006/relationships" r:blip="">
+            <dgm:adjLst/>
+          </dgm:shape>
+          <dgm:presOf/>
+          <dgm:constrLst/>
+          <dgm:ruleLst/>
+        </dgm:layoutNode>
+      </dgm:forEach>
+    </dgm:forEach>
+  </dgm:layoutNode>
+</dgm:layoutDef>
+</file>
+
+<file path=ppt/diagrams/quickStyle1.xml><?xml version="1.0" encoding="utf-8"?>
+<dgm:styleDef xmlns:dgm="http://schemas.openxmlformats.org/drawingml/2006/diagram" xmlns:a="http://schemas.openxmlformats.org/drawingml/2006/main" uniqueId="urn:microsoft.com/office/officeart/2005/8/quickstyle/simple1">
+  <dgm:title val=""/>
+  <dgm:desc val=""/>
+  <dgm:catLst>
+    <dgm:cat type="simple" pri="10100"/>
+  </dgm:catLst>
+  <dgm:scene3d>
+    <a:camera prst="orthographicFront"/>
+    <a:lightRig rig="threePt" dir="t"/>
+  </dgm:scene3d>
+  <dgm:styleLbl name="node0">
+    <dgm:scene3d>
+      <a:camera prst="orthographicFront"/>
+      <a:lightRig rig="threePt" dir="t"/>
+    </dgm:scene3d>
+    <dgm:sp3d/>
+    <dgm:txPr/>
+    <dgm:style>
+      <a:lnRef idx="2">
+        <a:scrgbClr r="0" g="0" b="0"/>
+      </a:lnRef>
+      <a:fillRef idx="1">
+        <a:scrgbClr r="0" g="0" b="0"/>
+      </a:fillRef>
+      <a:effectRef idx="0">
+        <a:scrgbClr r="0" g="0" b="0"/>
+      </a:effectRef>
+      <a:fontRef idx="minor">
+        <a:schemeClr val="lt1"/>
+      </a:fontRef>
+    </dgm:style>
+  </dgm:styleLbl>
+  <dgm:styleLbl name="lnNode1">
+    <dgm:scene3d>
+      <a:camera prst="orthographicFront"/>
+      <a:lightRig rig="threePt" dir="t"/>
+    </dgm:scene3d>
+    <dgm:sp3d/>
+    <dgm:txPr/>
+    <dgm:style>
+      <a:lnRef idx="2">
+        <a:scrgbClr r="0" g="0" b="0"/>
+      </a:lnRef>
+      <a:fillRef idx="1">
+        <a:scrgbClr r="0" g="0" b="0"/>
+      </a:fillRef>
+      <a:effectRef idx="0">
+        <a:scrgbClr r="0" g="0" b="0"/>
+      </a:effectRef>
+      <a:fontRef idx="minor">
+        <a:schemeClr val="lt1"/>
+      </a:fontRef>
+    </dgm:style>
+  </dgm:styleLbl>
+  <dgm:styleLbl name="vennNode1">
+    <dgm:scene3d>
+      <a:camera prst="orthographicFront"/>
+      <a:lightRig rig="threePt" dir="t"/>
+    </dgm:scene3d>
+    <dgm:sp3d/>
+    <dgm:txPr/>
+    <dgm:style>
+      <a:lnRef idx="2">
+        <a:scrgbClr r="0" g="0" b="0"/>
+      </a:lnRef>
+      <a:fillRef idx="1">
+        <a:scrgbClr r="0" g="0" b="0"/>
+      </a:fillRef>
+      <a:effectRef idx="0">
+        <a:scrgbClr r="0" g="0" b="0"/>
+      </a:effectRef>
+      <a:fontRef idx="minor">
+        <a:schemeClr val="tx1"/>
+      </a:fontRef>
+    </dgm:style>
+  </dgm:styleLbl>
+  <dgm:styleLbl name="alignNode1">
+    <dgm:scene3d>
+      <a:camera prst="orthographicFront"/>
+      <a:lightRig rig="threePt" dir="t"/>
+    </dgm:scene3d>
+    <dgm:sp3d/>
+    <dgm:txPr/>
+    <dgm:style>
+      <a:lnRef idx="2">
+        <a:scrgbClr r="0" g="0" b="0"/>
+      </a:lnRef>
+      <a:fillRef idx="1">
+        <a:scrgbClr r="0" g="0" b="0"/>
+      </a:fillRef>
+      <a:effectRef idx="0">
+        <a:scrgbClr r="0" g="0" b="0"/>
+      </a:effectRef>
+      <a:fontRef idx="minor">
+        <a:schemeClr val="lt1"/>
+      </a:fontRef>
+    </dgm:style>
+  </dgm:styleLbl>
+  <dgm:styleLbl name="node1">
+    <dgm:scene3d>
+      <a:camera prst="orthographicFront"/>
+      <a:lightRig rig="threePt" dir="t"/>
+    </dgm:scene3d>
+    <dgm:sp3d/>
+    <dgm:txPr/>
+    <dgm:style>
+      <a:lnRef idx="2">
+        <a:scrgbClr r="0" g="0" b="0"/>
+      </a:lnRef>
+      <a:fillRef idx="1">
+        <a:scrgbClr r="0" g="0" b="0"/>
+      </a:fillRef>
+      <a:effectRef idx="0">
+        <a:scrgbClr r="0" g="0" b="0"/>
+      </a:effectRef>
+      <a:fontRef idx="minor">
+        <a:schemeClr val="lt1"/>
+      </a:fontRef>
+    </dgm:style>
+  </dgm:styleLbl>
+  <dgm:styleLbl name="node2">
+    <dgm:scene3d>
+      <a:camera prst="orthographicFront"/>
+      <a:lightRig rig="threePt" dir="t"/>
+    </dgm:scene3d>
+    <dgm:sp3d/>
+    <dgm:txPr/>
+    <dgm:style>
+      <a:lnRef idx="2">
+        <a:scrgbClr r="0" g="0" b="0"/>
+      </a:lnRef>
+      <a:fillRef idx="1">
+        <a:scrgbClr r="0" g="0" b="0"/>
+      </a:fillRef>
+      <a:effectRef idx="0">
+        <a:scrgbClr r="0" g="0" b="0"/>
+      </a:effectRef>
+      <a:fontRef idx="minor">
+        <a:schemeClr val="lt1"/>
+      </a:fontRef>
+    </dgm:style>
+  </dgm:styleLbl>
+  <dgm:styleLbl name="node3">
+    <dgm:scene3d>
+      <a:camera prst="orthographicFront"/>
+      <a:lightRig rig="threePt" dir="t"/>
+    </dgm:scene3d>
+    <dgm:sp3d/>
+    <dgm:txPr/>
+    <dgm:style>
+      <a:lnRef idx="2">
+        <a:scrgbClr r="0" g="0" b="0"/>
+      </a:lnRef>
+      <a:fillRef idx="1">
+        <a:scrgbClr r="0" g="0" b="0"/>
+      </a:fillRef>
+      <a:effectRef idx="0">
+        <a:scrgbClr r="0" g="0" b="0"/>
+      </a:effectRef>
+      <a:fontRef idx="minor">
+        <a:schemeClr val="lt1"/>
+      </a:fontRef>
+    </dgm:style>
+  </dgm:styleLbl>
+  <dgm:styleLbl name="node4">
+    <dgm:scene3d>
+      <a:camera prst="orthographicFront"/>
+      <a:lightRig rig="threePt" dir="t"/>
+    </dgm:scene3d>
+    <dgm:sp3d/>
+    <dgm:txPr/>
+    <dgm:style>
+      <a:lnRef idx="2">
+        <a:scrgbClr r="0" g="0" b="0"/>
+      </a:lnRef>
+      <a:fillRef idx="1">
+        <a:scrgbClr r="0" g="0" b="0"/>
+      </a:fillRef>
+      <a:effectRef idx="0">
+        <a:scrgbClr r="0" g="0" b="0"/>
+      </a:effectRef>
+      <a:fontRef idx="minor">
+        <a:schemeClr val="lt1"/>
+      </a:fontRef>
+    </dgm:style>
+  </dgm:styleLbl>
+  <dgm:styleLbl name="fgImgPlace1">
+    <dgm:scene3d>
+      <a:camera prst="orthographicFront"/>
+      <a:lightRig rig="threePt" dir="t"/>
+    </dgm:scene3d>
+    <dgm:sp3d/>
+    <dgm:txPr/>
+    <dgm:style>
+      <a:lnRef idx="2">
+        <a:scrgbClr r="0" g="0" b="0"/>
+      </a:lnRef>
+      <a:fillRef idx="1">
+        <a:scrgbClr r="0" g="0" b="0"/>
+      </a:fillRef>
+      <a:effectRef idx="0">
+        <a:scrgbClr r="0" g="0" b="0"/>
+      </a:effectRef>
+      <a:fontRef idx="minor"/>
+    </dgm:style>
+  </dgm:styleLbl>
+  <dgm:styleLbl name="alignImgPlace1">
+    <dgm:scene3d>
+      <a:camera prst="orthographicFront"/>
+      <a:lightRig rig="threePt" dir="t"/>
+    </dgm:scene3d>
+    <dgm:sp3d/>
+    <dgm:txPr/>
+    <dgm:style>
+      <a:lnRef idx="2">
+        <a:scrgbClr r="0" g="0" b="0"/>
+      </a:lnRef>
+      <a:fillRef idx="1">
+        <a:scrgbClr r="0" g="0" b="0"/>
+      </a:fillRef>
+      <a:effectRef idx="0">
+        <a:scrgbClr r="0" g="0" b="0"/>
+      </a:effectRef>
+      <a:fontRef idx="minor"/>
+    </dgm:style>
+  </dgm:styleLbl>
+  <dgm:styleLbl name="bgImgPlace1">
+    <dgm:scene3d>
+      <a:camera prst="orthographicFront"/>
+      <a:lightRig rig="threePt" dir="t"/>
+    </dgm:scene3d>
+    <dgm:sp3d/>
+    <dgm:txPr/>
+    <dgm:style>
+      <a:lnRef idx="2">
+        <a:scrgbClr r="0" g="0" b="0"/>
+      </a:lnRef>
+      <a:fillRef idx="1">
+        <a:scrgbClr r="0" g="0" b="0"/>
+      </a:fillRef>
+      <a:effectRef idx="0">
+        <a:scrgbClr r="0" g="0" b="0"/>
+      </a:effectRef>
+      <a:fontRef idx="minor"/>
+    </dgm:style>
+  </dgm:styleLbl>
+  <dgm:styleLbl name="sibTrans2D1">
+    <dgm:scene3d>
+      <a:camera prst="orthographicFront"/>
+      <a:lightRig rig="threePt" dir="t"/>
+    </dgm:scene3d>
+    <dgm:sp3d/>
+    <dgm:txPr/>
+    <dgm:style>
+      <a:lnRef idx="0">
+        <a:scrgbClr r="0" g="0" b="0"/>
+      </a:lnRef>
+      <a:fillRef idx="1">
+        <a:scrgbClr r="0" g="0" b="0"/>
+      </a:fillRef>
+      <a:effectRef idx="0">
+        <a:scrgbClr r="0" g="0" b="0"/>
+      </a:effectRef>
+      <a:fontRef idx="minor">
+        <a:schemeClr val="lt1"/>
+      </a:fontRef>
+    </dgm:style>
+  </dgm:styleLbl>
+  <dgm:styleLbl name="fgSibTrans2D1">
+    <dgm:scene3d>
+      <a:camera prst="orthographicFront"/>
+      <a:lightRig rig="threePt" dir="t"/>
+    </dgm:scene3d>
+    <dgm:sp3d/>
+    <dgm:txPr/>
+    <dgm:style>
+      <a:lnRef idx="0">
+        <a:scrgbClr r="0" g="0" b="0"/>
+      </a:lnRef>
+      <a:fillRef idx="1">
+        <a:scrgbClr r="0" g="0" b="0"/>
+      </a:fillRef>
+      <a:effectRef idx="0">
+        <a:scrgbClr r="0" g="0" b="0"/>
+      </a:effectRef>
+      <a:fontRef idx="minor">
+        <a:schemeClr val="lt1"/>
+      </a:fontRef>
+    </dgm:style>
+  </dgm:styleLbl>
+  <dgm:styleLbl name="bgSibTrans2D1">
+    <dgm:scene3d>
+      <a:camera prst="orthographicFront"/>
+      <a:lightRig rig="threePt" dir="t"/>
+    </dgm:scene3d>
+    <dgm:sp3d/>
+    <dgm:txPr/>
+    <dgm:style>
+      <a:lnRef idx="0">
+        <a:scrgbClr r="0" g="0" b="0"/>
+      </a:lnRef>
+      <a:fillRef idx="1">
+        <a:scrgbClr r="0" g="0" b="0"/>
+      </a:fillRef>
+      <a:effectRef idx="0">
+        <a:scrgbClr r="0" g="0" b="0"/>
+      </a:effectRef>
+      <a:fontRef idx="minor">
+        <a:schemeClr val="lt1"/>
+      </a:fontRef>
+    </dgm:style>
+  </dgm:styleLbl>
+  <dgm:styleLbl name="sibTrans1D1">
+    <dgm:scene3d>
+      <a:camera prst="orthographicFront"/>
+      <a:lightRig rig="threePt" dir="t"/>
+    </dgm:scene3d>
+    <dgm:sp3d/>
+    <dgm:txPr/>
+    <dgm:style>
+      <a:lnRef idx="1">
+        <a:scrgbClr r="0" g="0" b="0"/>
+      </a:lnRef>
+      <a:fillRef idx="0">
+        <a:scrgbClr r="0" g="0" b="0"/>
+      </a:fillRef>
+      <a:effectRef idx="0">
+        <a:scrgbClr r="0" g="0" b="0"/>
+      </a:effectRef>
+      <a:fontRef idx="minor"/>
+    </dgm:style>
+  </dgm:styleLbl>
+  <dgm:styleLbl name="callout">
+    <dgm:scene3d>
+      <a:camera prst="orthographicFront"/>
+      <a:lightRig rig="threePt" dir="t"/>
+    </dgm:scene3d>
+    <dgm:sp3d/>
+    <dgm:txPr/>
+    <dgm:style>
+      <a:lnRef idx="2">
+        <a:scrgbClr r="0" g="0" b="0"/>
+      </a:lnRef>
+      <a:fillRef idx="1">
+        <a:scrgbClr r="0" g="0" b="0"/>
+      </a:fillRef>
+      <a:effectRef idx="0">
+        <a:scrgbClr r="0" g="0" b="0"/>
+      </a:effectRef>
+      <a:fontRef idx="minor"/>
+    </dgm:style>
+  </dgm:styleLbl>
+  <dgm:styleLbl name="asst0">
+    <dgm:scene3d>
+      <a:camera prst="orthographicFront"/>
+      <a:lightRig rig="threePt" dir="t"/>
+    </dgm:scene3d>
+    <dgm:sp3d/>
+    <dgm:txPr/>
+    <dgm:style>
+      <a:lnRef idx="2">
+        <a:scrgbClr r="0" g="0" b="0"/>
+      </a:lnRef>
+      <a:fillRef idx="1">
+        <a:scrgbClr r="0" g="0" b="0"/>
+      </a:fillRef>
+      <a:effectRef idx="0">
+        <a:scrgbClr r="0" g="0" b="0"/>
+      </a:effectRef>
+      <a:fontRef idx="minor">
+        <a:schemeClr val="lt1"/>
+      </a:fontRef>
+    </dgm:style>
+  </dgm:styleLbl>
+  <dgm:styleLbl name="asst1">
+    <dgm:scene3d>
+      <a:camera prst="orthographicFront"/>
+      <a:lightRig rig="threePt" dir="t"/>
+    </dgm:scene3d>
+    <dgm:sp3d/>
+    <dgm:txPr/>
+    <dgm:style>
+      <a:lnRef idx="2">
+        <a:scrgbClr r="0" g="0" b="0"/>
+      </a:lnRef>
+      <a:fillRef idx="1">
+        <a:scrgbClr r="0" g="0" b="0"/>
+      </a:fillRef>
+      <a:effectRef idx="0">
+        <a:scrgbClr r="0" g="0" b="0"/>
+      </a:effectRef>
+      <a:fontRef idx="minor">
+        <a:schemeClr val="lt1"/>
+      </a:fontRef>
+    </dgm:style>
+  </dgm:styleLbl>
+  <dgm:styleLbl name="asst2">
+    <dgm:scene3d>
+      <a:camera prst="orthographicFront"/>
+      <a:lightRig rig="threePt" dir="t"/>
+    </dgm:scene3d>
+    <dgm:sp3d/>
+    <dgm:txPr/>
+    <dgm:style>
+      <a:lnRef idx="2">
+        <a:scrgbClr r="0" g="0" b="0"/>
+      </a:lnRef>
+      <a:fillRef idx="1">
+        <a:scrgbClr r="0" g="0" b="0"/>
+      </a:fillRef>
+      <a:effectRef idx="0">
+        <a:scrgbClr r="0" g="0" b="0"/>
+      </a:effectRef>
+      <a:fontRef idx="minor">
+        <a:schemeClr val="lt1"/>
+      </a:fontRef>
+    </dgm:style>
+  </dgm:styleLbl>
+  <dgm:styleLbl name="asst3">
+    <dgm:scene3d>
+      <a:camera prst="orthographicFront"/>
+      <a:lightRig rig="threePt" dir="t"/>
+    </dgm:scene3d>
+    <dgm:sp3d/>
+    <dgm:txPr/>
+    <dgm:style>
+      <a:lnRef idx="2">
+        <a:scrgbClr r="0" g="0" b="0"/>
+      </a:lnRef>
+      <a:fillRef idx="1">
+        <a:scrgbClr r="0" g="0" b="0"/>
+      </a:fillRef>
+      <a:effectRef idx="0">
+        <a:scrgbClr r="0" g="0" b="0"/>
+      </a:effectRef>
+      <a:fontRef idx="minor">
+        <a:schemeClr val="lt1"/>
+      </a:fontRef>
+    </dgm:style>
+  </dgm:styleLbl>
+  <dgm:styleLbl name="asst4">
+    <dgm:scene3d>
+      <a:camera prst="orthographicFront"/>
+      <a:lightRig rig="threePt" dir="t"/>
+    </dgm:scene3d>
+    <dgm:sp3d/>
+    <dgm:txPr/>
+    <dgm:style>
+      <a:lnRef idx="2">
+        <a:scrgbClr r="0" g="0" b="0"/>
+      </a:lnRef>
+      <a:fillRef idx="1">
+        <a:scrgbClr r="0" g="0" b="0"/>
+      </a:fillRef>
+      <a:effectRef idx="0">
+        <a:scrgbClr r="0" g="0" b="0"/>
+      </a:effectRef>
+      <a:fontRef idx="minor">
+        <a:schemeClr val="lt1"/>
+      </a:fontRef>
+    </dgm:style>
+  </dgm:styleLbl>
+  <dgm:styleLbl name="parChTrans2D1">
+    <dgm:scene3d>
+      <a:camera prst="orthographicFront"/>
+      <a:lightRig rig="threePt" dir="t"/>
+    </dgm:scene3d>
+    <dgm:sp3d/>
+    <dgm:txPr/>
+    <dgm:style>
+      <a:lnRef idx="2">
+        <a:scrgbClr r="0" g="0" b="0"/>
+      </a:lnRef>
+      <a:fillRef idx="1">
+        <a:scrgbClr r="0" g="0" b="0"/>
+      </a:fillRef>
+      <a:effectRef idx="0">
+        <a:scrgbClr r="0" g="0" b="0"/>
+      </a:effectRef>
+      <a:fontRef idx="minor">
+        <a:schemeClr val="lt1"/>
+      </a:fontRef>
+    </dgm:style>
+  </dgm:styleLbl>
+  <dgm:styleLbl name="parChTrans2D2">
+    <dgm:scene3d>
+      <a:camera prst="orthographicFront"/>
+      <a:lightRig rig="threePt" dir="t"/>
+    </dgm:scene3d>
+    <dgm:sp3d/>
+    <dgm:txPr/>
+    <dgm:style>
+      <a:lnRef idx="2">
+        <a:scrgbClr r="0" g="0" b="0"/>
+      </a:lnRef>
+      <a:fillRef idx="1">
+        <a:scrgbClr r="0" g="0" b="0"/>
+      </a:fillRef>
+      <a:effectRef idx="0">
+        <a:scrgbClr r="0" g="0" b="0"/>
+      </a:effectRef>
+      <a:fontRef idx="minor">
+        <a:schemeClr val="lt1"/>
+      </a:fontRef>
+    </dgm:style>
+  </dgm:styleLbl>
+  <dgm:styleLbl name="parChTrans2D3">
+    <dgm:scene3d>
+      <a:camera prst="orthographicFront"/>
+      <a:lightRig rig="threePt" dir="t"/>
+    </dgm:scene3d>
+    <dgm:sp3d/>
+    <dgm:txPr/>
+    <dgm:style>
+      <a:lnRef idx="2">
+        <a:scrgbClr r="0" g="0" b="0"/>
+      </a:lnRef>
+      <a:fillRef idx="1">
+        <a:scrgbClr r="0" g="0" b="0"/>
+      </a:fillRef>
+      <a:effectRef idx="0">
+        <a:scrgbClr r="0" g="0" b="0"/>
+      </a:effectRef>
+      <a:fontRef idx="minor">
+        <a:schemeClr val="lt1"/>
+      </a:fontRef>
+    </dgm:style>
+  </dgm:styleLbl>
+  <dgm:styleLbl name="parChTrans2D4">
+    <dgm:scene3d>
+      <a:camera prst="orthographicFront"/>
+      <a:lightRig rig="threePt" dir="t"/>
+    </dgm:scene3d>
+    <dgm:sp3d/>
+    <dgm:txPr/>
+    <dgm:style>
+      <a:lnRef idx="2">
+        <a:scrgbClr r="0" g="0" b="0"/>
+      </a:lnRef>
+      <a:fillRef idx="1">
+        <a:scrgbClr r="0" g="0" b="0"/>
+      </a:fillRef>
+      <a:effectRef idx="0">
+        <a:scrgbClr r="0" g="0" b="0"/>
+      </a:effectRef>
+      <a:fontRef idx="minor">
+        <a:schemeClr val="lt1"/>
+      </a:fontRef>
+    </dgm:style>
+  </dgm:styleLbl>
+  <dgm:styleLbl name="parChTrans1D1">
+    <dgm:scene3d>
+      <a:camera prst="orthographicFront"/>
+      <a:lightRig rig="threePt" dir="t"/>
+    </dgm:scene3d>
+    <dgm:sp3d/>
+    <dgm:txPr/>
+    <dgm:style>
+      <a:lnRef idx="2">
+        <a:scrgbClr r="0" g="0" b="0"/>
+      </a:lnRef>
+      <a:fillRef idx="0">
+        <a:scrgbClr r="0" g="0" b="0"/>
+      </a:fillRef>
+      <a:effectRef idx="0">
+        <a:scrgbClr r="0" g="0" b="0"/>
+      </a:effectRef>
+      <a:fontRef idx="minor"/>
+    </dgm:style>
+  </dgm:styleLbl>
+  <dgm:styleLbl name="parChTrans1D2">
+    <dgm:scene3d>
+      <a:camera prst="orthographicFront"/>
+      <a:lightRig rig="threePt" dir="t"/>
+    </dgm:scene3d>
+    <dgm:sp3d/>
+    <dgm:txPr/>
+    <dgm:style>
+      <a:lnRef idx="2">
+        <a:scrgbClr r="0" g="0" b="0"/>
+      </a:lnRef>
+      <a:fillRef idx="0">
+        <a:scrgbClr r="0" g="0" b="0"/>
+      </a:fillRef>
+      <a:effectRef idx="0">
+        <a:scrgbClr r="0" g="0" b="0"/>
+      </a:effectRef>
+      <a:fontRef idx="minor"/>
+    </dgm:style>
+  </dgm:styleLbl>
+  <dgm:styleLbl name="parChTrans1D3">
+    <dgm:scene3d>
+      <a:camera prst="orthographicFront"/>
+      <a:lightRig rig="threePt" dir="t"/>
+    </dgm:scene3d>
+    <dgm:sp3d/>
+    <dgm:txPr/>
+    <dgm:style>
+      <a:lnRef idx="2">
+        <a:scrgbClr r="0" g="0" b="0"/>
+      </a:lnRef>
+      <a:fillRef idx="0">
+        <a:scrgbClr r="0" g="0" b="0"/>
+      </a:fillRef>
+      <a:effectRef idx="0">
+        <a:scrgbClr r="0" g="0" b="0"/>
+      </a:effectRef>
+      <a:fontRef idx="minor"/>
+    </dgm:style>
+  </dgm:styleLbl>
+  <dgm:styleLbl name="parChTrans1D4">
+    <dgm:scene3d>
+      <a:camera prst="orthographicFront"/>
+      <a:lightRig rig="threePt" dir="t"/>
+    </dgm:scene3d>
+    <dgm:sp3d/>
+    <dgm:txPr/>
+    <dgm:style>
+      <a:lnRef idx="2">
+        <a:scrgbClr r="0" g="0" b="0"/>
+      </a:lnRef>
+      <a:fillRef idx="0">
+        <a:scrgbClr r="0" g="0" b="0"/>
+      </a:fillRef>
+      <a:effectRef idx="0">
+        <a:scrgbClr r="0" g="0" b="0"/>
+      </a:effectRef>
+      <a:fontRef idx="minor"/>
+    </dgm:style>
+  </dgm:styleLbl>
+  <dgm:styleLbl name="fgAcc1">
+    <dgm:scene3d>
+      <a:camera prst="orthographicFront"/>
+      <a:lightRig rig="threePt" dir="t"/>
+    </dgm:scene3d>
+    <dgm:sp3d/>
+    <dgm:txPr/>
+    <dgm:style>
+      <a:lnRef idx="2">
+        <a:scrgbClr r="0" g="0" b="0"/>
+      </a:lnRef>
+      <a:fillRef idx="1">
+        <a:scrgbClr r="0" g="0" b="0"/>
+      </a:fillRef>
+      <a:effectRef idx="0">
+        <a:scrgbClr r="0" g="0" b="0"/>
+      </a:effectRef>
+      <a:fontRef idx="minor"/>
+    </dgm:style>
+  </dgm:styleLbl>
+  <dgm:styleLbl name="conFgAcc1">
+    <dgm:scene3d>
+      <a:camera prst="orthographicFront"/>
+      <a:lightRig rig="threePt" dir="t"/>
+    </dgm:scene3d>
+    <dgm:sp3d/>
+    <dgm:txPr/>
+    <dgm:style>
+      <a:lnRef idx="2">
+        <a:scrgbClr r="0" g="0" b="0"/>
+      </a:lnRef>
+      <a:fillRef idx="1">
+        <a:scrgbClr r="0" g="0" b="0"/>
+      </a:fillRef>
+      <a:effectRef idx="0">
+        <a:scrgbClr r="0" g="0" b="0"/>
+      </a:effectRef>
+      <a:fontRef idx="minor"/>
+    </dgm:style>
+  </dgm:styleLbl>
+  <dgm:styleLbl name="alignAcc1">
+    <dgm:scene3d>
+      <a:camera prst="orthographicFront"/>
+      <a:lightRig rig="threePt" dir="t"/>
+    </dgm:scene3d>
+    <dgm:sp3d/>
+    <dgm:txPr/>
+    <dgm:style>
+      <a:lnRef idx="2">
+        <a:scrgbClr r="0" g="0" b="0"/>
+      </a:lnRef>
+      <a:fillRef idx="1">
+        <a:scrgbClr r="0" g="0" b="0"/>
+      </a:fillRef>
+      <a:effectRef idx="0">
+        <a:scrgbClr r="0" g="0" b="0"/>
+      </a:effectRef>
+      <a:fontRef idx="minor"/>
+    </dgm:style>
+  </dgm:styleLbl>
+  <dgm:styleLbl name="trAlignAcc1">
+    <dgm:scene3d>
+      <a:camera prst="orthographicFront"/>
+      <a:lightRig rig="threePt" dir="t"/>
+    </dgm:scene3d>
+    <dgm:sp3d/>
+    <dgm:txPr/>
+    <dgm:style>
+      <a:lnRef idx="1">
+        <a:scrgbClr r="0" g="0" b="0"/>
+      </a:lnRef>
+      <a:fillRef idx="1">
+        <a:scrgbClr r="0" g="0" b="0"/>
+      </a:fillRef>
+      <a:effectRef idx="0">
+        <a:scrgbClr r="0" g="0" b="0"/>
+      </a:effectRef>
+      <a:fontRef idx="minor"/>
+    </dgm:style>
+  </dgm:styleLbl>
+  <dgm:styleLbl name="bgAcc1">
+    <dgm:scene3d>
+      <a:camera prst="orthographicFront"/>
+      <a:lightRig rig="threePt" dir="t"/>
+    </dgm:scene3d>
+    <dgm:sp3d/>
+    <dgm:txPr/>
+    <dgm:style>
+      <a:lnRef idx="2">
+        <a:scrgbClr r="0" g="0" b="0"/>
+      </a:lnRef>
+      <a:fillRef idx="1">
+        <a:scrgbClr r="0" g="0" b="0"/>
+      </a:fillRef>
+      <a:effectRef idx="0">
+        <a:scrgbClr r="0" g="0" b="0"/>
+      </a:effectRef>
+      <a:fontRef idx="minor"/>
+    </dgm:style>
+  </dgm:styleLbl>
+  <dgm:styleLbl name="solidFgAcc1">
+    <dgm:scene3d>
+      <a:camera prst="orthographicFront"/>
+      <a:lightRig rig="threePt" dir="t"/>
+    </dgm:scene3d>
+    <dgm:sp3d/>
+    <dgm:txPr/>
+    <dgm:style>
+      <a:lnRef idx="2">
+        <a:scrgbClr r="0" g="0" b="0"/>
+      </a:lnRef>
+      <a:fillRef idx="1">
+        <a:scrgbClr r="0" g="0" b="0"/>
+      </a:fillRef>
+      <a:effectRef idx="0">
+        <a:scrgbClr r="0" g="0" b="0"/>
+      </a:effectRef>
+      <a:fontRef idx="minor"/>
+    </dgm:style>
+  </dgm:styleLbl>
+  <dgm:styleLbl name="solidAlignAcc1">
+    <dgm:scene3d>
+      <a:camera prst="orthographicFront"/>
+      <a:lightRig rig="threePt" dir="t"/>
+    </dgm:scene3d>
+    <dgm:sp3d/>
+    <dgm:txPr/>
+    <dgm:style>
+      <a:lnRef idx="2">
+        <a:scrgbClr r="0" g="0" b="0"/>
+      </a:lnRef>
+      <a:fillRef idx="1">
+        <a:scrgbClr r="0" g="0" b="0"/>
+      </a:fillRef>
+      <a:effectRef idx="0">
+        <a:scrgbClr r="0" g="0" b="0"/>
+      </a:effectRef>
+      <a:fontRef idx="minor"/>
+    </dgm:style>
+  </dgm:styleLbl>
+  <dgm:styleLbl name="solidBgAcc1">
+    <dgm:scene3d>
+      <a:camera prst="orthographicFront"/>
+      <a:lightRig rig="threePt" dir="t"/>
+    </dgm:scene3d>
+    <dgm:sp3d/>
+    <dgm:txPr/>
+    <dgm:style>
+      <a:lnRef idx="2">
+        <a:scrgbClr r="0" g="0" b="0"/>
+      </a:lnRef>
+      <a:fillRef idx="1">
+        <a:scrgbClr r="0" g="0" b="0"/>
+      </a:fillRef>
+      <a:effectRef idx="0">
+        <a:scrgbClr r="0" g="0" b="0"/>
+      </a:effectRef>
+      <a:fontRef idx="minor"/>
+    </dgm:style>
+  </dgm:styleLbl>
+  <dgm:styleLbl name="fgAccFollowNode1">
+    <dgm:scene3d>
+      <a:camera prst="orthographicFront"/>
+      <a:lightRig rig="threePt" dir="t"/>
+    </dgm:scene3d>
+    <dgm:sp3d/>
+    <dgm:txPr/>
+    <dgm:style>
+      <a:lnRef idx="2">
+        <a:scrgbClr r="0" g="0" b="0"/>
+      </a:lnRef>
+      <a:fillRef idx="1">
+        <a:scrgbClr r="0" g="0" b="0"/>
+      </a:fillRef>
+      <a:effectRef idx="0">
+        <a:scrgbClr r="0" g="0" b="0"/>
+      </a:effectRef>
+      <a:fontRef idx="minor"/>
+    </dgm:style>
+  </dgm:styleLbl>
+  <dgm:styleLbl name="alignAccFollowNode1">
+    <dgm:scene3d>
+      <a:camera prst="orthographicFront"/>
+      <a:lightRig rig="threePt" dir="t"/>
+    </dgm:scene3d>
+    <dgm:sp3d/>
+    <dgm:txPr/>
+    <dgm:style>
+      <a:lnRef idx="2">
+        <a:scrgbClr r="0" g="0" b="0"/>
+      </a:lnRef>
+      <a:fillRef idx="1">
+        <a:scrgbClr r="0" g="0" b="0"/>
+      </a:fillRef>
+      <a:effectRef idx="0">
+        <a:scrgbClr r="0" g="0" b="0"/>
+      </a:effectRef>
+      <a:fontRef idx="minor"/>
+    </dgm:style>
+  </dgm:styleLbl>
+  <dgm:styleLbl name="bgAccFollowNode1">
+    <dgm:scene3d>
+      <a:camera prst="orthographicFront"/>
+      <a:lightRig rig="threePt" dir="t"/>
+    </dgm:scene3d>
+    <dgm:sp3d/>
+    <dgm:txPr/>
+    <dgm:style>
+      <a:lnRef idx="2">
+        <a:scrgbClr r="0" g="0" b="0"/>
+      </a:lnRef>
+      <a:fillRef idx="1">
+        <a:scrgbClr r="0" g="0" b="0"/>
+      </a:fillRef>
+      <a:effectRef idx="0">
+        <a:scrgbClr r="0" g="0" b="0"/>
+      </a:effectRef>
+      <a:fontRef idx="minor"/>
+    </dgm:style>
+  </dgm:styleLbl>
+  <dgm:styleLbl name="fgAcc0">
+    <dgm:scene3d>
+      <a:camera prst="orthographicFront"/>
+      <a:lightRig rig="threePt" dir="t"/>
+    </dgm:scene3d>
+    <dgm:sp3d/>
+    <dgm:txPr/>
+    <dgm:style>
+      <a:lnRef idx="2">
+        <a:scrgbClr r="0" g="0" b="0"/>
+      </a:lnRef>
+      <a:fillRef idx="1">
+        <a:scrgbClr r="0" g="0" b="0"/>
+      </a:fillRef>
+      <a:effectRef idx="0">
+        <a:scrgbClr r="0" g="0" b="0"/>
+      </a:effectRef>
+      <a:fontRef idx="minor"/>
+    </dgm:style>
+  </dgm:styleLbl>
+  <dgm:styleLbl name="fgAcc2">
+    <dgm:scene3d>
+      <a:camera prst="orthographicFront"/>
+      <a:lightRig rig="threePt" dir="t"/>
+    </dgm:scene3d>
+    <dgm:sp3d/>
+    <dgm:txPr/>
+    <dgm:style>
+      <a:lnRef idx="2">
+        <a:scrgbClr r="0" g="0" b="0"/>
+      </a:lnRef>
+      <a:fillRef idx="1">
+        <a:scrgbClr r="0" g="0" b="0"/>
+      </a:fillRef>
+      <a:effectRef idx="0">
+        <a:scrgbClr r="0" g="0" b="0"/>
+      </a:effectRef>
+      <a:fontRef idx="minor"/>
+    </dgm:style>
+  </dgm:styleLbl>
+  <dgm:styleLbl name="fgAcc3">
+    <dgm:scene3d>
+      <a:camera prst="orthographicFront"/>
+      <a:lightRig rig="threePt" dir="t"/>
+    </dgm:scene3d>
+    <dgm:sp3d/>
+    <dgm:txPr/>
+    <dgm:style>
+      <a:lnRef idx="2">
+        <a:scrgbClr r="0" g="0" b="0"/>
+      </a:lnRef>
+      <a:fillRef idx="1">
+        <a:scrgbClr r="0" g="0" b="0"/>
+      </a:fillRef>
+      <a:effectRef idx="0">
+        <a:scrgbClr r="0" g="0" b="0"/>
+      </a:effectRef>
+      <a:fontRef idx="minor"/>
+    </dgm:style>
+  </dgm:styleLbl>
+  <dgm:styleLbl name="fgAcc4">
+    <dgm:scene3d>
+      <a:camera prst="orthographicFront"/>
+      <a:lightRig rig="threePt" dir="t"/>
+    </dgm:scene3d>
+    <dgm:sp3d/>
+    <dgm:txPr/>
+    <dgm:style>
+      <a:lnRef idx="2">
+        <a:scrgbClr r="0" g="0" b="0"/>
+      </a:lnRef>
+      <a:fillRef idx="1">
+        <a:scrgbClr r="0" g="0" b="0"/>
+      </a:fillRef>
+      <a:effectRef idx="0">
+        <a:scrgbClr r="0" g="0" b="0"/>
+      </a:effectRef>
+      <a:fontRef idx="minor"/>
+    </dgm:style>
+  </dgm:styleLbl>
+  <dgm:styleLbl name="bgShp">
+    <dgm:scene3d>
+      <a:camera prst="orthographicFront"/>
+      <a:lightRig rig="threePt" dir="t"/>
+    </dgm:scene3d>
+    <dgm:sp3d/>
+    <dgm:txPr/>
+    <dgm:style>
+      <a:lnRef idx="0">
+        <a:scrgbClr r="0" g="0" b="0"/>
+      </a:lnRef>
+      <a:fillRef idx="1">
+        <a:scrgbClr r="0" g="0" b="0"/>
+      </a:fillRef>
+      <a:effectRef idx="0">
+        <a:scrgbClr r="0" g="0" b="0"/>
+      </a:effectRef>
+      <a:fontRef idx="minor"/>
+    </dgm:style>
+  </dgm:styleLbl>
+  <dgm:styleLbl name="dkBgShp">
+    <dgm:scene3d>
+      <a:camera prst="orthographicFront"/>
+      <a:lightRig rig="threePt" dir="t"/>
+    </dgm:scene3d>
+    <dgm:sp3d/>
+    <dgm:txPr/>
+    <dgm:style>
+      <a:lnRef idx="0">
+        <a:scrgbClr r="0" g="0" b="0"/>
+      </a:lnRef>
+      <a:fillRef idx="1">
+        <a:scrgbClr r="0" g="0" b="0"/>
+      </a:fillRef>
+      <a:effectRef idx="0">
+        <a:scrgbClr r="0" g="0" b="0"/>
+      </a:effectRef>
+      <a:fontRef idx="minor"/>
+    </dgm:style>
+  </dgm:styleLbl>
+  <dgm:styleLbl name="trBgShp">
+    <dgm:scene3d>
+      <a:camera prst="orthographicFront"/>
+      <a:lightRig rig="threePt" dir="t"/>
+    </dgm:scene3d>
+    <dgm:sp3d/>
+    <dgm:txPr/>
+    <dgm:style>
+      <a:lnRef idx="0">
+        <a:scrgbClr r="0" g="0" b="0"/>
+      </a:lnRef>
+      <a:fillRef idx="1">
+        <a:scrgbClr r="0" g="0" b="0"/>
+      </a:fillRef>
+      <a:effectRef idx="0">
+        <a:scrgbClr r="0" g="0" b="0"/>
+      </a:effectRef>
+      <a:fontRef idx="minor"/>
+    </dgm:style>
+  </dgm:styleLbl>
+  <dgm:styleLbl name="fgShp">
+    <dgm:scene3d>
+      <a:camera prst="orthographicFront"/>
+      <a:lightRig rig="threePt" dir="t"/>
+    </dgm:scene3d>
+    <dgm:sp3d/>
+    <dgm:txPr/>
+    <dgm:style>
+      <a:lnRef idx="2">
+        <a:scrgbClr r="0" g="0" b="0"/>
+      </a:lnRef>
+      <a:fillRef idx="1">
+        <a:scrgbClr r="0" g="0" b="0"/>
+      </a:fillRef>
+      <a:effectRef idx="0">
+        <a:scrgbClr r="0" g="0" b="0"/>
+      </a:effectRef>
+      <a:fontRef idx="minor"/>
+    </dgm:style>
+  </dgm:styleLbl>
+  <dgm:styleLbl name="revTx">
+    <dgm:scene3d>
+      <a:camera prst="orthographicFront"/>
+      <a:lightRig rig="threePt" dir="t"/>
+    </dgm:scene3d>
+    <dgm:sp3d/>
+    <dgm:txPr/>
+    <dgm:style>
+      <a:lnRef idx="0">
+        <a:scrgbClr r="0" g="0" b="0"/>
+      </a:lnRef>
+      <a:fillRef idx="0">
+        <a:scrgbClr r="0" g="0" b="0"/>
+      </a:fillRef>
+      <a:effectRef idx="0">
+        <a:scrgbClr r="0" g="0" b="0"/>
+      </a:effectRef>
+      <a:fontRef idx="minor"/>
+    </dgm:style>
+  </dgm:styleLbl>
+</dgm:styleDef>
 </file>
 
 <file path=ppt/notesMasters/notesMaster1.xml><?xml version="1.0" encoding="utf-8"?>
@@ -193,7 +3300,7 @@
           <a:p>
             <a:fld id="{6F599B60-A95C-4389-972A-B128B68BEE7C}" type="datetimeFigureOut">
               <a:rPr lang="de-DE" smtClean="0"/>
-              <a:t>26.06.2022</a:t>
+              <a:t>27.06.2022</a:t>
             </a:fld>
             <a:endParaRPr lang="de-DE"/>
           </a:p>
@@ -607,7 +3714,7 @@
           <a:p>
             <a:fld id="{43C8A0AA-23DD-4B73-863F-FACBE02C4EE5}" type="datetimeFigureOut">
               <a:rPr lang="de-DE" smtClean="0"/>
-              <a:t>26.06.2022</a:t>
+              <a:t>27.06.2022</a:t>
             </a:fld>
             <a:endParaRPr lang="de-DE"/>
           </a:p>
@@ -805,7 +3912,7 @@
           <a:p>
             <a:fld id="{43C8A0AA-23DD-4B73-863F-FACBE02C4EE5}" type="datetimeFigureOut">
               <a:rPr lang="de-DE" smtClean="0"/>
-              <a:t>26.06.2022</a:t>
+              <a:t>27.06.2022</a:t>
             </a:fld>
             <a:endParaRPr lang="de-DE"/>
           </a:p>
@@ -1013,7 +4120,7 @@
           <a:p>
             <a:fld id="{43C8A0AA-23DD-4B73-863F-FACBE02C4EE5}" type="datetimeFigureOut">
               <a:rPr lang="de-DE" smtClean="0"/>
-              <a:t>26.06.2022</a:t>
+              <a:t>27.06.2022</a:t>
             </a:fld>
             <a:endParaRPr lang="de-DE"/>
           </a:p>
@@ -1211,7 +4318,7 @@
           <a:p>
             <a:fld id="{43C8A0AA-23DD-4B73-863F-FACBE02C4EE5}" type="datetimeFigureOut">
               <a:rPr lang="de-DE" smtClean="0"/>
-              <a:t>26.06.2022</a:t>
+              <a:t>27.06.2022</a:t>
             </a:fld>
             <a:endParaRPr lang="de-DE"/>
           </a:p>
@@ -1486,7 +4593,7 @@
           <a:p>
             <a:fld id="{43C8A0AA-23DD-4B73-863F-FACBE02C4EE5}" type="datetimeFigureOut">
               <a:rPr lang="de-DE" smtClean="0"/>
-              <a:t>26.06.2022</a:t>
+              <a:t>27.06.2022</a:t>
             </a:fld>
             <a:endParaRPr lang="de-DE"/>
           </a:p>
@@ -1751,7 +4858,7 @@
           <a:p>
             <a:fld id="{43C8A0AA-23DD-4B73-863F-FACBE02C4EE5}" type="datetimeFigureOut">
               <a:rPr lang="de-DE" smtClean="0"/>
-              <a:t>26.06.2022</a:t>
+              <a:t>27.06.2022</a:t>
             </a:fld>
             <a:endParaRPr lang="de-DE"/>
           </a:p>
@@ -2163,7 +5270,7 @@
           <a:p>
             <a:fld id="{43C8A0AA-23DD-4B73-863F-FACBE02C4EE5}" type="datetimeFigureOut">
               <a:rPr lang="de-DE" smtClean="0"/>
-              <a:t>26.06.2022</a:t>
+              <a:t>27.06.2022</a:t>
             </a:fld>
             <a:endParaRPr lang="de-DE"/>
           </a:p>
@@ -2304,7 +5411,7 @@
           <a:p>
             <a:fld id="{43C8A0AA-23DD-4B73-863F-FACBE02C4EE5}" type="datetimeFigureOut">
               <a:rPr lang="de-DE" smtClean="0"/>
-              <a:t>26.06.2022</a:t>
+              <a:t>27.06.2022</a:t>
             </a:fld>
             <a:endParaRPr lang="de-DE"/>
           </a:p>
@@ -2417,7 +5524,7 @@
           <a:p>
             <a:fld id="{43C8A0AA-23DD-4B73-863F-FACBE02C4EE5}" type="datetimeFigureOut">
               <a:rPr lang="de-DE" smtClean="0"/>
-              <a:t>26.06.2022</a:t>
+              <a:t>27.06.2022</a:t>
             </a:fld>
             <a:endParaRPr lang="de-DE"/>
           </a:p>
@@ -2728,7 +5835,7 @@
           <a:p>
             <a:fld id="{43C8A0AA-23DD-4B73-863F-FACBE02C4EE5}" type="datetimeFigureOut">
               <a:rPr lang="de-DE" smtClean="0"/>
-              <a:t>26.06.2022</a:t>
+              <a:t>27.06.2022</a:t>
             </a:fld>
             <a:endParaRPr lang="de-DE"/>
           </a:p>
@@ -3016,7 +6123,7 @@
           <a:p>
             <a:fld id="{43C8A0AA-23DD-4B73-863F-FACBE02C4EE5}" type="datetimeFigureOut">
               <a:rPr lang="de-DE" smtClean="0"/>
-              <a:t>26.06.2022</a:t>
+              <a:t>27.06.2022</a:t>
             </a:fld>
             <a:endParaRPr lang="de-DE"/>
           </a:p>
@@ -3257,7 +6364,7 @@
           <a:p>
             <a:fld id="{43C8A0AA-23DD-4B73-863F-FACBE02C4EE5}" type="datetimeFigureOut">
               <a:rPr lang="de-DE" smtClean="0"/>
-              <a:t>26.06.2022</a:t>
+              <a:t>27.06.2022</a:t>
             </a:fld>
             <a:endParaRPr lang="de-DE"/>
           </a:p>
@@ -3663,7 +6770,9 @@
     <p:bg>
       <p:bgPr>
         <a:solidFill>
-          <a:schemeClr val="bg1"/>
+          <a:srgbClr val="3D5933">
+            <a:alpha val="20000"/>
+          </a:srgbClr>
         </a:solidFill>
         <a:effectLst/>
       </p:bgPr>
@@ -3927,6 +7036,16 @@
 <file path=ppt/slides/slide2.xml><?xml version="1.0" encoding="utf-8"?>
 <p:sld xmlns:a="http://schemas.openxmlformats.org/drawingml/2006/main" xmlns:r="http://schemas.openxmlformats.org/officeDocument/2006/relationships" xmlns:p="http://schemas.openxmlformats.org/presentationml/2006/main">
   <p:cSld>
+    <p:bg>
+      <p:bgPr>
+        <a:solidFill>
+          <a:srgbClr val="3D5933">
+            <a:alpha val="20000"/>
+          </a:srgbClr>
+        </a:solidFill>
+        <a:effectLst/>
+      </p:bgPr>
+    </p:bg>
     <p:spTree>
       <p:nvGrpSpPr>
         <p:cNvPr id="1" name=""/>
@@ -3962,7 +7081,113 @@
           <a:bodyPr/>
           <a:lstStyle/>
           <a:p>
-            <a:endParaRPr lang="de-DE" dirty="0"/>
+            <a:r>
+              <a:rPr lang="de-DE" dirty="0"/>
+              <a:t>Konzept</a:t>
+            </a:r>
+          </a:p>
+        </p:txBody>
+      </p:sp>
+      <p:graphicFrame>
+        <p:nvGraphicFramePr>
+          <p:cNvPr id="4" name="Inhaltsplatzhalter 3">
+            <a:extLst>
+              <a:ext uri="{FF2B5EF4-FFF2-40B4-BE49-F238E27FC236}">
+                <a16:creationId xmlns:a16="http://schemas.microsoft.com/office/drawing/2014/main" id="{B5B934F0-5427-E648-8DD0-2F0EF7EF994F}"/>
+              </a:ext>
+            </a:extLst>
+          </p:cNvPr>
+          <p:cNvGraphicFramePr>
+            <a:graphicFrameLocks noGrp="1"/>
+          </p:cNvGraphicFramePr>
+          <p:nvPr>
+            <p:ph idx="1"/>
+            <p:extLst>
+              <p:ext uri="{D42A27DB-BD31-4B8C-83A1-F6EECF244321}">
+                <p14:modId xmlns:p14="http://schemas.microsoft.com/office/powerpoint/2010/main" val="2830365176"/>
+              </p:ext>
+            </p:extLst>
+          </p:nvPr>
+        </p:nvGraphicFramePr>
+        <p:xfrm>
+          <a:off x="838200" y="1825625"/>
+          <a:ext cx="10515600" cy="4351338"/>
+        </p:xfrm>
+        <a:graphic>
+          <a:graphicData uri="http://schemas.openxmlformats.org/drawingml/2006/diagram">
+            <dgm:relIds xmlns:dgm="http://schemas.openxmlformats.org/drawingml/2006/diagram" xmlns:r="http://schemas.openxmlformats.org/officeDocument/2006/relationships" r:dm="rId2" r:lo="rId3" r:qs="rId4" r:cs="rId5"/>
+          </a:graphicData>
+        </a:graphic>
+      </p:graphicFrame>
+    </p:spTree>
+    <p:extLst>
+      <p:ext uri="{BB962C8B-B14F-4D97-AF65-F5344CB8AC3E}">
+        <p14:creationId xmlns:p14="http://schemas.microsoft.com/office/powerpoint/2010/main" val="2948376158"/>
+      </p:ext>
+    </p:extLst>
+  </p:cSld>
+  <p:clrMapOvr>
+    <a:masterClrMapping/>
+  </p:clrMapOvr>
+</p:sld>
+</file>
+
+<file path=ppt/slides/slide3.xml><?xml version="1.0" encoding="utf-8"?>
+<p:sld xmlns:a="http://schemas.openxmlformats.org/drawingml/2006/main" xmlns:r="http://schemas.openxmlformats.org/officeDocument/2006/relationships" xmlns:p="http://schemas.openxmlformats.org/presentationml/2006/main">
+  <p:cSld>
+    <p:bg>
+      <p:bgPr>
+        <a:solidFill>
+          <a:srgbClr val="3D5933">
+            <a:alpha val="20000"/>
+          </a:srgbClr>
+        </a:solidFill>
+        <a:effectLst/>
+      </p:bgPr>
+    </p:bg>
+    <p:spTree>
+      <p:nvGrpSpPr>
+        <p:cNvPr id="1" name=""/>
+        <p:cNvGrpSpPr/>
+        <p:nvPr/>
+      </p:nvGrpSpPr>
+      <p:grpSpPr>
+        <a:xfrm>
+          <a:off x="0" y="0"/>
+          <a:ext cx="0" cy="0"/>
+          <a:chOff x="0" y="0"/>
+          <a:chExt cx="0" cy="0"/>
+        </a:xfrm>
+      </p:grpSpPr>
+      <p:sp>
+        <p:nvSpPr>
+          <p:cNvPr id="2" name="Titel 1">
+            <a:extLst>
+              <a:ext uri="{FF2B5EF4-FFF2-40B4-BE49-F238E27FC236}">
+                <a16:creationId xmlns:a16="http://schemas.microsoft.com/office/drawing/2014/main" id="{C7E1847C-81C8-953E-F51E-199DB477A578}"/>
+              </a:ext>
+            </a:extLst>
+          </p:cNvPr>
+          <p:cNvSpPr>
+            <a:spLocks noGrp="1"/>
+          </p:cNvSpPr>
+          <p:nvPr>
+            <p:ph type="title"/>
+          </p:nvPr>
+        </p:nvSpPr>
+        <p:spPr/>
+        <p:txBody>
+          <a:bodyPr/>
+          <a:lstStyle/>
+          <a:p>
+            <a:r>
+              <a:rPr lang="de-DE" dirty="0" err="1"/>
+              <a:t>Leaflet</a:t>
+            </a:r>
+            <a:r>
+              <a:rPr lang="de-DE" dirty="0"/>
+              <a:t>-Plugins</a:t>
+            </a:r>
           </a:p>
         </p:txBody>
       </p:sp>
@@ -3987,14 +7212,1088 @@
           <a:bodyPr/>
           <a:lstStyle/>
           <a:p>
-            <a:endParaRPr lang="de-DE"/>
+            <a:endParaRPr lang="de-DE" dirty="0"/>
           </a:p>
         </p:txBody>
       </p:sp>
     </p:spTree>
     <p:extLst>
       <p:ext uri="{BB962C8B-B14F-4D97-AF65-F5344CB8AC3E}">
-        <p14:creationId xmlns:p14="http://schemas.microsoft.com/office/powerpoint/2010/main" val="2948376158"/>
+        <p14:creationId xmlns:p14="http://schemas.microsoft.com/office/powerpoint/2010/main" val="645077165"/>
+      </p:ext>
+    </p:extLst>
+  </p:cSld>
+  <p:clrMapOvr>
+    <a:masterClrMapping/>
+  </p:clrMapOvr>
+</p:sld>
+</file>
+
+<file path=ppt/slides/slide4.xml><?xml version="1.0" encoding="utf-8"?>
+<p:sld xmlns:a="http://schemas.openxmlformats.org/drawingml/2006/main" xmlns:r="http://schemas.openxmlformats.org/officeDocument/2006/relationships" xmlns:p="http://schemas.openxmlformats.org/presentationml/2006/main">
+  <p:cSld>
+    <p:bg>
+      <p:bgPr>
+        <a:solidFill>
+          <a:srgbClr val="3D5933">
+            <a:alpha val="20000"/>
+          </a:srgbClr>
+        </a:solidFill>
+        <a:effectLst/>
+      </p:bgPr>
+    </p:bg>
+    <p:spTree>
+      <p:nvGrpSpPr>
+        <p:cNvPr id="1" name=""/>
+        <p:cNvGrpSpPr/>
+        <p:nvPr/>
+      </p:nvGrpSpPr>
+      <p:grpSpPr>
+        <a:xfrm>
+          <a:off x="0" y="0"/>
+          <a:ext cx="0" cy="0"/>
+          <a:chOff x="0" y="0"/>
+          <a:chExt cx="0" cy="0"/>
+        </a:xfrm>
+      </p:grpSpPr>
+      <p:sp>
+        <p:nvSpPr>
+          <p:cNvPr id="2" name="Titel 1">
+            <a:extLst>
+              <a:ext uri="{FF2B5EF4-FFF2-40B4-BE49-F238E27FC236}">
+                <a16:creationId xmlns:a16="http://schemas.microsoft.com/office/drawing/2014/main" id="{C7E1847C-81C8-953E-F51E-199DB477A578}"/>
+              </a:ext>
+            </a:extLst>
+          </p:cNvPr>
+          <p:cNvSpPr>
+            <a:spLocks noGrp="1"/>
+          </p:cNvSpPr>
+          <p:nvPr>
+            <p:ph type="title"/>
+          </p:nvPr>
+        </p:nvSpPr>
+        <p:spPr/>
+        <p:txBody>
+          <a:bodyPr/>
+          <a:lstStyle/>
+          <a:p>
+            <a:r>
+              <a:rPr lang="de-DE" dirty="0"/>
+              <a:t>Webseite 1</a:t>
+            </a:r>
+          </a:p>
+        </p:txBody>
+      </p:sp>
+      <p:sp>
+        <p:nvSpPr>
+          <p:cNvPr id="3" name="Inhaltsplatzhalter 2">
+            <a:extLst>
+              <a:ext uri="{FF2B5EF4-FFF2-40B4-BE49-F238E27FC236}">
+                <a16:creationId xmlns:a16="http://schemas.microsoft.com/office/drawing/2014/main" id="{F1DEEC07-2251-DE5B-2D37-CB8AB028240F}"/>
+              </a:ext>
+            </a:extLst>
+          </p:cNvPr>
+          <p:cNvSpPr>
+            <a:spLocks noGrp="1"/>
+          </p:cNvSpPr>
+          <p:nvPr>
+            <p:ph idx="1"/>
+          </p:nvPr>
+        </p:nvSpPr>
+        <p:spPr/>
+        <p:txBody>
+          <a:bodyPr/>
+          <a:lstStyle/>
+          <a:p>
+            <a:r>
+              <a:rPr lang="de-DE" dirty="0"/>
+              <a:t>index.html und main.css erstellt</a:t>
+            </a:r>
+          </a:p>
+          <a:p>
+            <a:r>
+              <a:rPr lang="de-DE" dirty="0"/>
+              <a:t>Logo und </a:t>
+            </a:r>
+            <a:r>
+              <a:rPr lang="de-DE" dirty="0" err="1"/>
+              <a:t>Tabicon</a:t>
+            </a:r>
+            <a:r>
+              <a:rPr lang="de-DE" dirty="0"/>
+              <a:t> mit </a:t>
+            </a:r>
+            <a:r>
+              <a:rPr lang="de-DE" dirty="0" err="1"/>
+              <a:t>Canva</a:t>
+            </a:r>
+            <a:r>
+              <a:rPr lang="de-DE" dirty="0"/>
+              <a:t> erstellt</a:t>
+            </a:r>
+          </a:p>
+          <a:p>
+            <a:endParaRPr lang="de-DE" dirty="0"/>
+          </a:p>
+        </p:txBody>
+      </p:sp>
+      <p:pic>
+        <p:nvPicPr>
+          <p:cNvPr id="5" name="Grafik 4">
+            <a:extLst>
+              <a:ext uri="{FF2B5EF4-FFF2-40B4-BE49-F238E27FC236}">
+                <a16:creationId xmlns:a16="http://schemas.microsoft.com/office/drawing/2014/main" id="{F4931A79-3A6F-C444-FAF2-7EF2DBBF9827}"/>
+              </a:ext>
+            </a:extLst>
+          </p:cNvPr>
+          <p:cNvPicPr>
+            <a:picLocks noChangeAspect="1"/>
+          </p:cNvPicPr>
+          <p:nvPr/>
+        </p:nvPicPr>
+        <p:blipFill>
+          <a:blip r:embed="rId2"/>
+          <a:stretch>
+            <a:fillRect/>
+          </a:stretch>
+        </p:blipFill>
+        <p:spPr>
+          <a:xfrm>
+            <a:off x="838200" y="2926864"/>
+            <a:ext cx="8407832" cy="3340272"/>
+          </a:xfrm>
+          <a:prstGeom prst="rect">
+            <a:avLst/>
+          </a:prstGeom>
+        </p:spPr>
+      </p:pic>
+      <p:pic>
+        <p:nvPicPr>
+          <p:cNvPr id="7" name="Grafik 6" descr="Ein Bild, das Pflanze, Gras enthält.&#10;&#10;Automatisch generierte Beschreibung">
+            <a:extLst>
+              <a:ext uri="{FF2B5EF4-FFF2-40B4-BE49-F238E27FC236}">
+                <a16:creationId xmlns:a16="http://schemas.microsoft.com/office/drawing/2014/main" id="{FB75A1C3-1E62-3F58-D6AC-E1D9C7A91067}"/>
+              </a:ext>
+            </a:extLst>
+          </p:cNvPr>
+          <p:cNvPicPr>
+            <a:picLocks noChangeAspect="1"/>
+          </p:cNvPicPr>
+          <p:nvPr/>
+        </p:nvPicPr>
+        <p:blipFill>
+          <a:blip r:embed="rId3">
+            <a:extLst>
+              <a:ext uri="{28A0092B-C50C-407E-A947-70E740481C1C}">
+                <a14:useLocalDpi xmlns:a14="http://schemas.microsoft.com/office/drawing/2010/main" val="0"/>
+              </a:ext>
+            </a:extLst>
+          </a:blip>
+          <a:stretch>
+            <a:fillRect/>
+          </a:stretch>
+        </p:blipFill>
+        <p:spPr>
+          <a:xfrm>
+            <a:off x="9512211" y="365125"/>
+            <a:ext cx="2343474" cy="2330829"/>
+          </a:xfrm>
+          <a:prstGeom prst="rect">
+            <a:avLst/>
+          </a:prstGeom>
+          <a:ln>
+            <a:noFill/>
+          </a:ln>
+          <a:effectLst>
+            <a:outerShdw blurRad="292100" dist="139700" dir="2700000" algn="tl" rotWithShape="0">
+              <a:srgbClr val="333333">
+                <a:alpha val="65000"/>
+              </a:srgbClr>
+            </a:outerShdw>
+          </a:effectLst>
+        </p:spPr>
+      </p:pic>
+      <p:cxnSp>
+        <p:nvCxnSpPr>
+          <p:cNvPr id="9" name="Gerade Verbindung mit Pfeil 8">
+            <a:extLst>
+              <a:ext uri="{FF2B5EF4-FFF2-40B4-BE49-F238E27FC236}">
+                <a16:creationId xmlns:a16="http://schemas.microsoft.com/office/drawing/2014/main" id="{8335236D-8D74-87B2-DB61-4DFFBCABB0AD}"/>
+              </a:ext>
+            </a:extLst>
+          </p:cNvPr>
+          <p:cNvCxnSpPr>
+            <a:cxnSpLocks/>
+          </p:cNvCxnSpPr>
+          <p:nvPr/>
+        </p:nvCxnSpPr>
+        <p:spPr>
+          <a:xfrm flipV="1">
+            <a:off x="5384800" y="2059709"/>
+            <a:ext cx="3993040" cy="2189018"/>
+          </a:xfrm>
+          <a:prstGeom prst="straightConnector1">
+            <a:avLst/>
+          </a:prstGeom>
+          <a:ln w="38100">
+            <a:solidFill>
+              <a:srgbClr val="3D5933"/>
+            </a:solidFill>
+            <a:tailEnd type="triangle"/>
+          </a:ln>
+        </p:spPr>
+        <p:style>
+          <a:lnRef idx="3">
+            <a:schemeClr val="accent1"/>
+          </a:lnRef>
+          <a:fillRef idx="0">
+            <a:schemeClr val="accent1"/>
+          </a:fillRef>
+          <a:effectRef idx="2">
+            <a:schemeClr val="accent1"/>
+          </a:effectRef>
+          <a:fontRef idx="minor">
+            <a:schemeClr val="tx1"/>
+          </a:fontRef>
+        </p:style>
+      </p:cxnSp>
+    </p:spTree>
+    <p:extLst>
+      <p:ext uri="{BB962C8B-B14F-4D97-AF65-F5344CB8AC3E}">
+        <p14:creationId xmlns:p14="http://schemas.microsoft.com/office/powerpoint/2010/main" val="1387585378"/>
+      </p:ext>
+    </p:extLst>
+  </p:cSld>
+  <p:clrMapOvr>
+    <a:masterClrMapping/>
+  </p:clrMapOvr>
+</p:sld>
+</file>
+
+<file path=ppt/slides/slide5.xml><?xml version="1.0" encoding="utf-8"?>
+<p:sld xmlns:a="http://schemas.openxmlformats.org/drawingml/2006/main" xmlns:r="http://schemas.openxmlformats.org/officeDocument/2006/relationships" xmlns:p="http://schemas.openxmlformats.org/presentationml/2006/main">
+  <p:cSld>
+    <p:bg>
+      <p:bgPr>
+        <a:solidFill>
+          <a:srgbClr val="3D5933">
+            <a:alpha val="20000"/>
+          </a:srgbClr>
+        </a:solidFill>
+        <a:effectLst/>
+      </p:bgPr>
+    </p:bg>
+    <p:spTree>
+      <p:nvGrpSpPr>
+        <p:cNvPr id="1" name=""/>
+        <p:cNvGrpSpPr/>
+        <p:nvPr/>
+      </p:nvGrpSpPr>
+      <p:grpSpPr>
+        <a:xfrm>
+          <a:off x="0" y="0"/>
+          <a:ext cx="0" cy="0"/>
+          <a:chOff x="0" y="0"/>
+          <a:chExt cx="0" cy="0"/>
+        </a:xfrm>
+      </p:grpSpPr>
+      <p:sp>
+        <p:nvSpPr>
+          <p:cNvPr id="2" name="Titel 1">
+            <a:extLst>
+              <a:ext uri="{FF2B5EF4-FFF2-40B4-BE49-F238E27FC236}">
+                <a16:creationId xmlns:a16="http://schemas.microsoft.com/office/drawing/2014/main" id="{C7E1847C-81C8-953E-F51E-199DB477A578}"/>
+              </a:ext>
+            </a:extLst>
+          </p:cNvPr>
+          <p:cNvSpPr>
+            <a:spLocks noGrp="1"/>
+          </p:cNvSpPr>
+          <p:nvPr>
+            <p:ph type="title"/>
+          </p:nvPr>
+        </p:nvSpPr>
+        <p:spPr/>
+        <p:txBody>
+          <a:bodyPr/>
+          <a:lstStyle/>
+          <a:p>
+            <a:r>
+              <a:rPr lang="de-DE" dirty="0"/>
+              <a:t>Webseite 1</a:t>
+            </a:r>
+          </a:p>
+        </p:txBody>
+      </p:sp>
+      <p:sp>
+        <p:nvSpPr>
+          <p:cNvPr id="3" name="Inhaltsplatzhalter 2">
+            <a:extLst>
+              <a:ext uri="{FF2B5EF4-FFF2-40B4-BE49-F238E27FC236}">
+                <a16:creationId xmlns:a16="http://schemas.microsoft.com/office/drawing/2014/main" id="{F1DEEC07-2251-DE5B-2D37-CB8AB028240F}"/>
+              </a:ext>
+            </a:extLst>
+          </p:cNvPr>
+          <p:cNvSpPr>
+            <a:spLocks noGrp="1"/>
+          </p:cNvSpPr>
+          <p:nvPr>
+            <p:ph idx="1"/>
+          </p:nvPr>
+        </p:nvSpPr>
+        <p:spPr/>
+        <p:txBody>
+          <a:bodyPr/>
+          <a:lstStyle/>
+          <a:p>
+            <a:r>
+              <a:rPr lang="de-DE" dirty="0"/>
+              <a:t>Headerbild von </a:t>
+            </a:r>
+            <a:r>
+              <a:rPr lang="de-DE" dirty="0" err="1"/>
+              <a:t>Pixaby</a:t>
+            </a:r>
+            <a:endParaRPr lang="de-DE" dirty="0"/>
+          </a:p>
+          <a:p>
+            <a:endParaRPr lang="de-DE" dirty="0"/>
+          </a:p>
+          <a:p>
+            <a:endParaRPr lang="de-DE" dirty="0"/>
+          </a:p>
+          <a:p>
+            <a:r>
+              <a:rPr lang="de-DE" dirty="0"/>
+              <a:t>Überschrift und Einbindung Logo</a:t>
+            </a:r>
+          </a:p>
+          <a:p>
+            <a:pPr marL="0" indent="0">
+              <a:buNone/>
+            </a:pPr>
+            <a:endParaRPr lang="de-DE" dirty="0"/>
+          </a:p>
+        </p:txBody>
+      </p:sp>
+      <p:pic>
+        <p:nvPicPr>
+          <p:cNvPr id="10" name="Grafik 9">
+            <a:extLst>
+              <a:ext uri="{FF2B5EF4-FFF2-40B4-BE49-F238E27FC236}">
+                <a16:creationId xmlns:a16="http://schemas.microsoft.com/office/drawing/2014/main" id="{4F34D56C-54F8-F7D3-315B-BC74730DCA05}"/>
+              </a:ext>
+            </a:extLst>
+          </p:cNvPr>
+          <p:cNvPicPr>
+            <a:picLocks noChangeAspect="1"/>
+          </p:cNvPicPr>
+          <p:nvPr/>
+        </p:nvPicPr>
+        <p:blipFill>
+          <a:blip r:embed="rId2"/>
+          <a:stretch>
+            <a:fillRect/>
+          </a:stretch>
+        </p:blipFill>
+        <p:spPr>
+          <a:xfrm>
+            <a:off x="838200" y="2340432"/>
+            <a:ext cx="6979009" cy="958899"/>
+          </a:xfrm>
+          <a:prstGeom prst="rect">
+            <a:avLst/>
+          </a:prstGeom>
+        </p:spPr>
+      </p:pic>
+      <p:pic>
+        <p:nvPicPr>
+          <p:cNvPr id="12" name="Grafik 11">
+            <a:extLst>
+              <a:ext uri="{FF2B5EF4-FFF2-40B4-BE49-F238E27FC236}">
+                <a16:creationId xmlns:a16="http://schemas.microsoft.com/office/drawing/2014/main" id="{5302384A-166D-7E77-5AF3-70DD9A63F74E}"/>
+              </a:ext>
+            </a:extLst>
+          </p:cNvPr>
+          <p:cNvPicPr>
+            <a:picLocks noChangeAspect="1"/>
+          </p:cNvPicPr>
+          <p:nvPr/>
+        </p:nvPicPr>
+        <p:blipFill>
+          <a:blip r:embed="rId3"/>
+          <a:stretch>
+            <a:fillRect/>
+          </a:stretch>
+        </p:blipFill>
+        <p:spPr>
+          <a:xfrm>
+            <a:off x="838200" y="3814138"/>
+            <a:ext cx="6972658" cy="2063856"/>
+          </a:xfrm>
+          <a:prstGeom prst="rect">
+            <a:avLst/>
+          </a:prstGeom>
+        </p:spPr>
+      </p:pic>
+      <p:pic>
+        <p:nvPicPr>
+          <p:cNvPr id="14" name="Grafik 13">
+            <a:extLst>
+              <a:ext uri="{FF2B5EF4-FFF2-40B4-BE49-F238E27FC236}">
+                <a16:creationId xmlns:a16="http://schemas.microsoft.com/office/drawing/2014/main" id="{744D70EA-EFB3-45AD-6239-9746D986176A}"/>
+              </a:ext>
+            </a:extLst>
+          </p:cNvPr>
+          <p:cNvPicPr>
+            <a:picLocks noChangeAspect="1"/>
+          </p:cNvPicPr>
+          <p:nvPr/>
+        </p:nvPicPr>
+        <p:blipFill>
+          <a:blip r:embed="rId4"/>
+          <a:stretch>
+            <a:fillRect/>
+          </a:stretch>
+        </p:blipFill>
+        <p:spPr>
+          <a:xfrm>
+            <a:off x="7935685" y="4538076"/>
+            <a:ext cx="1987652" cy="1339919"/>
+          </a:xfrm>
+          <a:prstGeom prst="rect">
+            <a:avLst/>
+          </a:prstGeom>
+        </p:spPr>
+      </p:pic>
+    </p:spTree>
+    <p:extLst>
+      <p:ext uri="{BB962C8B-B14F-4D97-AF65-F5344CB8AC3E}">
+        <p14:creationId xmlns:p14="http://schemas.microsoft.com/office/powerpoint/2010/main" val="1017815531"/>
+      </p:ext>
+    </p:extLst>
+  </p:cSld>
+  <p:clrMapOvr>
+    <a:masterClrMapping/>
+  </p:clrMapOvr>
+</p:sld>
+</file>
+
+<file path=ppt/slides/slide6.xml><?xml version="1.0" encoding="utf-8"?>
+<p:sld xmlns:a="http://schemas.openxmlformats.org/drawingml/2006/main" xmlns:r="http://schemas.openxmlformats.org/officeDocument/2006/relationships" xmlns:p="http://schemas.openxmlformats.org/presentationml/2006/main">
+  <p:cSld>
+    <p:bg>
+      <p:bgPr>
+        <a:solidFill>
+          <a:srgbClr val="3D5933">
+            <a:alpha val="20000"/>
+          </a:srgbClr>
+        </a:solidFill>
+        <a:effectLst/>
+      </p:bgPr>
+    </p:bg>
+    <p:spTree>
+      <p:nvGrpSpPr>
+        <p:cNvPr id="1" name=""/>
+        <p:cNvGrpSpPr/>
+        <p:nvPr/>
+      </p:nvGrpSpPr>
+      <p:grpSpPr>
+        <a:xfrm>
+          <a:off x="0" y="0"/>
+          <a:ext cx="0" cy="0"/>
+          <a:chOff x="0" y="0"/>
+          <a:chExt cx="0" cy="0"/>
+        </a:xfrm>
+      </p:grpSpPr>
+      <p:sp>
+        <p:nvSpPr>
+          <p:cNvPr id="2" name="Titel 1">
+            <a:extLst>
+              <a:ext uri="{FF2B5EF4-FFF2-40B4-BE49-F238E27FC236}">
+                <a16:creationId xmlns:a16="http://schemas.microsoft.com/office/drawing/2014/main" id="{C7E1847C-81C8-953E-F51E-199DB477A578}"/>
+              </a:ext>
+            </a:extLst>
+          </p:cNvPr>
+          <p:cNvSpPr>
+            <a:spLocks noGrp="1"/>
+          </p:cNvSpPr>
+          <p:nvPr>
+            <p:ph type="title"/>
+          </p:nvPr>
+        </p:nvSpPr>
+        <p:spPr/>
+        <p:txBody>
+          <a:bodyPr/>
+          <a:lstStyle/>
+          <a:p>
+            <a:r>
+              <a:rPr lang="de-DE" dirty="0"/>
+              <a:t>Webseite 1</a:t>
+            </a:r>
+          </a:p>
+        </p:txBody>
+      </p:sp>
+      <p:sp>
+        <p:nvSpPr>
+          <p:cNvPr id="3" name="Inhaltsplatzhalter 2">
+            <a:extLst>
+              <a:ext uri="{FF2B5EF4-FFF2-40B4-BE49-F238E27FC236}">
+                <a16:creationId xmlns:a16="http://schemas.microsoft.com/office/drawing/2014/main" id="{F1DEEC07-2251-DE5B-2D37-CB8AB028240F}"/>
+              </a:ext>
+            </a:extLst>
+          </p:cNvPr>
+          <p:cNvSpPr>
+            <a:spLocks noGrp="1"/>
+          </p:cNvSpPr>
+          <p:nvPr>
+            <p:ph idx="1"/>
+          </p:nvPr>
+        </p:nvSpPr>
+        <p:spPr/>
+        <p:txBody>
+          <a:bodyPr/>
+          <a:lstStyle/>
+          <a:p>
+            <a:r>
+              <a:rPr lang="de-DE" dirty="0"/>
+              <a:t>Icons und Links zu Webseite 2 und 3</a:t>
+            </a:r>
+          </a:p>
+        </p:txBody>
+      </p:sp>
+      <p:pic>
+        <p:nvPicPr>
+          <p:cNvPr id="9" name="Grafik 8">
+            <a:extLst>
+              <a:ext uri="{FF2B5EF4-FFF2-40B4-BE49-F238E27FC236}">
+                <a16:creationId xmlns:a16="http://schemas.microsoft.com/office/drawing/2014/main" id="{C2280967-EA06-6C15-E03C-F26CD8109C7E}"/>
+              </a:ext>
+            </a:extLst>
+          </p:cNvPr>
+          <p:cNvPicPr>
+            <a:picLocks noChangeAspect="1"/>
+          </p:cNvPicPr>
+          <p:nvPr/>
+        </p:nvPicPr>
+        <p:blipFill>
+          <a:blip r:embed="rId2"/>
+          <a:stretch>
+            <a:fillRect/>
+          </a:stretch>
+        </p:blipFill>
+        <p:spPr>
+          <a:xfrm>
+            <a:off x="838200" y="2272726"/>
+            <a:ext cx="7264773" cy="2825895"/>
+          </a:xfrm>
+          <a:prstGeom prst="rect">
+            <a:avLst/>
+          </a:prstGeom>
+        </p:spPr>
+      </p:pic>
+      <p:pic>
+        <p:nvPicPr>
+          <p:cNvPr id="13" name="Grafik 12">
+            <a:extLst>
+              <a:ext uri="{FF2B5EF4-FFF2-40B4-BE49-F238E27FC236}">
+                <a16:creationId xmlns:a16="http://schemas.microsoft.com/office/drawing/2014/main" id="{A784F750-2274-FFD8-CBBB-FA20D249E4BF}"/>
+              </a:ext>
+            </a:extLst>
+          </p:cNvPr>
+          <p:cNvPicPr>
+            <a:picLocks noChangeAspect="1"/>
+          </p:cNvPicPr>
+          <p:nvPr/>
+        </p:nvPicPr>
+        <p:blipFill>
+          <a:blip r:embed="rId3"/>
+          <a:stretch>
+            <a:fillRect/>
+          </a:stretch>
+        </p:blipFill>
+        <p:spPr>
+          <a:xfrm>
+            <a:off x="8318344" y="3193523"/>
+            <a:ext cx="3035456" cy="1905098"/>
+          </a:xfrm>
+          <a:prstGeom prst="rect">
+            <a:avLst/>
+          </a:prstGeom>
+        </p:spPr>
+      </p:pic>
+    </p:spTree>
+    <p:extLst>
+      <p:ext uri="{BB962C8B-B14F-4D97-AF65-F5344CB8AC3E}">
+        <p14:creationId xmlns:p14="http://schemas.microsoft.com/office/powerpoint/2010/main" val="3147802177"/>
+      </p:ext>
+    </p:extLst>
+  </p:cSld>
+  <p:clrMapOvr>
+    <a:masterClrMapping/>
+  </p:clrMapOvr>
+</p:sld>
+</file>
+
+<file path=ppt/slides/slide7.xml><?xml version="1.0" encoding="utf-8"?>
+<p:sld xmlns:a="http://schemas.openxmlformats.org/drawingml/2006/main" xmlns:r="http://schemas.openxmlformats.org/officeDocument/2006/relationships" xmlns:p="http://schemas.openxmlformats.org/presentationml/2006/main">
+  <p:cSld>
+    <p:bg>
+      <p:bgPr>
+        <a:solidFill>
+          <a:srgbClr val="3D5933">
+            <a:alpha val="20000"/>
+          </a:srgbClr>
+        </a:solidFill>
+        <a:effectLst/>
+      </p:bgPr>
+    </p:bg>
+    <p:spTree>
+      <p:nvGrpSpPr>
+        <p:cNvPr id="1" name=""/>
+        <p:cNvGrpSpPr/>
+        <p:nvPr/>
+      </p:nvGrpSpPr>
+      <p:grpSpPr>
+        <a:xfrm>
+          <a:off x="0" y="0"/>
+          <a:ext cx="0" cy="0"/>
+          <a:chOff x="0" y="0"/>
+          <a:chExt cx="0" cy="0"/>
+        </a:xfrm>
+      </p:grpSpPr>
+      <p:sp>
+        <p:nvSpPr>
+          <p:cNvPr id="2" name="Titel 1">
+            <a:extLst>
+              <a:ext uri="{FF2B5EF4-FFF2-40B4-BE49-F238E27FC236}">
+                <a16:creationId xmlns:a16="http://schemas.microsoft.com/office/drawing/2014/main" id="{C7E1847C-81C8-953E-F51E-199DB477A578}"/>
+              </a:ext>
+            </a:extLst>
+          </p:cNvPr>
+          <p:cNvSpPr>
+            <a:spLocks noGrp="1"/>
+          </p:cNvSpPr>
+          <p:nvPr>
+            <p:ph type="title"/>
+          </p:nvPr>
+        </p:nvSpPr>
+        <p:spPr/>
+        <p:txBody>
+          <a:bodyPr/>
+          <a:lstStyle/>
+          <a:p>
+            <a:r>
+              <a:rPr lang="de-DE" dirty="0"/>
+              <a:t>Webseite 1</a:t>
+            </a:r>
+          </a:p>
+        </p:txBody>
+      </p:sp>
+      <p:sp>
+        <p:nvSpPr>
+          <p:cNvPr id="3" name="Inhaltsplatzhalter 2">
+            <a:extLst>
+              <a:ext uri="{FF2B5EF4-FFF2-40B4-BE49-F238E27FC236}">
+                <a16:creationId xmlns:a16="http://schemas.microsoft.com/office/drawing/2014/main" id="{F1DEEC07-2251-DE5B-2D37-CB8AB028240F}"/>
+              </a:ext>
+            </a:extLst>
+          </p:cNvPr>
+          <p:cNvSpPr>
+            <a:spLocks noGrp="1"/>
+          </p:cNvSpPr>
+          <p:nvPr>
+            <p:ph idx="1"/>
+          </p:nvPr>
+        </p:nvSpPr>
+        <p:spPr/>
+        <p:txBody>
+          <a:bodyPr/>
+          <a:lstStyle/>
+          <a:p>
+            <a:r>
+              <a:rPr lang="de-DE" dirty="0"/>
+              <a:t>Einbindung von zwei Graphiken</a:t>
+            </a:r>
+          </a:p>
+        </p:txBody>
+      </p:sp>
+      <p:pic>
+        <p:nvPicPr>
+          <p:cNvPr id="7" name="Grafik 6">
+            <a:extLst>
+              <a:ext uri="{FF2B5EF4-FFF2-40B4-BE49-F238E27FC236}">
+                <a16:creationId xmlns:a16="http://schemas.microsoft.com/office/drawing/2014/main" id="{641F7596-A9D4-E84D-2FEE-8E329C6A8558}"/>
+              </a:ext>
+            </a:extLst>
+          </p:cNvPr>
+          <p:cNvPicPr>
+            <a:picLocks noChangeAspect="1"/>
+          </p:cNvPicPr>
+          <p:nvPr/>
+        </p:nvPicPr>
+        <p:blipFill>
+          <a:blip r:embed="rId2"/>
+          <a:stretch>
+            <a:fillRect/>
+          </a:stretch>
+        </p:blipFill>
+        <p:spPr>
+          <a:xfrm>
+            <a:off x="838200" y="2320263"/>
+            <a:ext cx="8872329" cy="3362061"/>
+          </a:xfrm>
+          <a:prstGeom prst="rect">
+            <a:avLst/>
+          </a:prstGeom>
+        </p:spPr>
+      </p:pic>
+      <p:pic>
+        <p:nvPicPr>
+          <p:cNvPr id="10" name="Grafik 9">
+            <a:extLst>
+              <a:ext uri="{FF2B5EF4-FFF2-40B4-BE49-F238E27FC236}">
+                <a16:creationId xmlns:a16="http://schemas.microsoft.com/office/drawing/2014/main" id="{1F0A0837-7E8C-B750-65A9-3ADD92183B6B}"/>
+              </a:ext>
+            </a:extLst>
+          </p:cNvPr>
+          <p:cNvPicPr>
+            <a:picLocks noChangeAspect="1"/>
+          </p:cNvPicPr>
+          <p:nvPr/>
+        </p:nvPicPr>
+        <p:blipFill>
+          <a:blip r:embed="rId3"/>
+          <a:stretch>
+            <a:fillRect/>
+          </a:stretch>
+        </p:blipFill>
+        <p:spPr>
+          <a:xfrm>
+            <a:off x="9866991" y="4932985"/>
+            <a:ext cx="1657435" cy="749339"/>
+          </a:xfrm>
+          <a:prstGeom prst="rect">
+            <a:avLst/>
+          </a:prstGeom>
+        </p:spPr>
+      </p:pic>
+    </p:spTree>
+    <p:extLst>
+      <p:ext uri="{BB962C8B-B14F-4D97-AF65-F5344CB8AC3E}">
+        <p14:creationId xmlns:p14="http://schemas.microsoft.com/office/powerpoint/2010/main" val="2234978510"/>
+      </p:ext>
+    </p:extLst>
+  </p:cSld>
+  <p:clrMapOvr>
+    <a:masterClrMapping/>
+  </p:clrMapOvr>
+</p:sld>
+</file>
+
+<file path=ppt/slides/slide8.xml><?xml version="1.0" encoding="utf-8"?>
+<p:sld xmlns:a="http://schemas.openxmlformats.org/drawingml/2006/main" xmlns:r="http://schemas.openxmlformats.org/officeDocument/2006/relationships" xmlns:p="http://schemas.openxmlformats.org/presentationml/2006/main">
+  <p:cSld>
+    <p:bg>
+      <p:bgPr>
+        <a:solidFill>
+          <a:srgbClr val="3D5933">
+            <a:alpha val="20000"/>
+          </a:srgbClr>
+        </a:solidFill>
+        <a:effectLst/>
+      </p:bgPr>
+    </p:bg>
+    <p:spTree>
+      <p:nvGrpSpPr>
+        <p:cNvPr id="1" name=""/>
+        <p:cNvGrpSpPr/>
+        <p:nvPr/>
+      </p:nvGrpSpPr>
+      <p:grpSpPr>
+        <a:xfrm>
+          <a:off x="0" y="0"/>
+          <a:ext cx="0" cy="0"/>
+          <a:chOff x="0" y="0"/>
+          <a:chExt cx="0" cy="0"/>
+        </a:xfrm>
+      </p:grpSpPr>
+      <p:sp>
+        <p:nvSpPr>
+          <p:cNvPr id="2" name="Titel 1">
+            <a:extLst>
+              <a:ext uri="{FF2B5EF4-FFF2-40B4-BE49-F238E27FC236}">
+                <a16:creationId xmlns:a16="http://schemas.microsoft.com/office/drawing/2014/main" id="{C7E1847C-81C8-953E-F51E-199DB477A578}"/>
+              </a:ext>
+            </a:extLst>
+          </p:cNvPr>
+          <p:cNvSpPr>
+            <a:spLocks noGrp="1"/>
+          </p:cNvSpPr>
+          <p:nvPr>
+            <p:ph type="title"/>
+          </p:nvPr>
+        </p:nvSpPr>
+        <p:spPr/>
+        <p:txBody>
+          <a:bodyPr/>
+          <a:lstStyle/>
+          <a:p>
+            <a:r>
+              <a:rPr lang="de-DE" dirty="0"/>
+              <a:t>Webseite 1</a:t>
+            </a:r>
+          </a:p>
+        </p:txBody>
+      </p:sp>
+      <p:sp>
+        <p:nvSpPr>
+          <p:cNvPr id="3" name="Inhaltsplatzhalter 2">
+            <a:extLst>
+              <a:ext uri="{FF2B5EF4-FFF2-40B4-BE49-F238E27FC236}">
+                <a16:creationId xmlns:a16="http://schemas.microsoft.com/office/drawing/2014/main" id="{F1DEEC07-2251-DE5B-2D37-CB8AB028240F}"/>
+              </a:ext>
+            </a:extLst>
+          </p:cNvPr>
+          <p:cNvSpPr>
+            <a:spLocks noGrp="1"/>
+          </p:cNvSpPr>
+          <p:nvPr>
+            <p:ph idx="1"/>
+          </p:nvPr>
+        </p:nvSpPr>
+        <p:spPr/>
+        <p:txBody>
+          <a:bodyPr/>
+          <a:lstStyle/>
+          <a:p>
+            <a:r>
+              <a:rPr lang="de-DE" dirty="0"/>
+              <a:t>Kasten als Tabelle implementiert</a:t>
+            </a:r>
+          </a:p>
+        </p:txBody>
+      </p:sp>
+      <p:pic>
+        <p:nvPicPr>
+          <p:cNvPr id="5" name="Grafik 4">
+            <a:extLst>
+              <a:ext uri="{FF2B5EF4-FFF2-40B4-BE49-F238E27FC236}">
+                <a16:creationId xmlns:a16="http://schemas.microsoft.com/office/drawing/2014/main" id="{C3673670-7875-5F1A-94A3-B98838D40EB1}"/>
+              </a:ext>
+            </a:extLst>
+          </p:cNvPr>
+          <p:cNvPicPr>
+            <a:picLocks noChangeAspect="1"/>
+          </p:cNvPicPr>
+          <p:nvPr/>
+        </p:nvPicPr>
+        <p:blipFill>
+          <a:blip r:embed="rId2"/>
+          <a:stretch>
+            <a:fillRect/>
+          </a:stretch>
+        </p:blipFill>
+        <p:spPr>
+          <a:xfrm>
+            <a:off x="838200" y="2341366"/>
+            <a:ext cx="7868054" cy="3835597"/>
+          </a:xfrm>
+          <a:prstGeom prst="rect">
+            <a:avLst/>
+          </a:prstGeom>
+        </p:spPr>
+      </p:pic>
+      <p:pic>
+        <p:nvPicPr>
+          <p:cNvPr id="8" name="Grafik 7">
+            <a:extLst>
+              <a:ext uri="{FF2B5EF4-FFF2-40B4-BE49-F238E27FC236}">
+                <a16:creationId xmlns:a16="http://schemas.microsoft.com/office/drawing/2014/main" id="{A7B6C7F7-6E79-7E5D-57D8-737AE32A47A2}"/>
+              </a:ext>
+            </a:extLst>
+          </p:cNvPr>
+          <p:cNvPicPr>
+            <a:picLocks noChangeAspect="1"/>
+          </p:cNvPicPr>
+          <p:nvPr/>
+        </p:nvPicPr>
+        <p:blipFill>
+          <a:blip r:embed="rId3"/>
+          <a:stretch>
+            <a:fillRect/>
+          </a:stretch>
+        </p:blipFill>
+        <p:spPr>
+          <a:xfrm>
+            <a:off x="8901889" y="3547928"/>
+            <a:ext cx="3016405" cy="2629035"/>
+          </a:xfrm>
+          <a:prstGeom prst="rect">
+            <a:avLst/>
+          </a:prstGeom>
+        </p:spPr>
+      </p:pic>
+    </p:spTree>
+    <p:extLst>
+      <p:ext uri="{BB962C8B-B14F-4D97-AF65-F5344CB8AC3E}">
+        <p14:creationId xmlns:p14="http://schemas.microsoft.com/office/powerpoint/2010/main" val="695731043"/>
+      </p:ext>
+    </p:extLst>
+  </p:cSld>
+  <p:clrMapOvr>
+    <a:masterClrMapping/>
+  </p:clrMapOvr>
+</p:sld>
+</file>
+
+<file path=ppt/slides/slide9.xml><?xml version="1.0" encoding="utf-8"?>
+<p:sld xmlns:a="http://schemas.openxmlformats.org/drawingml/2006/main" xmlns:r="http://schemas.openxmlformats.org/officeDocument/2006/relationships" xmlns:p="http://schemas.openxmlformats.org/presentationml/2006/main">
+  <p:cSld>
+    <p:bg>
+      <p:bgPr>
+        <a:solidFill>
+          <a:srgbClr val="3D5933">
+            <a:alpha val="20000"/>
+          </a:srgbClr>
+        </a:solidFill>
+        <a:effectLst/>
+      </p:bgPr>
+    </p:bg>
+    <p:spTree>
+      <p:nvGrpSpPr>
+        <p:cNvPr id="1" name=""/>
+        <p:cNvGrpSpPr/>
+        <p:nvPr/>
+      </p:nvGrpSpPr>
+      <p:grpSpPr>
+        <a:xfrm>
+          <a:off x="0" y="0"/>
+          <a:ext cx="0" cy="0"/>
+          <a:chOff x="0" y="0"/>
+          <a:chExt cx="0" cy="0"/>
+        </a:xfrm>
+      </p:grpSpPr>
+      <p:sp>
+        <p:nvSpPr>
+          <p:cNvPr id="2" name="Titel 1">
+            <a:extLst>
+              <a:ext uri="{FF2B5EF4-FFF2-40B4-BE49-F238E27FC236}">
+                <a16:creationId xmlns:a16="http://schemas.microsoft.com/office/drawing/2014/main" id="{C7E1847C-81C8-953E-F51E-199DB477A578}"/>
+              </a:ext>
+            </a:extLst>
+          </p:cNvPr>
+          <p:cNvSpPr>
+            <a:spLocks noGrp="1"/>
+          </p:cNvSpPr>
+          <p:nvPr>
+            <p:ph type="title"/>
+          </p:nvPr>
+        </p:nvSpPr>
+        <p:spPr/>
+        <p:txBody>
+          <a:bodyPr/>
+          <a:lstStyle/>
+          <a:p>
+            <a:r>
+              <a:rPr lang="de-DE" dirty="0"/>
+              <a:t>Webseite 1</a:t>
+            </a:r>
+          </a:p>
+        </p:txBody>
+      </p:sp>
+      <p:sp>
+        <p:nvSpPr>
+          <p:cNvPr id="3" name="Inhaltsplatzhalter 2">
+            <a:extLst>
+              <a:ext uri="{FF2B5EF4-FFF2-40B4-BE49-F238E27FC236}">
+                <a16:creationId xmlns:a16="http://schemas.microsoft.com/office/drawing/2014/main" id="{F1DEEC07-2251-DE5B-2D37-CB8AB028240F}"/>
+              </a:ext>
+            </a:extLst>
+          </p:cNvPr>
+          <p:cNvSpPr>
+            <a:spLocks noGrp="1"/>
+          </p:cNvSpPr>
+          <p:nvPr>
+            <p:ph idx="1"/>
+          </p:nvPr>
+        </p:nvSpPr>
+        <p:spPr/>
+        <p:txBody>
+          <a:bodyPr/>
+          <a:lstStyle/>
+          <a:p>
+            <a:r>
+              <a:rPr lang="de-DE" dirty="0"/>
+              <a:t>Kasten mit weiterführenden Links</a:t>
+            </a:r>
+          </a:p>
+        </p:txBody>
+      </p:sp>
+      <p:pic>
+        <p:nvPicPr>
+          <p:cNvPr id="6" name="Grafik 5">
+            <a:extLst>
+              <a:ext uri="{FF2B5EF4-FFF2-40B4-BE49-F238E27FC236}">
+                <a16:creationId xmlns:a16="http://schemas.microsoft.com/office/drawing/2014/main" id="{B375F60C-1990-A45F-7BA1-E51BF760FFB5}"/>
+              </a:ext>
+            </a:extLst>
+          </p:cNvPr>
+          <p:cNvPicPr>
+            <a:picLocks noChangeAspect="1"/>
+          </p:cNvPicPr>
+          <p:nvPr/>
+        </p:nvPicPr>
+        <p:blipFill>
+          <a:blip r:embed="rId2"/>
+          <a:stretch>
+            <a:fillRect/>
+          </a:stretch>
+        </p:blipFill>
+        <p:spPr>
+          <a:xfrm>
+            <a:off x="838200" y="2303264"/>
+            <a:ext cx="8115717" cy="3873699"/>
+          </a:xfrm>
+          <a:prstGeom prst="rect">
+            <a:avLst/>
+          </a:prstGeom>
+        </p:spPr>
+      </p:pic>
+      <p:pic>
+        <p:nvPicPr>
+          <p:cNvPr id="9" name="Grafik 8">
+            <a:extLst>
+              <a:ext uri="{FF2B5EF4-FFF2-40B4-BE49-F238E27FC236}">
+                <a16:creationId xmlns:a16="http://schemas.microsoft.com/office/drawing/2014/main" id="{7867879A-8A4C-C99F-69F7-632E8BF76E79}"/>
+              </a:ext>
+            </a:extLst>
+          </p:cNvPr>
+          <p:cNvPicPr>
+            <a:picLocks noChangeAspect="1"/>
+          </p:cNvPicPr>
+          <p:nvPr/>
+        </p:nvPicPr>
+        <p:blipFill>
+          <a:blip r:embed="rId3"/>
+          <a:stretch>
+            <a:fillRect/>
+          </a:stretch>
+        </p:blipFill>
+        <p:spPr>
+          <a:xfrm>
+            <a:off x="9067723" y="3903546"/>
+            <a:ext cx="2997354" cy="2273417"/>
+          </a:xfrm>
+          <a:prstGeom prst="rect">
+            <a:avLst/>
+          </a:prstGeom>
+        </p:spPr>
+      </p:pic>
+    </p:spTree>
+    <p:extLst>
+      <p:ext uri="{BB962C8B-B14F-4D97-AF65-F5344CB8AC3E}">
+        <p14:creationId xmlns:p14="http://schemas.microsoft.com/office/powerpoint/2010/main" val="1095120030"/>
       </p:ext>
     </p:extLst>
   </p:cSld>

--- a/folien.pptx
+++ b/folien.pptx
@@ -5,7 +5,7 @@
     <p:sldMasterId id="2147483648" r:id="rId1"/>
   </p:sldMasterIdLst>
   <p:notesMasterIdLst>
-    <p:notesMasterId r:id="rId11"/>
+    <p:notesMasterId r:id="rId15"/>
   </p:notesMasterIdLst>
   <p:sldIdLst>
     <p:sldId id="256" r:id="rId2"/>
@@ -17,6 +17,10 @@
     <p:sldId id="262" r:id="rId8"/>
     <p:sldId id="263" r:id="rId9"/>
     <p:sldId id="264" r:id="rId10"/>
+    <p:sldId id="265" r:id="rId11"/>
+    <p:sldId id="266" r:id="rId12"/>
+    <p:sldId id="267" r:id="rId13"/>
+    <p:sldId id="268" r:id="rId14"/>
   </p:sldIdLst>
   <p:sldSz cx="12192000" cy="6858000"/>
   <p:notesSz cx="6858000" cy="9144000"/>
@@ -3300,7 +3304,7 @@
           <a:p>
             <a:fld id="{6F599B60-A95C-4389-972A-B128B68BEE7C}" type="datetimeFigureOut">
               <a:rPr lang="de-DE" smtClean="0"/>
-              <a:t>27.06.2022</a:t>
+              <a:t>28.06.2022</a:t>
             </a:fld>
             <a:endParaRPr lang="de-DE"/>
           </a:p>
@@ -3714,7 +3718,7 @@
           <a:p>
             <a:fld id="{43C8A0AA-23DD-4B73-863F-FACBE02C4EE5}" type="datetimeFigureOut">
               <a:rPr lang="de-DE" smtClean="0"/>
-              <a:t>27.06.2022</a:t>
+              <a:t>28.06.2022</a:t>
             </a:fld>
             <a:endParaRPr lang="de-DE"/>
           </a:p>
@@ -3912,7 +3916,7 @@
           <a:p>
             <a:fld id="{43C8A0AA-23DD-4B73-863F-FACBE02C4EE5}" type="datetimeFigureOut">
               <a:rPr lang="de-DE" smtClean="0"/>
-              <a:t>27.06.2022</a:t>
+              <a:t>28.06.2022</a:t>
             </a:fld>
             <a:endParaRPr lang="de-DE"/>
           </a:p>
@@ -4120,7 +4124,7 @@
           <a:p>
             <a:fld id="{43C8A0AA-23DD-4B73-863F-FACBE02C4EE5}" type="datetimeFigureOut">
               <a:rPr lang="de-DE" smtClean="0"/>
-              <a:t>27.06.2022</a:t>
+              <a:t>28.06.2022</a:t>
             </a:fld>
             <a:endParaRPr lang="de-DE"/>
           </a:p>
@@ -4318,7 +4322,7 @@
           <a:p>
             <a:fld id="{43C8A0AA-23DD-4B73-863F-FACBE02C4EE5}" type="datetimeFigureOut">
               <a:rPr lang="de-DE" smtClean="0"/>
-              <a:t>27.06.2022</a:t>
+              <a:t>28.06.2022</a:t>
             </a:fld>
             <a:endParaRPr lang="de-DE"/>
           </a:p>
@@ -4593,7 +4597,7 @@
           <a:p>
             <a:fld id="{43C8A0AA-23DD-4B73-863F-FACBE02C4EE5}" type="datetimeFigureOut">
               <a:rPr lang="de-DE" smtClean="0"/>
-              <a:t>27.06.2022</a:t>
+              <a:t>28.06.2022</a:t>
             </a:fld>
             <a:endParaRPr lang="de-DE"/>
           </a:p>
@@ -4858,7 +4862,7 @@
           <a:p>
             <a:fld id="{43C8A0AA-23DD-4B73-863F-FACBE02C4EE5}" type="datetimeFigureOut">
               <a:rPr lang="de-DE" smtClean="0"/>
-              <a:t>27.06.2022</a:t>
+              <a:t>28.06.2022</a:t>
             </a:fld>
             <a:endParaRPr lang="de-DE"/>
           </a:p>
@@ -5270,7 +5274,7 @@
           <a:p>
             <a:fld id="{43C8A0AA-23DD-4B73-863F-FACBE02C4EE5}" type="datetimeFigureOut">
               <a:rPr lang="de-DE" smtClean="0"/>
-              <a:t>27.06.2022</a:t>
+              <a:t>28.06.2022</a:t>
             </a:fld>
             <a:endParaRPr lang="de-DE"/>
           </a:p>
@@ -5411,7 +5415,7 @@
           <a:p>
             <a:fld id="{43C8A0AA-23DD-4B73-863F-FACBE02C4EE5}" type="datetimeFigureOut">
               <a:rPr lang="de-DE" smtClean="0"/>
-              <a:t>27.06.2022</a:t>
+              <a:t>28.06.2022</a:t>
             </a:fld>
             <a:endParaRPr lang="de-DE"/>
           </a:p>
@@ -5524,7 +5528,7 @@
           <a:p>
             <a:fld id="{43C8A0AA-23DD-4B73-863F-FACBE02C4EE5}" type="datetimeFigureOut">
               <a:rPr lang="de-DE" smtClean="0"/>
-              <a:t>27.06.2022</a:t>
+              <a:t>28.06.2022</a:t>
             </a:fld>
             <a:endParaRPr lang="de-DE"/>
           </a:p>
@@ -5835,7 +5839,7 @@
           <a:p>
             <a:fld id="{43C8A0AA-23DD-4B73-863F-FACBE02C4EE5}" type="datetimeFigureOut">
               <a:rPr lang="de-DE" smtClean="0"/>
-              <a:t>27.06.2022</a:t>
+              <a:t>28.06.2022</a:t>
             </a:fld>
             <a:endParaRPr lang="de-DE"/>
           </a:p>
@@ -6123,7 +6127,7 @@
           <a:p>
             <a:fld id="{43C8A0AA-23DD-4B73-863F-FACBE02C4EE5}" type="datetimeFigureOut">
               <a:rPr lang="de-DE" smtClean="0"/>
-              <a:t>27.06.2022</a:t>
+              <a:t>28.06.2022</a:t>
             </a:fld>
             <a:endParaRPr lang="de-DE"/>
           </a:p>
@@ -6364,7 +6368,7 @@
           <a:p>
             <a:fld id="{43C8A0AA-23DD-4B73-863F-FACBE02C4EE5}" type="datetimeFigureOut">
               <a:rPr lang="de-DE" smtClean="0"/>
-              <a:t>27.06.2022</a:t>
+              <a:t>28.06.2022</a:t>
             </a:fld>
             <a:endParaRPr lang="de-DE"/>
           </a:p>
@@ -7033,6 +7037,650 @@
 </p:sld>
 </file>
 
+<file path=ppt/slides/slide10.xml><?xml version="1.0" encoding="utf-8"?>
+<p:sld xmlns:a="http://schemas.openxmlformats.org/drawingml/2006/main" xmlns:r="http://schemas.openxmlformats.org/officeDocument/2006/relationships" xmlns:p="http://schemas.openxmlformats.org/presentationml/2006/main">
+  <p:cSld>
+    <p:bg>
+      <p:bgPr>
+        <a:solidFill>
+          <a:srgbClr val="3D5933">
+            <a:alpha val="20000"/>
+          </a:srgbClr>
+        </a:solidFill>
+        <a:effectLst/>
+      </p:bgPr>
+    </p:bg>
+    <p:spTree>
+      <p:nvGrpSpPr>
+        <p:cNvPr id="1" name=""/>
+        <p:cNvGrpSpPr/>
+        <p:nvPr/>
+      </p:nvGrpSpPr>
+      <p:grpSpPr>
+        <a:xfrm>
+          <a:off x="0" y="0"/>
+          <a:ext cx="0" cy="0"/>
+          <a:chOff x="0" y="0"/>
+          <a:chExt cx="0" cy="0"/>
+        </a:xfrm>
+      </p:grpSpPr>
+      <p:sp>
+        <p:nvSpPr>
+          <p:cNvPr id="2" name="Titel 1">
+            <a:extLst>
+              <a:ext uri="{FF2B5EF4-FFF2-40B4-BE49-F238E27FC236}">
+                <a16:creationId xmlns:a16="http://schemas.microsoft.com/office/drawing/2014/main" id="{C7E1847C-81C8-953E-F51E-199DB477A578}"/>
+              </a:ext>
+            </a:extLst>
+          </p:cNvPr>
+          <p:cNvSpPr>
+            <a:spLocks noGrp="1"/>
+          </p:cNvSpPr>
+          <p:nvPr>
+            <p:ph type="title"/>
+          </p:nvPr>
+        </p:nvSpPr>
+        <p:spPr/>
+        <p:txBody>
+          <a:bodyPr/>
+          <a:lstStyle/>
+          <a:p>
+            <a:r>
+              <a:rPr lang="de-DE" dirty="0"/>
+              <a:t>Webseite 2 – </a:t>
+            </a:r>
+            <a:r>
+              <a:rPr lang="de-DE" dirty="0" err="1"/>
+              <a:t>gpxsite</a:t>
+            </a:r>
+            <a:r>
+              <a:rPr lang="de-DE" dirty="0"/>
+              <a:t> – index.html</a:t>
+            </a:r>
+          </a:p>
+        </p:txBody>
+      </p:sp>
+      <p:sp>
+        <p:nvSpPr>
+          <p:cNvPr id="3" name="Inhaltsplatzhalter 2">
+            <a:extLst>
+              <a:ext uri="{FF2B5EF4-FFF2-40B4-BE49-F238E27FC236}">
+                <a16:creationId xmlns:a16="http://schemas.microsoft.com/office/drawing/2014/main" id="{F1DEEC07-2251-DE5B-2D37-CB8AB028240F}"/>
+              </a:ext>
+            </a:extLst>
+          </p:cNvPr>
+          <p:cNvSpPr>
+            <a:spLocks noGrp="1"/>
+          </p:cNvSpPr>
+          <p:nvPr>
+            <p:ph idx="1"/>
+          </p:nvPr>
+        </p:nvSpPr>
+        <p:spPr/>
+        <p:txBody>
+          <a:bodyPr/>
+          <a:lstStyle/>
+          <a:p>
+            <a:r>
+              <a:rPr lang="de-DE" dirty="0"/>
+              <a:t>&lt;</a:t>
+            </a:r>
+            <a:r>
+              <a:rPr lang="de-DE" dirty="0" err="1"/>
+              <a:t>head</a:t>
+            </a:r>
+            <a:r>
+              <a:rPr lang="de-DE" dirty="0"/>
+              <a:t>&gt;  mit Plugins und Verweisen auf andere Skripte</a:t>
+            </a:r>
+          </a:p>
+        </p:txBody>
+      </p:sp>
+      <p:pic>
+        <p:nvPicPr>
+          <p:cNvPr id="8" name="Grafik 7">
+            <a:extLst>
+              <a:ext uri="{FF2B5EF4-FFF2-40B4-BE49-F238E27FC236}">
+                <a16:creationId xmlns:a16="http://schemas.microsoft.com/office/drawing/2014/main" id="{5AB5DD5F-6063-409D-50B8-D654461E4857}"/>
+              </a:ext>
+            </a:extLst>
+          </p:cNvPr>
+          <p:cNvPicPr>
+            <a:picLocks noChangeAspect="1"/>
+          </p:cNvPicPr>
+          <p:nvPr/>
+        </p:nvPicPr>
+        <p:blipFill>
+          <a:blip r:embed="rId2"/>
+          <a:stretch>
+            <a:fillRect/>
+          </a:stretch>
+        </p:blipFill>
+        <p:spPr>
+          <a:xfrm>
+            <a:off x="838200" y="2217522"/>
+            <a:ext cx="8403454" cy="4469922"/>
+          </a:xfrm>
+          <a:prstGeom prst="rect">
+            <a:avLst/>
+          </a:prstGeom>
+        </p:spPr>
+      </p:pic>
+    </p:spTree>
+    <p:extLst>
+      <p:ext uri="{BB962C8B-B14F-4D97-AF65-F5344CB8AC3E}">
+        <p14:creationId xmlns:p14="http://schemas.microsoft.com/office/powerpoint/2010/main" val="3868238782"/>
+      </p:ext>
+    </p:extLst>
+  </p:cSld>
+  <p:clrMapOvr>
+    <a:masterClrMapping/>
+  </p:clrMapOvr>
+</p:sld>
+</file>
+
+<file path=ppt/slides/slide11.xml><?xml version="1.0" encoding="utf-8"?>
+<p:sld xmlns:a="http://schemas.openxmlformats.org/drawingml/2006/main" xmlns:r="http://schemas.openxmlformats.org/officeDocument/2006/relationships" xmlns:p="http://schemas.openxmlformats.org/presentationml/2006/main">
+  <p:cSld>
+    <p:bg>
+      <p:bgPr>
+        <a:solidFill>
+          <a:srgbClr val="3D5933">
+            <a:alpha val="20000"/>
+          </a:srgbClr>
+        </a:solidFill>
+        <a:effectLst/>
+      </p:bgPr>
+    </p:bg>
+    <p:spTree>
+      <p:nvGrpSpPr>
+        <p:cNvPr id="1" name=""/>
+        <p:cNvGrpSpPr/>
+        <p:nvPr/>
+      </p:nvGrpSpPr>
+      <p:grpSpPr>
+        <a:xfrm>
+          <a:off x="0" y="0"/>
+          <a:ext cx="0" cy="0"/>
+          <a:chOff x="0" y="0"/>
+          <a:chExt cx="0" cy="0"/>
+        </a:xfrm>
+      </p:grpSpPr>
+      <p:sp>
+        <p:nvSpPr>
+          <p:cNvPr id="2" name="Titel 1">
+            <a:extLst>
+              <a:ext uri="{FF2B5EF4-FFF2-40B4-BE49-F238E27FC236}">
+                <a16:creationId xmlns:a16="http://schemas.microsoft.com/office/drawing/2014/main" id="{C7E1847C-81C8-953E-F51E-199DB477A578}"/>
+              </a:ext>
+            </a:extLst>
+          </p:cNvPr>
+          <p:cNvSpPr>
+            <a:spLocks noGrp="1"/>
+          </p:cNvSpPr>
+          <p:nvPr>
+            <p:ph type="title"/>
+          </p:nvPr>
+        </p:nvSpPr>
+        <p:spPr>
+          <a:xfrm>
+            <a:off x="838200" y="338492"/>
+            <a:ext cx="10515600" cy="1325563"/>
+          </a:xfrm>
+        </p:spPr>
+        <p:txBody>
+          <a:bodyPr/>
+          <a:lstStyle/>
+          <a:p>
+            <a:r>
+              <a:rPr lang="de-DE" dirty="0"/>
+              <a:t>Webseite 2 – </a:t>
+            </a:r>
+            <a:r>
+              <a:rPr lang="de-DE" dirty="0" err="1"/>
+              <a:t>gpxsite</a:t>
+            </a:r>
+            <a:r>
+              <a:rPr lang="de-DE" dirty="0"/>
+              <a:t> – gpxsite.js</a:t>
+            </a:r>
+          </a:p>
+        </p:txBody>
+      </p:sp>
+      <p:sp>
+        <p:nvSpPr>
+          <p:cNvPr id="3" name="Inhaltsplatzhalter 2">
+            <a:extLst>
+              <a:ext uri="{FF2B5EF4-FFF2-40B4-BE49-F238E27FC236}">
+                <a16:creationId xmlns:a16="http://schemas.microsoft.com/office/drawing/2014/main" id="{F1DEEC07-2251-DE5B-2D37-CB8AB028240F}"/>
+              </a:ext>
+            </a:extLst>
+          </p:cNvPr>
+          <p:cNvSpPr>
+            <a:spLocks noGrp="1"/>
+          </p:cNvSpPr>
+          <p:nvPr>
+            <p:ph idx="1"/>
+          </p:nvPr>
+        </p:nvSpPr>
+        <p:spPr/>
+        <p:txBody>
+          <a:bodyPr/>
+          <a:lstStyle/>
+          <a:p>
+            <a:r>
+              <a:rPr lang="de-DE" dirty="0"/>
+              <a:t>Implementierung und Visualisierung von GPX Track</a:t>
+            </a:r>
+          </a:p>
+        </p:txBody>
+      </p:sp>
+      <p:pic>
+        <p:nvPicPr>
+          <p:cNvPr id="5" name="Grafik 4">
+            <a:extLst>
+              <a:ext uri="{FF2B5EF4-FFF2-40B4-BE49-F238E27FC236}">
+                <a16:creationId xmlns:a16="http://schemas.microsoft.com/office/drawing/2014/main" id="{8784983B-23DD-7604-6898-D6EC08F06891}"/>
+              </a:ext>
+            </a:extLst>
+          </p:cNvPr>
+          <p:cNvPicPr>
+            <a:picLocks noChangeAspect="1"/>
+          </p:cNvPicPr>
+          <p:nvPr/>
+        </p:nvPicPr>
+        <p:blipFill>
+          <a:blip r:embed="rId2"/>
+          <a:stretch>
+            <a:fillRect/>
+          </a:stretch>
+        </p:blipFill>
+        <p:spPr>
+          <a:xfrm>
+            <a:off x="398524" y="2852486"/>
+            <a:ext cx="4323426" cy="2576007"/>
+          </a:xfrm>
+          <a:prstGeom prst="rect">
+            <a:avLst/>
+          </a:prstGeom>
+        </p:spPr>
+      </p:pic>
+      <p:pic>
+        <p:nvPicPr>
+          <p:cNvPr id="8" name="Grafik 7">
+            <a:extLst>
+              <a:ext uri="{FF2B5EF4-FFF2-40B4-BE49-F238E27FC236}">
+                <a16:creationId xmlns:a16="http://schemas.microsoft.com/office/drawing/2014/main" id="{73BD40FB-B64D-6DED-BA52-5EFFCF3E54BB}"/>
+              </a:ext>
+            </a:extLst>
+          </p:cNvPr>
+          <p:cNvPicPr>
+            <a:picLocks noChangeAspect="1"/>
+          </p:cNvPicPr>
+          <p:nvPr/>
+        </p:nvPicPr>
+        <p:blipFill>
+          <a:blip r:embed="rId3"/>
+          <a:stretch>
+            <a:fillRect/>
+          </a:stretch>
+        </p:blipFill>
+        <p:spPr>
+          <a:xfrm>
+            <a:off x="5161626" y="2835217"/>
+            <a:ext cx="6631850" cy="2593276"/>
+          </a:xfrm>
+          <a:prstGeom prst="rect">
+            <a:avLst/>
+          </a:prstGeom>
+        </p:spPr>
+      </p:pic>
+    </p:spTree>
+    <p:extLst>
+      <p:ext uri="{BB962C8B-B14F-4D97-AF65-F5344CB8AC3E}">
+        <p14:creationId xmlns:p14="http://schemas.microsoft.com/office/powerpoint/2010/main" val="1974547813"/>
+      </p:ext>
+    </p:extLst>
+  </p:cSld>
+  <p:clrMapOvr>
+    <a:masterClrMapping/>
+  </p:clrMapOvr>
+</p:sld>
+</file>
+
+<file path=ppt/slides/slide12.xml><?xml version="1.0" encoding="utf-8"?>
+<p:sld xmlns:a="http://schemas.openxmlformats.org/drawingml/2006/main" xmlns:r="http://schemas.openxmlformats.org/officeDocument/2006/relationships" xmlns:p="http://schemas.openxmlformats.org/presentationml/2006/main">
+  <p:cSld>
+    <p:bg>
+      <p:bgPr>
+        <a:solidFill>
+          <a:srgbClr val="3D5933">
+            <a:alpha val="20000"/>
+          </a:srgbClr>
+        </a:solidFill>
+        <a:effectLst/>
+      </p:bgPr>
+    </p:bg>
+    <p:spTree>
+      <p:nvGrpSpPr>
+        <p:cNvPr id="1" name=""/>
+        <p:cNvGrpSpPr/>
+        <p:nvPr/>
+      </p:nvGrpSpPr>
+      <p:grpSpPr>
+        <a:xfrm>
+          <a:off x="0" y="0"/>
+          <a:ext cx="0" cy="0"/>
+          <a:chOff x="0" y="0"/>
+          <a:chExt cx="0" cy="0"/>
+        </a:xfrm>
+      </p:grpSpPr>
+      <p:sp>
+        <p:nvSpPr>
+          <p:cNvPr id="2" name="Titel 1">
+            <a:extLst>
+              <a:ext uri="{FF2B5EF4-FFF2-40B4-BE49-F238E27FC236}">
+                <a16:creationId xmlns:a16="http://schemas.microsoft.com/office/drawing/2014/main" id="{C7E1847C-81C8-953E-F51E-199DB477A578}"/>
+              </a:ext>
+            </a:extLst>
+          </p:cNvPr>
+          <p:cNvSpPr>
+            <a:spLocks noGrp="1"/>
+          </p:cNvSpPr>
+          <p:nvPr>
+            <p:ph type="title"/>
+          </p:nvPr>
+        </p:nvSpPr>
+        <p:spPr/>
+        <p:txBody>
+          <a:bodyPr/>
+          <a:lstStyle/>
+          <a:p>
+            <a:r>
+              <a:rPr lang="de-DE" dirty="0"/>
+              <a:t>Webseite 2 – </a:t>
+            </a:r>
+            <a:r>
+              <a:rPr lang="de-DE" dirty="0" err="1"/>
+              <a:t>gpxsite</a:t>
+            </a:r>
+            <a:r>
+              <a:rPr lang="de-DE" dirty="0"/>
+              <a:t> – gpxsite.js</a:t>
+            </a:r>
+          </a:p>
+        </p:txBody>
+      </p:sp>
+      <p:sp>
+        <p:nvSpPr>
+          <p:cNvPr id="3" name="Inhaltsplatzhalter 2">
+            <a:extLst>
+              <a:ext uri="{FF2B5EF4-FFF2-40B4-BE49-F238E27FC236}">
+                <a16:creationId xmlns:a16="http://schemas.microsoft.com/office/drawing/2014/main" id="{F1DEEC07-2251-DE5B-2D37-CB8AB028240F}"/>
+              </a:ext>
+            </a:extLst>
+          </p:cNvPr>
+          <p:cNvSpPr>
+            <a:spLocks noGrp="1"/>
+          </p:cNvSpPr>
+          <p:nvPr>
+            <p:ph idx="1"/>
+          </p:nvPr>
+        </p:nvSpPr>
+        <p:spPr/>
+        <p:txBody>
+          <a:bodyPr/>
+          <a:lstStyle/>
+          <a:p>
+            <a:r>
+              <a:rPr lang="de-DE" dirty="0"/>
+              <a:t>Einbinden von Höhenprofil für die Wanderung</a:t>
+            </a:r>
+          </a:p>
+        </p:txBody>
+      </p:sp>
+      <p:pic>
+        <p:nvPicPr>
+          <p:cNvPr id="5" name="Grafik 4">
+            <a:extLst>
+              <a:ext uri="{FF2B5EF4-FFF2-40B4-BE49-F238E27FC236}">
+                <a16:creationId xmlns:a16="http://schemas.microsoft.com/office/drawing/2014/main" id="{6939D3BC-5D2D-438B-1D4B-7E6A77456833}"/>
+              </a:ext>
+            </a:extLst>
+          </p:cNvPr>
+          <p:cNvPicPr>
+            <a:picLocks noChangeAspect="1"/>
+          </p:cNvPicPr>
+          <p:nvPr/>
+        </p:nvPicPr>
+        <p:blipFill>
+          <a:blip r:embed="rId2"/>
+          <a:stretch>
+            <a:fillRect/>
+          </a:stretch>
+        </p:blipFill>
+        <p:spPr>
+          <a:xfrm>
+            <a:off x="1050292" y="3039955"/>
+            <a:ext cx="4143375" cy="2305050"/>
+          </a:xfrm>
+          <a:prstGeom prst="rect">
+            <a:avLst/>
+          </a:prstGeom>
+        </p:spPr>
+      </p:pic>
+      <p:pic>
+        <p:nvPicPr>
+          <p:cNvPr id="11" name="Grafik 10">
+            <a:extLst>
+              <a:ext uri="{FF2B5EF4-FFF2-40B4-BE49-F238E27FC236}">
+                <a16:creationId xmlns:a16="http://schemas.microsoft.com/office/drawing/2014/main" id="{15E4F151-CF94-CE68-FDD0-FD18EB2D1AA4}"/>
+              </a:ext>
+            </a:extLst>
+          </p:cNvPr>
+          <p:cNvPicPr>
+            <a:picLocks noChangeAspect="1"/>
+          </p:cNvPicPr>
+          <p:nvPr/>
+        </p:nvPicPr>
+        <p:blipFill>
+          <a:blip r:embed="rId3"/>
+          <a:stretch>
+            <a:fillRect/>
+          </a:stretch>
+        </p:blipFill>
+        <p:spPr>
+          <a:xfrm>
+            <a:off x="5405759" y="4319172"/>
+            <a:ext cx="3895725" cy="1019175"/>
+          </a:xfrm>
+          <a:prstGeom prst="rect">
+            <a:avLst/>
+          </a:prstGeom>
+        </p:spPr>
+      </p:pic>
+    </p:spTree>
+    <p:extLst>
+      <p:ext uri="{BB962C8B-B14F-4D97-AF65-F5344CB8AC3E}">
+        <p14:creationId xmlns:p14="http://schemas.microsoft.com/office/powerpoint/2010/main" val="2607883712"/>
+      </p:ext>
+    </p:extLst>
+  </p:cSld>
+  <p:clrMapOvr>
+    <a:masterClrMapping/>
+  </p:clrMapOvr>
+</p:sld>
+</file>
+
+<file path=ppt/slides/slide13.xml><?xml version="1.0" encoding="utf-8"?>
+<p:sld xmlns:a="http://schemas.openxmlformats.org/drawingml/2006/main" xmlns:r="http://schemas.openxmlformats.org/officeDocument/2006/relationships" xmlns:p="http://schemas.openxmlformats.org/presentationml/2006/main">
+  <p:cSld>
+    <p:bg>
+      <p:bgPr>
+        <a:solidFill>
+          <a:srgbClr val="3D5933">
+            <a:alpha val="20000"/>
+          </a:srgbClr>
+        </a:solidFill>
+        <a:effectLst/>
+      </p:bgPr>
+    </p:bg>
+    <p:spTree>
+      <p:nvGrpSpPr>
+        <p:cNvPr id="1" name=""/>
+        <p:cNvGrpSpPr/>
+        <p:nvPr/>
+      </p:nvGrpSpPr>
+      <p:grpSpPr>
+        <a:xfrm>
+          <a:off x="0" y="0"/>
+          <a:ext cx="0" cy="0"/>
+          <a:chOff x="0" y="0"/>
+          <a:chExt cx="0" cy="0"/>
+        </a:xfrm>
+      </p:grpSpPr>
+      <p:sp>
+        <p:nvSpPr>
+          <p:cNvPr id="2" name="Titel 1">
+            <a:extLst>
+              <a:ext uri="{FF2B5EF4-FFF2-40B4-BE49-F238E27FC236}">
+                <a16:creationId xmlns:a16="http://schemas.microsoft.com/office/drawing/2014/main" id="{C7E1847C-81C8-953E-F51E-199DB477A578}"/>
+              </a:ext>
+            </a:extLst>
+          </p:cNvPr>
+          <p:cNvSpPr>
+            <a:spLocks noGrp="1"/>
+          </p:cNvSpPr>
+          <p:nvPr>
+            <p:ph type="title"/>
+          </p:nvPr>
+        </p:nvSpPr>
+        <p:spPr/>
+        <p:txBody>
+          <a:bodyPr/>
+          <a:lstStyle/>
+          <a:p>
+            <a:r>
+              <a:rPr lang="de-DE" dirty="0"/>
+              <a:t>Webseite 2 – </a:t>
+            </a:r>
+            <a:r>
+              <a:rPr lang="de-DE" dirty="0" err="1"/>
+              <a:t>gpxsite</a:t>
+            </a:r>
+            <a:r>
+              <a:rPr lang="de-DE" dirty="0"/>
+              <a:t> – gpxsite.js</a:t>
+            </a:r>
+          </a:p>
+        </p:txBody>
+      </p:sp>
+      <p:sp>
+        <p:nvSpPr>
+          <p:cNvPr id="3" name="Inhaltsplatzhalter 2">
+            <a:extLst>
+              <a:ext uri="{FF2B5EF4-FFF2-40B4-BE49-F238E27FC236}">
+                <a16:creationId xmlns:a16="http://schemas.microsoft.com/office/drawing/2014/main" id="{F1DEEC07-2251-DE5B-2D37-CB8AB028240F}"/>
+              </a:ext>
+            </a:extLst>
+          </p:cNvPr>
+          <p:cNvSpPr>
+            <a:spLocks noGrp="1"/>
+          </p:cNvSpPr>
+          <p:nvPr>
+            <p:ph idx="1"/>
+          </p:nvPr>
+        </p:nvSpPr>
+        <p:spPr>
+          <a:xfrm>
+            <a:off x="838200" y="1852258"/>
+            <a:ext cx="10515600" cy="4351338"/>
+          </a:xfrm>
+        </p:spPr>
+        <p:txBody>
+          <a:bodyPr/>
+          <a:lstStyle/>
+          <a:p>
+            <a:r>
+              <a:rPr lang="de-DE" dirty="0"/>
+              <a:t>Kasten mit weiterführenden Links</a:t>
+            </a:r>
+          </a:p>
+        </p:txBody>
+      </p:sp>
+      <p:pic>
+        <p:nvPicPr>
+          <p:cNvPr id="6" name="Grafik 5">
+            <a:extLst>
+              <a:ext uri="{FF2B5EF4-FFF2-40B4-BE49-F238E27FC236}">
+                <a16:creationId xmlns:a16="http://schemas.microsoft.com/office/drawing/2014/main" id="{B375F60C-1990-A45F-7BA1-E51BF760FFB5}"/>
+              </a:ext>
+            </a:extLst>
+          </p:cNvPr>
+          <p:cNvPicPr>
+            <a:picLocks noChangeAspect="1"/>
+          </p:cNvPicPr>
+          <p:nvPr/>
+        </p:nvPicPr>
+        <p:blipFill>
+          <a:blip r:embed="rId2"/>
+          <a:stretch>
+            <a:fillRect/>
+          </a:stretch>
+        </p:blipFill>
+        <p:spPr>
+          <a:xfrm>
+            <a:off x="838200" y="2303264"/>
+            <a:ext cx="8115717" cy="3873699"/>
+          </a:xfrm>
+          <a:prstGeom prst="rect">
+            <a:avLst/>
+          </a:prstGeom>
+        </p:spPr>
+      </p:pic>
+      <p:pic>
+        <p:nvPicPr>
+          <p:cNvPr id="9" name="Grafik 8">
+            <a:extLst>
+              <a:ext uri="{FF2B5EF4-FFF2-40B4-BE49-F238E27FC236}">
+                <a16:creationId xmlns:a16="http://schemas.microsoft.com/office/drawing/2014/main" id="{7867879A-8A4C-C99F-69F7-632E8BF76E79}"/>
+              </a:ext>
+            </a:extLst>
+          </p:cNvPr>
+          <p:cNvPicPr>
+            <a:picLocks noChangeAspect="1"/>
+          </p:cNvPicPr>
+          <p:nvPr/>
+        </p:nvPicPr>
+        <p:blipFill>
+          <a:blip r:embed="rId3"/>
+          <a:stretch>
+            <a:fillRect/>
+          </a:stretch>
+        </p:blipFill>
+        <p:spPr>
+          <a:xfrm>
+            <a:off x="9067723" y="3903546"/>
+            <a:ext cx="2997354" cy="2273417"/>
+          </a:xfrm>
+          <a:prstGeom prst="rect">
+            <a:avLst/>
+          </a:prstGeom>
+        </p:spPr>
+      </p:pic>
+    </p:spTree>
+    <p:extLst>
+      <p:ext uri="{BB962C8B-B14F-4D97-AF65-F5344CB8AC3E}">
+        <p14:creationId xmlns:p14="http://schemas.microsoft.com/office/powerpoint/2010/main" val="3849877892"/>
+      </p:ext>
+    </p:extLst>
+  </p:cSld>
+  <p:clrMapOvr>
+    <a:masterClrMapping/>
+  </p:clrMapOvr>
+</p:sld>
+</file>
+
 <file path=ppt/slides/slide2.xml><?xml version="1.0" encoding="utf-8"?>
 <p:sld xmlns:a="http://schemas.openxmlformats.org/drawingml/2006/main" xmlns:r="http://schemas.openxmlformats.org/officeDocument/2006/relationships" xmlns:p="http://schemas.openxmlformats.org/presentationml/2006/main">
   <p:cSld>
@@ -7212,7 +7860,44 @@
           <a:bodyPr/>
           <a:lstStyle/>
           <a:p>
-            <a:endParaRPr lang="de-DE" dirty="0"/>
+            <a:r>
+              <a:rPr lang="de-DE" dirty="0" err="1"/>
+              <a:t>Leaflet</a:t>
+            </a:r>
+            <a:r>
+              <a:rPr lang="de-DE" dirty="0"/>
+              <a:t> Providers Plugin </a:t>
+            </a:r>
+          </a:p>
+          <a:p>
+            <a:r>
+              <a:rPr lang="de-DE" dirty="0" err="1"/>
+              <a:t>Leaflet</a:t>
+            </a:r>
+            <a:r>
+              <a:rPr lang="de-DE" dirty="0"/>
+              <a:t> Fullscreen Plugin </a:t>
+            </a:r>
+          </a:p>
+          <a:p>
+            <a:r>
+              <a:rPr lang="de-DE" dirty="0" err="1"/>
+              <a:t>Leaflet</a:t>
+            </a:r>
+            <a:r>
+              <a:rPr lang="de-DE" dirty="0"/>
+              <a:t> GPX Plugin </a:t>
+            </a:r>
+          </a:p>
+          <a:p>
+            <a:r>
+              <a:rPr lang="de-DE" dirty="0" err="1"/>
+              <a:t>Leaflet</a:t>
+            </a:r>
+            <a:r>
+              <a:rPr lang="de-DE" dirty="0"/>
+              <a:t> Elevation Plugin </a:t>
+            </a:r>
           </a:p>
         </p:txBody>
       </p:sp>

--- a/folien.pptx
+++ b/folien.pptx
@@ -5,7 +5,7 @@
     <p:sldMasterId id="2147483648" r:id="rId1"/>
   </p:sldMasterIdLst>
   <p:notesMasterIdLst>
-    <p:notesMasterId r:id="rId15"/>
+    <p:notesMasterId r:id="rId20"/>
   </p:notesMasterIdLst>
   <p:sldIdLst>
     <p:sldId id="256" r:id="rId2"/>
@@ -17,10 +17,15 @@
     <p:sldId id="262" r:id="rId8"/>
     <p:sldId id="263" r:id="rId9"/>
     <p:sldId id="264" r:id="rId10"/>
-    <p:sldId id="265" r:id="rId11"/>
-    <p:sldId id="266" r:id="rId12"/>
-    <p:sldId id="267" r:id="rId13"/>
-    <p:sldId id="268" r:id="rId14"/>
+    <p:sldId id="269" r:id="rId11"/>
+    <p:sldId id="270" r:id="rId12"/>
+    <p:sldId id="271" r:id="rId13"/>
+    <p:sldId id="272" r:id="rId14"/>
+    <p:sldId id="273" r:id="rId15"/>
+    <p:sldId id="265" r:id="rId16"/>
+    <p:sldId id="266" r:id="rId17"/>
+    <p:sldId id="267" r:id="rId18"/>
+    <p:sldId id="268" r:id="rId19"/>
   </p:sldIdLst>
   <p:sldSz cx="12192000" cy="6858000"/>
   <p:notesSz cx="6858000" cy="9144000"/>
@@ -3304,7 +3309,7 @@
           <a:p>
             <a:fld id="{6F599B60-A95C-4389-972A-B128B68BEE7C}" type="datetimeFigureOut">
               <a:rPr lang="de-DE" smtClean="0"/>
-              <a:t>28.06.2022</a:t>
+              <a:t>30.06.2022</a:t>
             </a:fld>
             <a:endParaRPr lang="de-DE"/>
           </a:p>
@@ -3718,7 +3723,7 @@
           <a:p>
             <a:fld id="{43C8A0AA-23DD-4B73-863F-FACBE02C4EE5}" type="datetimeFigureOut">
               <a:rPr lang="de-DE" smtClean="0"/>
-              <a:t>28.06.2022</a:t>
+              <a:t>30.06.2022</a:t>
             </a:fld>
             <a:endParaRPr lang="de-DE"/>
           </a:p>
@@ -3916,7 +3921,7 @@
           <a:p>
             <a:fld id="{43C8A0AA-23DD-4B73-863F-FACBE02C4EE5}" type="datetimeFigureOut">
               <a:rPr lang="de-DE" smtClean="0"/>
-              <a:t>28.06.2022</a:t>
+              <a:t>30.06.2022</a:t>
             </a:fld>
             <a:endParaRPr lang="de-DE"/>
           </a:p>
@@ -4124,7 +4129,7 @@
           <a:p>
             <a:fld id="{43C8A0AA-23DD-4B73-863F-FACBE02C4EE5}" type="datetimeFigureOut">
               <a:rPr lang="de-DE" smtClean="0"/>
-              <a:t>28.06.2022</a:t>
+              <a:t>30.06.2022</a:t>
             </a:fld>
             <a:endParaRPr lang="de-DE"/>
           </a:p>
@@ -4322,7 +4327,7 @@
           <a:p>
             <a:fld id="{43C8A0AA-23DD-4B73-863F-FACBE02C4EE5}" type="datetimeFigureOut">
               <a:rPr lang="de-DE" smtClean="0"/>
-              <a:t>28.06.2022</a:t>
+              <a:t>30.06.2022</a:t>
             </a:fld>
             <a:endParaRPr lang="de-DE"/>
           </a:p>
@@ -4597,7 +4602,7 @@
           <a:p>
             <a:fld id="{43C8A0AA-23DD-4B73-863F-FACBE02C4EE5}" type="datetimeFigureOut">
               <a:rPr lang="de-DE" smtClean="0"/>
-              <a:t>28.06.2022</a:t>
+              <a:t>30.06.2022</a:t>
             </a:fld>
             <a:endParaRPr lang="de-DE"/>
           </a:p>
@@ -4862,7 +4867,7 @@
           <a:p>
             <a:fld id="{43C8A0AA-23DD-4B73-863F-FACBE02C4EE5}" type="datetimeFigureOut">
               <a:rPr lang="de-DE" smtClean="0"/>
-              <a:t>28.06.2022</a:t>
+              <a:t>30.06.2022</a:t>
             </a:fld>
             <a:endParaRPr lang="de-DE"/>
           </a:p>
@@ -5274,7 +5279,7 @@
           <a:p>
             <a:fld id="{43C8A0AA-23DD-4B73-863F-FACBE02C4EE5}" type="datetimeFigureOut">
               <a:rPr lang="de-DE" smtClean="0"/>
-              <a:t>28.06.2022</a:t>
+              <a:t>30.06.2022</a:t>
             </a:fld>
             <a:endParaRPr lang="de-DE"/>
           </a:p>
@@ -5415,7 +5420,7 @@
           <a:p>
             <a:fld id="{43C8A0AA-23DD-4B73-863F-FACBE02C4EE5}" type="datetimeFigureOut">
               <a:rPr lang="de-DE" smtClean="0"/>
-              <a:t>28.06.2022</a:t>
+              <a:t>30.06.2022</a:t>
             </a:fld>
             <a:endParaRPr lang="de-DE"/>
           </a:p>
@@ -5528,7 +5533,7 @@
           <a:p>
             <a:fld id="{43C8A0AA-23DD-4B73-863F-FACBE02C4EE5}" type="datetimeFigureOut">
               <a:rPr lang="de-DE" smtClean="0"/>
-              <a:t>28.06.2022</a:t>
+              <a:t>30.06.2022</a:t>
             </a:fld>
             <a:endParaRPr lang="de-DE"/>
           </a:p>
@@ -5839,7 +5844,7 @@
           <a:p>
             <a:fld id="{43C8A0AA-23DD-4B73-863F-FACBE02C4EE5}" type="datetimeFigureOut">
               <a:rPr lang="de-DE" smtClean="0"/>
-              <a:t>28.06.2022</a:t>
+              <a:t>30.06.2022</a:t>
             </a:fld>
             <a:endParaRPr lang="de-DE"/>
           </a:p>
@@ -6127,7 +6132,7 @@
           <a:p>
             <a:fld id="{43C8A0AA-23DD-4B73-863F-FACBE02C4EE5}" type="datetimeFigureOut">
               <a:rPr lang="de-DE" smtClean="0"/>
-              <a:t>28.06.2022</a:t>
+              <a:t>30.06.2022</a:t>
             </a:fld>
             <a:endParaRPr lang="de-DE"/>
           </a:p>
@@ -6368,7 +6373,7 @@
           <a:p>
             <a:fld id="{43C8A0AA-23DD-4B73-863F-FACBE02C4EE5}" type="datetimeFigureOut">
               <a:rPr lang="de-DE" smtClean="0"/>
-              <a:t>28.06.2022</a:t>
+              <a:t>30.06.2022</a:t>
             </a:fld>
             <a:endParaRPr lang="de-DE"/>
           </a:p>
@@ -7087,11 +7092,11 @@
           <a:p>
             <a:r>
               <a:rPr lang="de-DE" dirty="0"/>
-              <a:t>Webseite 2 – </a:t>
+              <a:t>Webseite 3 – </a:t>
             </a:r>
             <a:r>
               <a:rPr lang="de-DE" dirty="0" err="1"/>
-              <a:t>gpxsite</a:t>
+              <a:t>mapsite</a:t>
             </a:r>
             <a:r>
               <a:rPr lang="de-DE" dirty="0"/>
@@ -7122,26 +7127,31 @@
           <a:lstStyle/>
           <a:p>
             <a:r>
+              <a:rPr lang="de-DE" dirty="0" err="1"/>
+              <a:t>Leaflet</a:t>
+            </a:r>
+            <a:r>
               <a:rPr lang="de-DE" dirty="0"/>
-              <a:t>&lt;</a:t>
-            </a:r>
-            <a:r>
-              <a:rPr lang="de-DE" dirty="0" err="1"/>
-              <a:t>head</a:t>
-            </a:r>
-            <a:r>
-              <a:rPr lang="de-DE" dirty="0"/>
-              <a:t>&gt;  mit Plugins und Verweisen auf andere Skripte</a:t>
-            </a:r>
+              <a:t> Plugins </a:t>
+            </a:r>
+          </a:p>
+          <a:p>
+            <a:endParaRPr lang="de-DE" dirty="0"/>
+          </a:p>
+          <a:p>
+            <a:pPr marL="0" indent="0">
+              <a:buNone/>
+            </a:pPr>
+            <a:endParaRPr lang="de-DE" dirty="0"/>
           </a:p>
         </p:txBody>
       </p:sp>
       <p:pic>
         <p:nvPicPr>
-          <p:cNvPr id="8" name="Grafik 7">
-            <a:extLst>
-              <a:ext uri="{FF2B5EF4-FFF2-40B4-BE49-F238E27FC236}">
-                <a16:creationId xmlns:a16="http://schemas.microsoft.com/office/drawing/2014/main" id="{5AB5DD5F-6063-409D-50B8-D654461E4857}"/>
+          <p:cNvPr id="5" name="Grafik 4">
+            <a:extLst>
+              <a:ext uri="{FF2B5EF4-FFF2-40B4-BE49-F238E27FC236}">
+                <a16:creationId xmlns:a16="http://schemas.microsoft.com/office/drawing/2014/main" id="{D2CCF157-3019-D3E3-F8DA-C9EAD02E5405}"/>
               </a:ext>
             </a:extLst>
           </p:cNvPr>
@@ -7158,8 +7168,8 @@
         </p:blipFill>
         <p:spPr>
           <a:xfrm>
-            <a:off x="838200" y="2217522"/>
-            <a:ext cx="8403454" cy="4469922"/>
+            <a:off x="1828799" y="2320190"/>
+            <a:ext cx="8010525" cy="4172685"/>
           </a:xfrm>
           <a:prstGeom prst="rect">
             <a:avLst/>
@@ -7169,7 +7179,7 @@
     </p:spTree>
     <p:extLst>
       <p:ext uri="{BB962C8B-B14F-4D97-AF65-F5344CB8AC3E}">
-        <p14:creationId xmlns:p14="http://schemas.microsoft.com/office/powerpoint/2010/main" val="3868238782"/>
+        <p14:creationId xmlns:p14="http://schemas.microsoft.com/office/powerpoint/2010/main" val="3446881628"/>
       </p:ext>
     </p:extLst>
   </p:cSld>
@@ -7222,27 +7232,22 @@
             <p:ph type="title"/>
           </p:nvPr>
         </p:nvSpPr>
-        <p:spPr>
-          <a:xfrm>
-            <a:off x="838200" y="338492"/>
-            <a:ext cx="10515600" cy="1325563"/>
-          </a:xfrm>
-        </p:spPr>
+        <p:spPr/>
         <p:txBody>
           <a:bodyPr/>
           <a:lstStyle/>
           <a:p>
             <a:r>
               <a:rPr lang="de-DE" dirty="0"/>
-              <a:t>Webseite 2 – </a:t>
+              <a:t>Webseite 3 – </a:t>
             </a:r>
             <a:r>
               <a:rPr lang="de-DE" dirty="0" err="1"/>
-              <a:t>gpxsite</a:t>
+              <a:t>mapsite</a:t>
             </a:r>
             <a:r>
               <a:rPr lang="de-DE" dirty="0"/>
-              <a:t> – gpxsite.js</a:t>
+              <a:t> – index.html</a:t>
             </a:r>
           </a:p>
         </p:txBody>
@@ -7269,9 +7274,22 @@
           <a:lstStyle/>
           <a:p>
             <a:r>
+              <a:rPr lang="de-DE" dirty="0" err="1"/>
+              <a:t>Leaflet</a:t>
+            </a:r>
+            <a:r>
               <a:rPr lang="de-DE" dirty="0"/>
-              <a:t>Implementierung und Visualisierung von GPX Track</a:t>
-            </a:r>
+              <a:t> Plugins </a:t>
+            </a:r>
+          </a:p>
+          <a:p>
+            <a:endParaRPr lang="de-DE" dirty="0"/>
+          </a:p>
+          <a:p>
+            <a:pPr marL="0" indent="0">
+              <a:buNone/>
+            </a:pPr>
+            <a:endParaRPr lang="de-DE" dirty="0"/>
           </a:p>
         </p:txBody>
       </p:sp>
@@ -7280,7 +7298,7 @@
           <p:cNvPr id="5" name="Grafik 4">
             <a:extLst>
               <a:ext uri="{FF2B5EF4-FFF2-40B4-BE49-F238E27FC236}">
-                <a16:creationId xmlns:a16="http://schemas.microsoft.com/office/drawing/2014/main" id="{8784983B-23DD-7604-6898-D6EC08F06891}"/>
+                <a16:creationId xmlns:a16="http://schemas.microsoft.com/office/drawing/2014/main" id="{D2CCF157-3019-D3E3-F8DA-C9EAD02E5405}"/>
               </a:ext>
             </a:extLst>
           </p:cNvPr>
@@ -7297,38 +7315,8 @@
         </p:blipFill>
         <p:spPr>
           <a:xfrm>
-            <a:off x="398524" y="2852486"/>
-            <a:ext cx="4323426" cy="2576007"/>
-          </a:xfrm>
-          <a:prstGeom prst="rect">
-            <a:avLst/>
-          </a:prstGeom>
-        </p:spPr>
-      </p:pic>
-      <p:pic>
-        <p:nvPicPr>
-          <p:cNvPr id="8" name="Grafik 7">
-            <a:extLst>
-              <a:ext uri="{FF2B5EF4-FFF2-40B4-BE49-F238E27FC236}">
-                <a16:creationId xmlns:a16="http://schemas.microsoft.com/office/drawing/2014/main" id="{73BD40FB-B64D-6DED-BA52-5EFFCF3E54BB}"/>
-              </a:ext>
-            </a:extLst>
-          </p:cNvPr>
-          <p:cNvPicPr>
-            <a:picLocks noChangeAspect="1"/>
-          </p:cNvPicPr>
-          <p:nvPr/>
-        </p:nvPicPr>
-        <p:blipFill>
-          <a:blip r:embed="rId3"/>
-          <a:stretch>
-            <a:fillRect/>
-          </a:stretch>
-        </p:blipFill>
-        <p:spPr>
-          <a:xfrm>
-            <a:off x="5161626" y="2835217"/>
-            <a:ext cx="6631850" cy="2593276"/>
+            <a:off x="1828799" y="2320190"/>
+            <a:ext cx="8010525" cy="4172685"/>
           </a:xfrm>
           <a:prstGeom prst="rect">
             <a:avLst/>
@@ -7338,7 +7326,7 @@
     </p:spTree>
     <p:extLst>
       <p:ext uri="{BB962C8B-B14F-4D97-AF65-F5344CB8AC3E}">
-        <p14:creationId xmlns:p14="http://schemas.microsoft.com/office/powerpoint/2010/main" val="1974547813"/>
+        <p14:creationId xmlns:p14="http://schemas.microsoft.com/office/powerpoint/2010/main" val="3899400687"/>
       </p:ext>
     </p:extLst>
   </p:cSld>
@@ -7398,15 +7386,15 @@
           <a:p>
             <a:r>
               <a:rPr lang="de-DE" dirty="0"/>
-              <a:t>Webseite 2 – </a:t>
+              <a:t>Webseite 3 – </a:t>
             </a:r>
             <a:r>
               <a:rPr lang="de-DE" dirty="0" err="1"/>
-              <a:t>gpxsite</a:t>
+              <a:t>mapsite</a:t>
             </a:r>
             <a:r>
               <a:rPr lang="de-DE" dirty="0"/>
-              <a:t> – gpxsite.js</a:t>
+              <a:t> – index.html</a:t>
             </a:r>
           </a:p>
         </p:txBody>
@@ -7434,17 +7422,26 @@
           <a:p>
             <a:r>
               <a:rPr lang="de-DE" dirty="0"/>
-              <a:t>Einbinden von Höhenprofil für die Wanderung</a:t>
-            </a:r>
+              <a:t>„Legende“</a:t>
+            </a:r>
+          </a:p>
+          <a:p>
+            <a:endParaRPr lang="de-DE" dirty="0"/>
+          </a:p>
+          <a:p>
+            <a:pPr marL="0" indent="0">
+              <a:buNone/>
+            </a:pPr>
+            <a:endParaRPr lang="de-DE" dirty="0"/>
           </a:p>
         </p:txBody>
       </p:sp>
       <p:pic>
         <p:nvPicPr>
-          <p:cNvPr id="5" name="Grafik 4">
-            <a:extLst>
-              <a:ext uri="{FF2B5EF4-FFF2-40B4-BE49-F238E27FC236}">
-                <a16:creationId xmlns:a16="http://schemas.microsoft.com/office/drawing/2014/main" id="{6939D3BC-5D2D-438B-1D4B-7E6A77456833}"/>
+          <p:cNvPr id="6" name="Grafik 5">
+            <a:extLst>
+              <a:ext uri="{FF2B5EF4-FFF2-40B4-BE49-F238E27FC236}">
+                <a16:creationId xmlns:a16="http://schemas.microsoft.com/office/drawing/2014/main" id="{D73C7E58-3AD8-7CC2-A9DC-F631AFB39A5C}"/>
               </a:ext>
             </a:extLst>
           </p:cNvPr>
@@ -7461,8 +7458,8 @@
         </p:blipFill>
         <p:spPr>
           <a:xfrm>
-            <a:off x="1050292" y="3039955"/>
-            <a:ext cx="4143375" cy="2305050"/>
+            <a:off x="838200" y="2538412"/>
+            <a:ext cx="7629525" cy="2428875"/>
           </a:xfrm>
           <a:prstGeom prst="rect">
             <a:avLst/>
@@ -7471,10 +7468,10 @@
       </p:pic>
       <p:pic>
         <p:nvPicPr>
-          <p:cNvPr id="11" name="Grafik 10">
-            <a:extLst>
-              <a:ext uri="{FF2B5EF4-FFF2-40B4-BE49-F238E27FC236}">
-                <a16:creationId xmlns:a16="http://schemas.microsoft.com/office/drawing/2014/main" id="{15E4F151-CF94-CE68-FDD0-FD18EB2D1AA4}"/>
+          <p:cNvPr id="8" name="Grafik 7">
+            <a:extLst>
+              <a:ext uri="{FF2B5EF4-FFF2-40B4-BE49-F238E27FC236}">
+                <a16:creationId xmlns:a16="http://schemas.microsoft.com/office/drawing/2014/main" id="{CDB455A1-2EF4-692A-FE5C-73E23DBB6ADE}"/>
               </a:ext>
             </a:extLst>
           </p:cNvPr>
@@ -7491,8 +7488,8 @@
         </p:blipFill>
         <p:spPr>
           <a:xfrm>
-            <a:off x="5405759" y="4319172"/>
-            <a:ext cx="3895725" cy="1019175"/>
+            <a:off x="9082087" y="2005011"/>
+            <a:ext cx="2657475" cy="3495675"/>
           </a:xfrm>
           <a:prstGeom prst="rect">
             <a:avLst/>
@@ -7502,7 +7499,7 @@
     </p:spTree>
     <p:extLst>
       <p:ext uri="{BB962C8B-B14F-4D97-AF65-F5344CB8AC3E}">
-        <p14:creationId xmlns:p14="http://schemas.microsoft.com/office/powerpoint/2010/main" val="2607883712"/>
+        <p14:creationId xmlns:p14="http://schemas.microsoft.com/office/powerpoint/2010/main" val="3504798627"/>
       </p:ext>
     </p:extLst>
   </p:cSld>
@@ -7562,7 +7559,816 @@
           <a:p>
             <a:r>
               <a:rPr lang="de-DE" dirty="0"/>
-              <a:t>Webseite 2 – </a:t>
+              <a:t>Webseite 3 – </a:t>
+            </a:r>
+            <a:r>
+              <a:rPr lang="de-DE" dirty="0" err="1"/>
+              <a:t>mapsite</a:t>
+            </a:r>
+            <a:r>
+              <a:rPr lang="de-DE" dirty="0"/>
+              <a:t> – main.js</a:t>
+            </a:r>
+          </a:p>
+        </p:txBody>
+      </p:sp>
+      <p:sp>
+        <p:nvSpPr>
+          <p:cNvPr id="3" name="Inhaltsplatzhalter 2">
+            <a:extLst>
+              <a:ext uri="{FF2B5EF4-FFF2-40B4-BE49-F238E27FC236}">
+                <a16:creationId xmlns:a16="http://schemas.microsoft.com/office/drawing/2014/main" id="{F1DEEC07-2251-DE5B-2D37-CB8AB028240F}"/>
+              </a:ext>
+            </a:extLst>
+          </p:cNvPr>
+          <p:cNvSpPr>
+            <a:spLocks noGrp="1"/>
+          </p:cNvSpPr>
+          <p:nvPr>
+            <p:ph idx="1"/>
+          </p:nvPr>
+        </p:nvSpPr>
+        <p:spPr>
+          <a:xfrm>
+            <a:off x="838200" y="1825625"/>
+            <a:ext cx="2247900" cy="2727325"/>
+          </a:xfrm>
+        </p:spPr>
+        <p:txBody>
+          <a:bodyPr/>
+          <a:lstStyle/>
+          <a:p>
+            <a:r>
+              <a:rPr lang="de-DE" dirty="0"/>
+              <a:t>Einladen des </a:t>
+            </a:r>
+            <a:r>
+              <a:rPr lang="de-DE" dirty="0" err="1"/>
+              <a:t>GeoJSON</a:t>
+            </a:r>
+            <a:r>
+              <a:rPr lang="de-DE" dirty="0"/>
+              <a:t> der Moore</a:t>
+            </a:r>
+          </a:p>
+          <a:p>
+            <a:endParaRPr lang="de-DE" dirty="0"/>
+          </a:p>
+          <a:p>
+            <a:pPr marL="0" indent="0">
+              <a:buNone/>
+            </a:pPr>
+            <a:endParaRPr lang="de-DE" dirty="0"/>
+          </a:p>
+        </p:txBody>
+      </p:sp>
+      <p:pic>
+        <p:nvPicPr>
+          <p:cNvPr id="5" name="Grafik 4">
+            <a:extLst>
+              <a:ext uri="{FF2B5EF4-FFF2-40B4-BE49-F238E27FC236}">
+                <a16:creationId xmlns:a16="http://schemas.microsoft.com/office/drawing/2014/main" id="{EE65ECE1-F55E-19F9-3BE9-B027850783D1}"/>
+              </a:ext>
+            </a:extLst>
+          </p:cNvPr>
+          <p:cNvPicPr>
+            <a:picLocks noChangeAspect="1"/>
+          </p:cNvPicPr>
+          <p:nvPr/>
+        </p:nvPicPr>
+        <p:blipFill>
+          <a:blip r:embed="rId2"/>
+          <a:stretch>
+            <a:fillRect/>
+          </a:stretch>
+        </p:blipFill>
+        <p:spPr>
+          <a:xfrm>
+            <a:off x="5021540" y="1415222"/>
+            <a:ext cx="4560609" cy="5195128"/>
+          </a:xfrm>
+          <a:prstGeom prst="rect">
+            <a:avLst/>
+          </a:prstGeom>
+        </p:spPr>
+      </p:pic>
+    </p:spTree>
+    <p:extLst>
+      <p:ext uri="{BB962C8B-B14F-4D97-AF65-F5344CB8AC3E}">
+        <p14:creationId xmlns:p14="http://schemas.microsoft.com/office/powerpoint/2010/main" val="1181007379"/>
+      </p:ext>
+    </p:extLst>
+  </p:cSld>
+  <p:clrMapOvr>
+    <a:masterClrMapping/>
+  </p:clrMapOvr>
+</p:sld>
+</file>
+
+<file path=ppt/slides/slide14.xml><?xml version="1.0" encoding="utf-8"?>
+<p:sld xmlns:a="http://schemas.openxmlformats.org/drawingml/2006/main" xmlns:r="http://schemas.openxmlformats.org/officeDocument/2006/relationships" xmlns:p="http://schemas.openxmlformats.org/presentationml/2006/main">
+  <p:cSld>
+    <p:bg>
+      <p:bgPr>
+        <a:solidFill>
+          <a:srgbClr val="3D5933">
+            <a:alpha val="20000"/>
+          </a:srgbClr>
+        </a:solidFill>
+        <a:effectLst/>
+      </p:bgPr>
+    </p:bg>
+    <p:spTree>
+      <p:nvGrpSpPr>
+        <p:cNvPr id="1" name=""/>
+        <p:cNvGrpSpPr/>
+        <p:nvPr/>
+      </p:nvGrpSpPr>
+      <p:grpSpPr>
+        <a:xfrm>
+          <a:off x="0" y="0"/>
+          <a:ext cx="0" cy="0"/>
+          <a:chOff x="0" y="0"/>
+          <a:chExt cx="0" cy="0"/>
+        </a:xfrm>
+      </p:grpSpPr>
+      <p:sp>
+        <p:nvSpPr>
+          <p:cNvPr id="2" name="Titel 1">
+            <a:extLst>
+              <a:ext uri="{FF2B5EF4-FFF2-40B4-BE49-F238E27FC236}">
+                <a16:creationId xmlns:a16="http://schemas.microsoft.com/office/drawing/2014/main" id="{C7E1847C-81C8-953E-F51E-199DB477A578}"/>
+              </a:ext>
+            </a:extLst>
+          </p:cNvPr>
+          <p:cNvSpPr>
+            <a:spLocks noGrp="1"/>
+          </p:cNvSpPr>
+          <p:nvPr>
+            <p:ph type="title"/>
+          </p:nvPr>
+        </p:nvSpPr>
+        <p:spPr/>
+        <p:txBody>
+          <a:bodyPr/>
+          <a:lstStyle/>
+          <a:p>
+            <a:r>
+              <a:rPr lang="de-DE" dirty="0"/>
+              <a:t>Webseite 3 – </a:t>
+            </a:r>
+            <a:r>
+              <a:rPr lang="de-DE" dirty="0" err="1"/>
+              <a:t>mapsite</a:t>
+            </a:r>
+            <a:r>
+              <a:rPr lang="de-DE" dirty="0"/>
+              <a:t> – main.js</a:t>
+            </a:r>
+          </a:p>
+        </p:txBody>
+      </p:sp>
+      <p:sp>
+        <p:nvSpPr>
+          <p:cNvPr id="3" name="Inhaltsplatzhalter 2">
+            <a:extLst>
+              <a:ext uri="{FF2B5EF4-FFF2-40B4-BE49-F238E27FC236}">
+                <a16:creationId xmlns:a16="http://schemas.microsoft.com/office/drawing/2014/main" id="{F1DEEC07-2251-DE5B-2D37-CB8AB028240F}"/>
+              </a:ext>
+            </a:extLst>
+          </p:cNvPr>
+          <p:cNvSpPr>
+            <a:spLocks noGrp="1"/>
+          </p:cNvSpPr>
+          <p:nvPr>
+            <p:ph idx="1"/>
+          </p:nvPr>
+        </p:nvSpPr>
+        <p:spPr>
+          <a:xfrm>
+            <a:off x="838200" y="1825625"/>
+            <a:ext cx="2800350" cy="2727325"/>
+          </a:xfrm>
+        </p:spPr>
+        <p:txBody>
+          <a:bodyPr/>
+          <a:lstStyle/>
+          <a:p>
+            <a:r>
+              <a:rPr lang="de-DE" dirty="0"/>
+              <a:t>Popup</a:t>
+            </a:r>
+          </a:p>
+          <a:p>
+            <a:r>
+              <a:rPr lang="de-DE" dirty="0"/>
+              <a:t>Verbesserung:</a:t>
+            </a:r>
+          </a:p>
+          <a:p>
+            <a:pPr marL="0" indent="0">
+              <a:buNone/>
+            </a:pPr>
+            <a:r>
+              <a:rPr lang="de-DE" dirty="0"/>
+              <a:t> </a:t>
+            </a:r>
+            <a:r>
+              <a:rPr lang="de-DE" dirty="0" err="1"/>
+              <a:t>if</a:t>
+            </a:r>
+            <a:r>
+              <a:rPr lang="de-DE" dirty="0"/>
+              <a:t>-Abfrage der Attribute </a:t>
+            </a:r>
+            <a:r>
+              <a:rPr lang="de-DE" dirty="0">
+                <a:sym typeface="Wingdings" panose="05000000000000000000" pitchFamily="2" charset="2"/>
+              </a:rPr>
+              <a:t> keine Abkürzungen im Popup</a:t>
+            </a:r>
+            <a:endParaRPr lang="de-DE" dirty="0"/>
+          </a:p>
+          <a:p>
+            <a:endParaRPr lang="de-DE" dirty="0"/>
+          </a:p>
+          <a:p>
+            <a:pPr marL="0" indent="0">
+              <a:buNone/>
+            </a:pPr>
+            <a:endParaRPr lang="de-DE" dirty="0"/>
+          </a:p>
+        </p:txBody>
+      </p:sp>
+      <p:pic>
+        <p:nvPicPr>
+          <p:cNvPr id="6" name="Grafik 5">
+            <a:extLst>
+              <a:ext uri="{FF2B5EF4-FFF2-40B4-BE49-F238E27FC236}">
+                <a16:creationId xmlns:a16="http://schemas.microsoft.com/office/drawing/2014/main" id="{F4820F1B-6143-15D8-D04A-B7D47D7CD7AC}"/>
+              </a:ext>
+            </a:extLst>
+          </p:cNvPr>
+          <p:cNvPicPr>
+            <a:picLocks noChangeAspect="1"/>
+          </p:cNvPicPr>
+          <p:nvPr/>
+        </p:nvPicPr>
+        <p:blipFill>
+          <a:blip r:embed="rId2"/>
+          <a:stretch>
+            <a:fillRect/>
+          </a:stretch>
+        </p:blipFill>
+        <p:spPr>
+          <a:xfrm>
+            <a:off x="4286409" y="1825625"/>
+            <a:ext cx="6805454" cy="2505075"/>
+          </a:xfrm>
+          <a:prstGeom prst="rect">
+            <a:avLst/>
+          </a:prstGeom>
+        </p:spPr>
+      </p:pic>
+    </p:spTree>
+    <p:extLst>
+      <p:ext uri="{BB962C8B-B14F-4D97-AF65-F5344CB8AC3E}">
+        <p14:creationId xmlns:p14="http://schemas.microsoft.com/office/powerpoint/2010/main" val="3219430064"/>
+      </p:ext>
+    </p:extLst>
+  </p:cSld>
+  <p:clrMapOvr>
+    <a:masterClrMapping/>
+  </p:clrMapOvr>
+</p:sld>
+</file>
+
+<file path=ppt/slides/slide15.xml><?xml version="1.0" encoding="utf-8"?>
+<p:sld xmlns:a="http://schemas.openxmlformats.org/drawingml/2006/main" xmlns:r="http://schemas.openxmlformats.org/officeDocument/2006/relationships" xmlns:p="http://schemas.openxmlformats.org/presentationml/2006/main">
+  <p:cSld>
+    <p:bg>
+      <p:bgPr>
+        <a:solidFill>
+          <a:srgbClr val="3D5933">
+            <a:alpha val="20000"/>
+          </a:srgbClr>
+        </a:solidFill>
+        <a:effectLst/>
+      </p:bgPr>
+    </p:bg>
+    <p:spTree>
+      <p:nvGrpSpPr>
+        <p:cNvPr id="1" name=""/>
+        <p:cNvGrpSpPr/>
+        <p:nvPr/>
+      </p:nvGrpSpPr>
+      <p:grpSpPr>
+        <a:xfrm>
+          <a:off x="0" y="0"/>
+          <a:ext cx="0" cy="0"/>
+          <a:chOff x="0" y="0"/>
+          <a:chExt cx="0" cy="0"/>
+        </a:xfrm>
+      </p:grpSpPr>
+      <p:sp>
+        <p:nvSpPr>
+          <p:cNvPr id="2" name="Titel 1">
+            <a:extLst>
+              <a:ext uri="{FF2B5EF4-FFF2-40B4-BE49-F238E27FC236}">
+                <a16:creationId xmlns:a16="http://schemas.microsoft.com/office/drawing/2014/main" id="{C7E1847C-81C8-953E-F51E-199DB477A578}"/>
+              </a:ext>
+            </a:extLst>
+          </p:cNvPr>
+          <p:cNvSpPr>
+            <a:spLocks noGrp="1"/>
+          </p:cNvSpPr>
+          <p:nvPr>
+            <p:ph type="title"/>
+          </p:nvPr>
+        </p:nvSpPr>
+        <p:spPr/>
+        <p:txBody>
+          <a:bodyPr/>
+          <a:lstStyle/>
+          <a:p>
+            <a:r>
+              <a:rPr lang="de-DE" dirty="0"/>
+              <a:t>Webseite 3 – </a:t>
+            </a:r>
+            <a:r>
+              <a:rPr lang="de-DE" dirty="0" err="1"/>
+              <a:t>gpxsite</a:t>
+            </a:r>
+            <a:r>
+              <a:rPr lang="de-DE" dirty="0"/>
+              <a:t> – index.html</a:t>
+            </a:r>
+          </a:p>
+        </p:txBody>
+      </p:sp>
+      <p:sp>
+        <p:nvSpPr>
+          <p:cNvPr id="3" name="Inhaltsplatzhalter 2">
+            <a:extLst>
+              <a:ext uri="{FF2B5EF4-FFF2-40B4-BE49-F238E27FC236}">
+                <a16:creationId xmlns:a16="http://schemas.microsoft.com/office/drawing/2014/main" id="{F1DEEC07-2251-DE5B-2D37-CB8AB028240F}"/>
+              </a:ext>
+            </a:extLst>
+          </p:cNvPr>
+          <p:cNvSpPr>
+            <a:spLocks noGrp="1"/>
+          </p:cNvSpPr>
+          <p:nvPr>
+            <p:ph idx="1"/>
+          </p:nvPr>
+        </p:nvSpPr>
+        <p:spPr/>
+        <p:txBody>
+          <a:bodyPr/>
+          <a:lstStyle/>
+          <a:p>
+            <a:r>
+              <a:rPr lang="de-DE" dirty="0"/>
+              <a:t>&lt;</a:t>
+            </a:r>
+            <a:r>
+              <a:rPr lang="de-DE" dirty="0" err="1"/>
+              <a:t>head</a:t>
+            </a:r>
+            <a:r>
+              <a:rPr lang="de-DE" dirty="0"/>
+              <a:t>&gt;  mit Plugins und Verweisen auf andere Skripte</a:t>
+            </a:r>
+          </a:p>
+        </p:txBody>
+      </p:sp>
+      <p:pic>
+        <p:nvPicPr>
+          <p:cNvPr id="8" name="Grafik 7">
+            <a:extLst>
+              <a:ext uri="{FF2B5EF4-FFF2-40B4-BE49-F238E27FC236}">
+                <a16:creationId xmlns:a16="http://schemas.microsoft.com/office/drawing/2014/main" id="{5AB5DD5F-6063-409D-50B8-D654461E4857}"/>
+              </a:ext>
+            </a:extLst>
+          </p:cNvPr>
+          <p:cNvPicPr>
+            <a:picLocks noChangeAspect="1"/>
+          </p:cNvPicPr>
+          <p:nvPr/>
+        </p:nvPicPr>
+        <p:blipFill>
+          <a:blip r:embed="rId2"/>
+          <a:stretch>
+            <a:fillRect/>
+          </a:stretch>
+        </p:blipFill>
+        <p:spPr>
+          <a:xfrm>
+            <a:off x="838200" y="2217522"/>
+            <a:ext cx="8403454" cy="4469922"/>
+          </a:xfrm>
+          <a:prstGeom prst="rect">
+            <a:avLst/>
+          </a:prstGeom>
+        </p:spPr>
+      </p:pic>
+    </p:spTree>
+    <p:extLst>
+      <p:ext uri="{BB962C8B-B14F-4D97-AF65-F5344CB8AC3E}">
+        <p14:creationId xmlns:p14="http://schemas.microsoft.com/office/powerpoint/2010/main" val="3868238782"/>
+      </p:ext>
+    </p:extLst>
+  </p:cSld>
+  <p:clrMapOvr>
+    <a:masterClrMapping/>
+  </p:clrMapOvr>
+</p:sld>
+</file>
+
+<file path=ppt/slides/slide16.xml><?xml version="1.0" encoding="utf-8"?>
+<p:sld xmlns:a="http://schemas.openxmlformats.org/drawingml/2006/main" xmlns:r="http://schemas.openxmlformats.org/officeDocument/2006/relationships" xmlns:p="http://schemas.openxmlformats.org/presentationml/2006/main">
+  <p:cSld>
+    <p:bg>
+      <p:bgPr>
+        <a:solidFill>
+          <a:srgbClr val="3D5933">
+            <a:alpha val="20000"/>
+          </a:srgbClr>
+        </a:solidFill>
+        <a:effectLst/>
+      </p:bgPr>
+    </p:bg>
+    <p:spTree>
+      <p:nvGrpSpPr>
+        <p:cNvPr id="1" name=""/>
+        <p:cNvGrpSpPr/>
+        <p:nvPr/>
+      </p:nvGrpSpPr>
+      <p:grpSpPr>
+        <a:xfrm>
+          <a:off x="0" y="0"/>
+          <a:ext cx="0" cy="0"/>
+          <a:chOff x="0" y="0"/>
+          <a:chExt cx="0" cy="0"/>
+        </a:xfrm>
+      </p:grpSpPr>
+      <p:sp>
+        <p:nvSpPr>
+          <p:cNvPr id="2" name="Titel 1">
+            <a:extLst>
+              <a:ext uri="{FF2B5EF4-FFF2-40B4-BE49-F238E27FC236}">
+                <a16:creationId xmlns:a16="http://schemas.microsoft.com/office/drawing/2014/main" id="{C7E1847C-81C8-953E-F51E-199DB477A578}"/>
+              </a:ext>
+            </a:extLst>
+          </p:cNvPr>
+          <p:cNvSpPr>
+            <a:spLocks noGrp="1"/>
+          </p:cNvSpPr>
+          <p:nvPr>
+            <p:ph type="title"/>
+          </p:nvPr>
+        </p:nvSpPr>
+        <p:spPr>
+          <a:xfrm>
+            <a:off x="838200" y="338492"/>
+            <a:ext cx="10515600" cy="1325563"/>
+          </a:xfrm>
+        </p:spPr>
+        <p:txBody>
+          <a:bodyPr/>
+          <a:lstStyle/>
+          <a:p>
+            <a:r>
+              <a:rPr lang="de-DE" dirty="0"/>
+              <a:t>Webseite 3 – </a:t>
+            </a:r>
+            <a:r>
+              <a:rPr lang="de-DE" dirty="0" err="1"/>
+              <a:t>gpxsite</a:t>
+            </a:r>
+            <a:r>
+              <a:rPr lang="de-DE" dirty="0"/>
+              <a:t> – gpxsite.js</a:t>
+            </a:r>
+          </a:p>
+        </p:txBody>
+      </p:sp>
+      <p:sp>
+        <p:nvSpPr>
+          <p:cNvPr id="3" name="Inhaltsplatzhalter 2">
+            <a:extLst>
+              <a:ext uri="{FF2B5EF4-FFF2-40B4-BE49-F238E27FC236}">
+                <a16:creationId xmlns:a16="http://schemas.microsoft.com/office/drawing/2014/main" id="{F1DEEC07-2251-DE5B-2D37-CB8AB028240F}"/>
+              </a:ext>
+            </a:extLst>
+          </p:cNvPr>
+          <p:cNvSpPr>
+            <a:spLocks noGrp="1"/>
+          </p:cNvSpPr>
+          <p:nvPr>
+            <p:ph idx="1"/>
+          </p:nvPr>
+        </p:nvSpPr>
+        <p:spPr/>
+        <p:txBody>
+          <a:bodyPr/>
+          <a:lstStyle/>
+          <a:p>
+            <a:r>
+              <a:rPr lang="de-DE" dirty="0"/>
+              <a:t>Implementierung und Visualisierung von GPX Track</a:t>
+            </a:r>
+          </a:p>
+        </p:txBody>
+      </p:sp>
+      <p:pic>
+        <p:nvPicPr>
+          <p:cNvPr id="5" name="Grafik 4">
+            <a:extLst>
+              <a:ext uri="{FF2B5EF4-FFF2-40B4-BE49-F238E27FC236}">
+                <a16:creationId xmlns:a16="http://schemas.microsoft.com/office/drawing/2014/main" id="{8784983B-23DD-7604-6898-D6EC08F06891}"/>
+              </a:ext>
+            </a:extLst>
+          </p:cNvPr>
+          <p:cNvPicPr>
+            <a:picLocks noChangeAspect="1"/>
+          </p:cNvPicPr>
+          <p:nvPr/>
+        </p:nvPicPr>
+        <p:blipFill>
+          <a:blip r:embed="rId2"/>
+          <a:stretch>
+            <a:fillRect/>
+          </a:stretch>
+        </p:blipFill>
+        <p:spPr>
+          <a:xfrm>
+            <a:off x="398524" y="2852486"/>
+            <a:ext cx="4323426" cy="2576007"/>
+          </a:xfrm>
+          <a:prstGeom prst="rect">
+            <a:avLst/>
+          </a:prstGeom>
+        </p:spPr>
+      </p:pic>
+      <p:pic>
+        <p:nvPicPr>
+          <p:cNvPr id="8" name="Grafik 7">
+            <a:extLst>
+              <a:ext uri="{FF2B5EF4-FFF2-40B4-BE49-F238E27FC236}">
+                <a16:creationId xmlns:a16="http://schemas.microsoft.com/office/drawing/2014/main" id="{73BD40FB-B64D-6DED-BA52-5EFFCF3E54BB}"/>
+              </a:ext>
+            </a:extLst>
+          </p:cNvPr>
+          <p:cNvPicPr>
+            <a:picLocks noChangeAspect="1"/>
+          </p:cNvPicPr>
+          <p:nvPr/>
+        </p:nvPicPr>
+        <p:blipFill>
+          <a:blip r:embed="rId3"/>
+          <a:stretch>
+            <a:fillRect/>
+          </a:stretch>
+        </p:blipFill>
+        <p:spPr>
+          <a:xfrm>
+            <a:off x="5161626" y="2835217"/>
+            <a:ext cx="6631850" cy="2593276"/>
+          </a:xfrm>
+          <a:prstGeom prst="rect">
+            <a:avLst/>
+          </a:prstGeom>
+        </p:spPr>
+      </p:pic>
+    </p:spTree>
+    <p:extLst>
+      <p:ext uri="{BB962C8B-B14F-4D97-AF65-F5344CB8AC3E}">
+        <p14:creationId xmlns:p14="http://schemas.microsoft.com/office/powerpoint/2010/main" val="1974547813"/>
+      </p:ext>
+    </p:extLst>
+  </p:cSld>
+  <p:clrMapOvr>
+    <a:masterClrMapping/>
+  </p:clrMapOvr>
+</p:sld>
+</file>
+
+<file path=ppt/slides/slide17.xml><?xml version="1.0" encoding="utf-8"?>
+<p:sld xmlns:a="http://schemas.openxmlformats.org/drawingml/2006/main" xmlns:r="http://schemas.openxmlformats.org/officeDocument/2006/relationships" xmlns:p="http://schemas.openxmlformats.org/presentationml/2006/main">
+  <p:cSld>
+    <p:bg>
+      <p:bgPr>
+        <a:solidFill>
+          <a:srgbClr val="3D5933">
+            <a:alpha val="20000"/>
+          </a:srgbClr>
+        </a:solidFill>
+        <a:effectLst/>
+      </p:bgPr>
+    </p:bg>
+    <p:spTree>
+      <p:nvGrpSpPr>
+        <p:cNvPr id="1" name=""/>
+        <p:cNvGrpSpPr/>
+        <p:nvPr/>
+      </p:nvGrpSpPr>
+      <p:grpSpPr>
+        <a:xfrm>
+          <a:off x="0" y="0"/>
+          <a:ext cx="0" cy="0"/>
+          <a:chOff x="0" y="0"/>
+          <a:chExt cx="0" cy="0"/>
+        </a:xfrm>
+      </p:grpSpPr>
+      <p:sp>
+        <p:nvSpPr>
+          <p:cNvPr id="2" name="Titel 1">
+            <a:extLst>
+              <a:ext uri="{FF2B5EF4-FFF2-40B4-BE49-F238E27FC236}">
+                <a16:creationId xmlns:a16="http://schemas.microsoft.com/office/drawing/2014/main" id="{C7E1847C-81C8-953E-F51E-199DB477A578}"/>
+              </a:ext>
+            </a:extLst>
+          </p:cNvPr>
+          <p:cNvSpPr>
+            <a:spLocks noGrp="1"/>
+          </p:cNvSpPr>
+          <p:nvPr>
+            <p:ph type="title"/>
+          </p:nvPr>
+        </p:nvSpPr>
+        <p:spPr/>
+        <p:txBody>
+          <a:bodyPr/>
+          <a:lstStyle/>
+          <a:p>
+            <a:r>
+              <a:rPr lang="de-DE" dirty="0"/>
+              <a:t>Webseite 3 – </a:t>
+            </a:r>
+            <a:r>
+              <a:rPr lang="de-DE" dirty="0" err="1"/>
+              <a:t>gpxsite</a:t>
+            </a:r>
+            <a:r>
+              <a:rPr lang="de-DE" dirty="0"/>
+              <a:t> – gpxsite.js</a:t>
+            </a:r>
+          </a:p>
+        </p:txBody>
+      </p:sp>
+      <p:sp>
+        <p:nvSpPr>
+          <p:cNvPr id="3" name="Inhaltsplatzhalter 2">
+            <a:extLst>
+              <a:ext uri="{FF2B5EF4-FFF2-40B4-BE49-F238E27FC236}">
+                <a16:creationId xmlns:a16="http://schemas.microsoft.com/office/drawing/2014/main" id="{F1DEEC07-2251-DE5B-2D37-CB8AB028240F}"/>
+              </a:ext>
+            </a:extLst>
+          </p:cNvPr>
+          <p:cNvSpPr>
+            <a:spLocks noGrp="1"/>
+          </p:cNvSpPr>
+          <p:nvPr>
+            <p:ph idx="1"/>
+          </p:nvPr>
+        </p:nvSpPr>
+        <p:spPr/>
+        <p:txBody>
+          <a:bodyPr/>
+          <a:lstStyle/>
+          <a:p>
+            <a:r>
+              <a:rPr lang="de-DE" dirty="0"/>
+              <a:t>Einbinden von Höhenprofil für die Wanderung</a:t>
+            </a:r>
+          </a:p>
+        </p:txBody>
+      </p:sp>
+      <p:pic>
+        <p:nvPicPr>
+          <p:cNvPr id="5" name="Grafik 4">
+            <a:extLst>
+              <a:ext uri="{FF2B5EF4-FFF2-40B4-BE49-F238E27FC236}">
+                <a16:creationId xmlns:a16="http://schemas.microsoft.com/office/drawing/2014/main" id="{6939D3BC-5D2D-438B-1D4B-7E6A77456833}"/>
+              </a:ext>
+            </a:extLst>
+          </p:cNvPr>
+          <p:cNvPicPr>
+            <a:picLocks noChangeAspect="1"/>
+          </p:cNvPicPr>
+          <p:nvPr/>
+        </p:nvPicPr>
+        <p:blipFill>
+          <a:blip r:embed="rId2"/>
+          <a:stretch>
+            <a:fillRect/>
+          </a:stretch>
+        </p:blipFill>
+        <p:spPr>
+          <a:xfrm>
+            <a:off x="1050292" y="3039955"/>
+            <a:ext cx="4143375" cy="2305050"/>
+          </a:xfrm>
+          <a:prstGeom prst="rect">
+            <a:avLst/>
+          </a:prstGeom>
+        </p:spPr>
+      </p:pic>
+      <p:pic>
+        <p:nvPicPr>
+          <p:cNvPr id="11" name="Grafik 10">
+            <a:extLst>
+              <a:ext uri="{FF2B5EF4-FFF2-40B4-BE49-F238E27FC236}">
+                <a16:creationId xmlns:a16="http://schemas.microsoft.com/office/drawing/2014/main" id="{15E4F151-CF94-CE68-FDD0-FD18EB2D1AA4}"/>
+              </a:ext>
+            </a:extLst>
+          </p:cNvPr>
+          <p:cNvPicPr>
+            <a:picLocks noChangeAspect="1"/>
+          </p:cNvPicPr>
+          <p:nvPr/>
+        </p:nvPicPr>
+        <p:blipFill>
+          <a:blip r:embed="rId3"/>
+          <a:stretch>
+            <a:fillRect/>
+          </a:stretch>
+        </p:blipFill>
+        <p:spPr>
+          <a:xfrm>
+            <a:off x="5405759" y="4319172"/>
+            <a:ext cx="3895725" cy="1019175"/>
+          </a:xfrm>
+          <a:prstGeom prst="rect">
+            <a:avLst/>
+          </a:prstGeom>
+        </p:spPr>
+      </p:pic>
+    </p:spTree>
+    <p:extLst>
+      <p:ext uri="{BB962C8B-B14F-4D97-AF65-F5344CB8AC3E}">
+        <p14:creationId xmlns:p14="http://schemas.microsoft.com/office/powerpoint/2010/main" val="2607883712"/>
+      </p:ext>
+    </p:extLst>
+  </p:cSld>
+  <p:clrMapOvr>
+    <a:masterClrMapping/>
+  </p:clrMapOvr>
+</p:sld>
+</file>
+
+<file path=ppt/slides/slide18.xml><?xml version="1.0" encoding="utf-8"?>
+<p:sld xmlns:a="http://schemas.openxmlformats.org/drawingml/2006/main" xmlns:r="http://schemas.openxmlformats.org/officeDocument/2006/relationships" xmlns:p="http://schemas.openxmlformats.org/presentationml/2006/main">
+  <p:cSld>
+    <p:bg>
+      <p:bgPr>
+        <a:solidFill>
+          <a:srgbClr val="3D5933">
+            <a:alpha val="20000"/>
+          </a:srgbClr>
+        </a:solidFill>
+        <a:effectLst/>
+      </p:bgPr>
+    </p:bg>
+    <p:spTree>
+      <p:nvGrpSpPr>
+        <p:cNvPr id="1" name=""/>
+        <p:cNvGrpSpPr/>
+        <p:nvPr/>
+      </p:nvGrpSpPr>
+      <p:grpSpPr>
+        <a:xfrm>
+          <a:off x="0" y="0"/>
+          <a:ext cx="0" cy="0"/>
+          <a:chOff x="0" y="0"/>
+          <a:chExt cx="0" cy="0"/>
+        </a:xfrm>
+      </p:grpSpPr>
+      <p:sp>
+        <p:nvSpPr>
+          <p:cNvPr id="2" name="Titel 1">
+            <a:extLst>
+              <a:ext uri="{FF2B5EF4-FFF2-40B4-BE49-F238E27FC236}">
+                <a16:creationId xmlns:a16="http://schemas.microsoft.com/office/drawing/2014/main" id="{C7E1847C-81C8-953E-F51E-199DB477A578}"/>
+              </a:ext>
+            </a:extLst>
+          </p:cNvPr>
+          <p:cNvSpPr>
+            <a:spLocks noGrp="1"/>
+          </p:cNvSpPr>
+          <p:nvPr>
+            <p:ph type="title"/>
+          </p:nvPr>
+        </p:nvSpPr>
+        <p:spPr/>
+        <p:txBody>
+          <a:bodyPr/>
+          <a:lstStyle/>
+          <a:p>
+            <a:r>
+              <a:rPr lang="de-DE" dirty="0"/>
+              <a:t>Webseite 3 – </a:t>
             </a:r>
             <a:r>
               <a:rPr lang="de-DE" dirty="0" err="1"/>

--- a/folien.pptx
+++ b/folien.pptx
@@ -9043,7 +9043,7 @@
             </a:r>
             <a:r>
               <a:rPr lang="de-DE" dirty="0" err="1"/>
-              <a:t>Pixaby</a:t>
+              <a:t>Pixabay</a:t>
             </a:r>
             <a:endParaRPr lang="de-DE" dirty="0"/>
           </a:p>

--- a/folien.pptx
+++ b/folien.pptx
@@ -8705,6 +8705,21 @@
               <a:t> Elevation Plugin </a:t>
             </a:r>
           </a:p>
+          <a:p>
+            <a:r>
+              <a:rPr lang="de-DE" dirty="0" err="1"/>
+              <a:t>Leaflet</a:t>
+            </a:r>
+            <a:r>
+              <a:rPr lang="de-DE" dirty="0"/>
+              <a:t> </a:t>
+            </a:r>
+            <a:r>
+              <a:rPr lang="de-DE" dirty="0" err="1"/>
+              <a:t>Minimap</a:t>
+            </a:r>
+            <a:endParaRPr lang="de-DE" dirty="0"/>
+          </a:p>
         </p:txBody>
       </p:sp>
     </p:spTree>
